--- a/卒研発表/卒論発表.pptx
+++ b/卒研発表/卒論発表.pptx
@@ -1303,7 +1303,7 @@
                 <a:ea typeface="+mn-ea"/>
                 <a:cs typeface="+mn-cs"/>
               </a:rPr>
-              <a:t>の方法を行った結果，最も検索精度が良かった次元数は</a:t>
+              <a:t>最も検索精度が良かった次元数は</a:t>
             </a:r>
             <a:r>
               <a:rPr kumimoji="1" lang="en-US" altLang="ja-JP" sz="1200" kern="1200" dirty="0" smtClean="0">
@@ -6534,32 +6534,6 @@
           </a:p>
         </p:txBody>
       </p:sp>
-      <p:pic>
-        <p:nvPicPr>
-          <p:cNvPr id="5" name="コンテンツ プレースホルダー 4"/>
-          <p:cNvPicPr>
-            <a:picLocks noGrp="1" noChangeAspect="1"/>
-          </p:cNvPicPr>
-          <p:nvPr>
-            <p:ph idx="1"/>
-          </p:nvPr>
-        </p:nvPicPr>
-        <p:blipFill>
-          <a:blip r:embed="rId3"/>
-          <a:stretch>
-            <a:fillRect/>
-          </a:stretch>
-        </p:blipFill>
-        <p:spPr>
-          <a:xfrm>
-            <a:off x="1476736" y="2635449"/>
-            <a:ext cx="6190527" cy="3720902"/>
-          </a:xfrm>
-          <a:prstGeom prst="rect">
-            <a:avLst/>
-          </a:prstGeom>
-        </p:spPr>
-      </p:pic>
       <p:sp>
         <p:nvSpPr>
           <p:cNvPr id="4" name="スライド番号プレースホルダー 3"/>
@@ -6628,6 +6602,32 @@
           </a:p>
         </p:txBody>
       </p:sp>
+      <p:pic>
+        <p:nvPicPr>
+          <p:cNvPr id="8" name="コンテンツ プレースホルダー 7"/>
+          <p:cNvPicPr>
+            <a:picLocks noGrp="1" noChangeAspect="1"/>
+          </p:cNvPicPr>
+          <p:nvPr>
+            <p:ph idx="1"/>
+          </p:nvPr>
+        </p:nvPicPr>
+        <p:blipFill>
+          <a:blip r:embed="rId3"/>
+          <a:stretch>
+            <a:fillRect/>
+          </a:stretch>
+        </p:blipFill>
+        <p:spPr>
+          <a:xfrm>
+            <a:off x="1822505" y="2864109"/>
+            <a:ext cx="5661137" cy="3402705"/>
+          </a:xfrm>
+          <a:prstGeom prst="rect">
+            <a:avLst/>
+          </a:prstGeom>
+        </p:spPr>
+      </p:pic>
     </p:spTree>
     <p:extLst>
       <p:ext uri="{BB962C8B-B14F-4D97-AF65-F5344CB8AC3E}">
@@ -17413,7 +17413,7 @@
           <a:p>
             <a:r>
               <a:rPr kumimoji="1" lang="ja-JP" altLang="en-US" dirty="0" smtClean="0"/>
-              <a:t>実験環境</a:t>
+              <a:t>実験環境（ここいらないかも）</a:t>
             </a:r>
             <a:endParaRPr kumimoji="1" lang="ja-JP" altLang="en-US" dirty="0"/>
           </a:p>

--- a/卒研発表/卒論発表.pptx
+++ b/卒研発表/卒論発表.pptx
@@ -5,7 +5,7 @@
     <p:sldMasterId id="2147483660" r:id="rId1"/>
   </p:sldMasterIdLst>
   <p:notesMasterIdLst>
-    <p:notesMasterId r:id="rId42"/>
+    <p:notesMasterId r:id="rId43"/>
   </p:notesMasterIdLst>
   <p:sldIdLst>
     <p:sldId id="256" r:id="rId2"/>
@@ -14,40 +14,41 @@
     <p:sldId id="257" r:id="rId5"/>
     <p:sldId id="263" r:id="rId6"/>
     <p:sldId id="265" r:id="rId7"/>
-    <p:sldId id="266" r:id="rId8"/>
+    <p:sldId id="303" r:id="rId8"/>
     <p:sldId id="283" r:id="rId9"/>
-    <p:sldId id="294" r:id="rId10"/>
-    <p:sldId id="293" r:id="rId11"/>
-    <p:sldId id="301" r:id="rId12"/>
-    <p:sldId id="295" r:id="rId13"/>
-    <p:sldId id="296" r:id="rId14"/>
-    <p:sldId id="297" r:id="rId15"/>
-    <p:sldId id="302" r:id="rId16"/>
-    <p:sldId id="298" r:id="rId17"/>
-    <p:sldId id="299" r:id="rId18"/>
-    <p:sldId id="300" r:id="rId19"/>
-    <p:sldId id="292" r:id="rId20"/>
-    <p:sldId id="289" r:id="rId21"/>
-    <p:sldId id="275" r:id="rId22"/>
-    <p:sldId id="277" r:id="rId23"/>
-    <p:sldId id="278" r:id="rId24"/>
-    <p:sldId id="279" r:id="rId25"/>
-    <p:sldId id="281" r:id="rId26"/>
-    <p:sldId id="282" r:id="rId27"/>
-    <p:sldId id="285" r:id="rId28"/>
-    <p:sldId id="287" r:id="rId29"/>
-    <p:sldId id="291" r:id="rId30"/>
-    <p:sldId id="269" r:id="rId31"/>
-    <p:sldId id="260" r:id="rId32"/>
-    <p:sldId id="280" r:id="rId33"/>
-    <p:sldId id="262" r:id="rId34"/>
-    <p:sldId id="264" r:id="rId35"/>
-    <p:sldId id="267" r:id="rId36"/>
-    <p:sldId id="271" r:id="rId37"/>
-    <p:sldId id="272" r:id="rId38"/>
-    <p:sldId id="273" r:id="rId39"/>
-    <p:sldId id="274" r:id="rId40"/>
-    <p:sldId id="290" r:id="rId41"/>
+    <p:sldId id="293" r:id="rId10"/>
+    <p:sldId id="301" r:id="rId11"/>
+    <p:sldId id="295" r:id="rId12"/>
+    <p:sldId id="296" r:id="rId13"/>
+    <p:sldId id="297" r:id="rId14"/>
+    <p:sldId id="302" r:id="rId15"/>
+    <p:sldId id="298" r:id="rId16"/>
+    <p:sldId id="299" r:id="rId17"/>
+    <p:sldId id="300" r:id="rId18"/>
+    <p:sldId id="292" r:id="rId19"/>
+    <p:sldId id="266" r:id="rId20"/>
+    <p:sldId id="272" r:id="rId21"/>
+    <p:sldId id="294" r:id="rId22"/>
+    <p:sldId id="290" r:id="rId23"/>
+    <p:sldId id="280" r:id="rId24"/>
+    <p:sldId id="289" r:id="rId25"/>
+    <p:sldId id="275" r:id="rId26"/>
+    <p:sldId id="277" r:id="rId27"/>
+    <p:sldId id="278" r:id="rId28"/>
+    <p:sldId id="279" r:id="rId29"/>
+    <p:sldId id="281" r:id="rId30"/>
+    <p:sldId id="282" r:id="rId31"/>
+    <p:sldId id="285" r:id="rId32"/>
+    <p:sldId id="287" r:id="rId33"/>
+    <p:sldId id="291" r:id="rId34"/>
+    <p:sldId id="269" r:id="rId35"/>
+    <p:sldId id="260" r:id="rId36"/>
+    <p:sldId id="262" r:id="rId37"/>
+    <p:sldId id="264" r:id="rId38"/>
+    <p:sldId id="267" r:id="rId39"/>
+    <p:sldId id="271" r:id="rId40"/>
+    <p:sldId id="273" r:id="rId41"/>
+    <p:sldId id="274" r:id="rId42"/>
   </p:sldIdLst>
   <p:sldSz cx="9144000" cy="6858000" type="screen4x3"/>
   <p:notesSz cx="6858000" cy="9144000"/>
@@ -701,17 +702,26 @@
           <a:bodyPr/>
           <a:lstStyle/>
           <a:p>
+            <a:pPr marL="0" marR="0" indent="0" algn="l" defTabSz="914400" rtl="0" eaLnBrk="1" fontAlgn="auto" latinLnBrk="0" hangingPunct="1">
+              <a:lnSpc>
+                <a:spcPct val="100000"/>
+              </a:lnSpc>
+              <a:spcBef>
+                <a:spcPts val="0"/>
+              </a:spcBef>
+              <a:spcAft>
+                <a:spcPts val="0"/>
+              </a:spcAft>
+              <a:buClrTx/>
+              <a:buSzTx/>
+              <a:buFontTx/>
+              <a:buNone/>
+              <a:tabLst/>
+              <a:defRPr/>
+            </a:pPr>
             <a:r>
               <a:rPr kumimoji="1" lang="ja-JP" altLang="en-US" dirty="0" smtClean="0"/>
-              <a:t>実験方法</a:t>
-            </a:r>
-            <a:r>
-              <a:rPr kumimoji="1" lang="en-US" altLang="ja-JP" dirty="0" smtClean="0"/>
-              <a:t>2</a:t>
-            </a:r>
-            <a:r>
-              <a:rPr kumimoji="1" lang="ja-JP" altLang="en-US" dirty="0" smtClean="0"/>
-              <a:t>は，実験</a:t>
+              <a:t>実験</a:t>
             </a:r>
             <a:r>
               <a:rPr kumimoji="1" lang="en-US" altLang="ja-JP" dirty="0" smtClean="0"/>
@@ -719,38 +729,68 @@
             </a:r>
             <a:r>
               <a:rPr kumimoji="1" lang="ja-JP" altLang="en-US" dirty="0" smtClean="0"/>
-              <a:t>と同様で上位</a:t>
-            </a:r>
-            <a:r>
-              <a:rPr kumimoji="1" lang="en-US" altLang="ja-JP" dirty="0" smtClean="0"/>
-              <a:t>20</a:t>
-            </a:r>
-            <a:r>
-              <a:rPr kumimoji="1" lang="ja-JP" altLang="en-US" dirty="0" smtClean="0"/>
-              <a:t>件の画像を取得します．</a:t>
-            </a:r>
-            <a:endParaRPr kumimoji="1" lang="en-US" altLang="ja-JP" dirty="0" smtClean="0"/>
-          </a:p>
-          <a:p>
-            <a:r>
-              <a:rPr kumimoji="1" lang="ja-JP" altLang="en-US" dirty="0" smtClean="0"/>
-              <a:t>その後，取得した画像について，各ラベルごとの正答率を調べます．</a:t>
-            </a:r>
-            <a:endParaRPr kumimoji="1" lang="en-US" altLang="ja-JP" dirty="0" smtClean="0"/>
-          </a:p>
-          <a:p>
-            <a:r>
-              <a:rPr kumimoji="1" lang="ja-JP" altLang="en-US" dirty="0" smtClean="0"/>
-              <a:t>また，取得した画像を類似度が高いとされた順に表示させます．</a:t>
-            </a:r>
-            <a:endParaRPr kumimoji="1" lang="en-US" altLang="ja-JP" dirty="0" smtClean="0"/>
-          </a:p>
-          <a:p>
-            <a:r>
-              <a:rPr kumimoji="1" lang="ja-JP" altLang="en-US" dirty="0" smtClean="0"/>
-              <a:t>視覚的な類似度があるか確認する．</a:t>
-            </a:r>
-            <a:endParaRPr kumimoji="1" lang="ja-JP" altLang="en-US" dirty="0"/>
+              <a:t>の結果では，</a:t>
+            </a:r>
+            <a:r>
+              <a:rPr kumimoji="1" lang="ja-JP" altLang="ja-JP" sz="1200" kern="1200" dirty="0" smtClean="0">
+                <a:solidFill>
+                  <a:schemeClr val="tx1"/>
+                </a:solidFill>
+                <a:effectLst/>
+                <a:latin typeface="+mn-lt"/>
+                <a:ea typeface="+mn-ea"/>
+                <a:cs typeface="+mn-cs"/>
+              </a:rPr>
+              <a:t>次元数</a:t>
+            </a:r>
+            <a:r>
+              <a:rPr kumimoji="1" lang="en-US" altLang="ja-JP" sz="1200" kern="1200" dirty="0" smtClean="0">
+                <a:solidFill>
+                  <a:schemeClr val="tx1"/>
+                </a:solidFill>
+                <a:effectLst/>
+                <a:latin typeface="+mn-lt"/>
+                <a:ea typeface="+mn-ea"/>
+                <a:cs typeface="+mn-cs"/>
+              </a:rPr>
+              <a:t>8192</a:t>
+            </a:r>
+            <a:r>
+              <a:rPr kumimoji="1" lang="ja-JP" altLang="ja-JP" sz="1200" kern="1200" dirty="0" smtClean="0">
+                <a:solidFill>
+                  <a:schemeClr val="tx1"/>
+                </a:solidFill>
+                <a:effectLst/>
+                <a:latin typeface="+mn-lt"/>
+                <a:ea typeface="+mn-ea"/>
+                <a:cs typeface="+mn-cs"/>
+              </a:rPr>
+              <a:t>の特徴ベクトルが最も良い検索精度となった．計算時間は，次元数が増えるのと比例して時間がかかるようになった．そのため次元数</a:t>
+            </a:r>
+            <a:r>
+              <a:rPr kumimoji="1" lang="en-US" altLang="ja-JP" sz="1200" kern="1200" dirty="0" smtClean="0">
+                <a:solidFill>
+                  <a:schemeClr val="tx1"/>
+                </a:solidFill>
+                <a:effectLst/>
+                <a:latin typeface="+mn-lt"/>
+                <a:ea typeface="+mn-ea"/>
+                <a:cs typeface="+mn-cs"/>
+              </a:rPr>
+              <a:t>8192</a:t>
+            </a:r>
+            <a:r>
+              <a:rPr kumimoji="1" lang="ja-JP" altLang="ja-JP" sz="1200" kern="1200" dirty="0" smtClean="0">
+                <a:solidFill>
+                  <a:schemeClr val="tx1"/>
+                </a:solidFill>
+                <a:effectLst/>
+                <a:latin typeface="+mn-lt"/>
+                <a:ea typeface="+mn-ea"/>
+                <a:cs typeface="+mn-cs"/>
+              </a:rPr>
+              <a:t>は，最も検索精度が良いが計算時間は，最もかかることが確認できる．</a:t>
+            </a:r>
           </a:p>
         </p:txBody>
       </p:sp>
@@ -780,7 +820,7 @@
     </p:spTree>
     <p:extLst>
       <p:ext uri="{BB962C8B-B14F-4D97-AF65-F5344CB8AC3E}">
-        <p14:creationId xmlns:p14="http://schemas.microsoft.com/office/powerpoint/2010/main" val="59642635"/>
+        <p14:creationId xmlns:p14="http://schemas.microsoft.com/office/powerpoint/2010/main" val="620561839"/>
       </p:ext>
     </p:extLst>
   </p:cSld>
@@ -834,35 +874,53 @@
           <a:bodyPr/>
           <a:lstStyle/>
           <a:p>
-            <a:pPr marL="0" marR="0" indent="0" algn="l" defTabSz="914400" rtl="0" eaLnBrk="1" fontAlgn="auto" latinLnBrk="0" hangingPunct="1">
-              <a:lnSpc>
-                <a:spcPct val="100000"/>
-              </a:lnSpc>
-              <a:spcBef>
-                <a:spcPts val="0"/>
-              </a:spcBef>
-              <a:spcAft>
-                <a:spcPts val="0"/>
-              </a:spcAft>
-              <a:buClrTx/>
-              <a:buSzTx/>
-              <a:buFontTx/>
-              <a:buNone/>
-              <a:tabLst/>
-              <a:defRPr/>
-            </a:pPr>
-            <a:r>
-              <a:rPr kumimoji="1" lang="ja-JP" altLang="en-US" dirty="0" smtClean="0"/>
+            <a:r>
+              <a:rPr kumimoji="1" lang="ja-JP" altLang="en-US" sz="1200" kern="1200" dirty="0" smtClean="0">
+                <a:solidFill>
+                  <a:schemeClr val="tx1"/>
+                </a:solidFill>
+                <a:effectLst/>
+                <a:latin typeface="+mn-lt"/>
+                <a:ea typeface="+mn-ea"/>
+                <a:cs typeface="+mn-cs"/>
+              </a:rPr>
               <a:t>実験</a:t>
             </a:r>
             <a:r>
-              <a:rPr kumimoji="1" lang="en-US" altLang="ja-JP" dirty="0" smtClean="0"/>
-              <a:t>1</a:t>
-            </a:r>
-            <a:r>
-              <a:rPr kumimoji="1" lang="ja-JP" altLang="en-US" dirty="0" smtClean="0"/>
-              <a:t>の結果では，</a:t>
-            </a:r>
+              <a:rPr kumimoji="1" lang="en-US" altLang="ja-JP" sz="1200" kern="1200" dirty="0" smtClean="0">
+                <a:solidFill>
+                  <a:schemeClr val="tx1"/>
+                </a:solidFill>
+                <a:effectLst/>
+                <a:latin typeface="+mn-lt"/>
+                <a:ea typeface="+mn-ea"/>
+                <a:cs typeface="+mn-cs"/>
+              </a:rPr>
+              <a:t>2</a:t>
+            </a:r>
+            <a:r>
+              <a:rPr kumimoji="1" lang="ja-JP" altLang="en-US" sz="1200" kern="1200" dirty="0" smtClean="0">
+                <a:solidFill>
+                  <a:schemeClr val="tx1"/>
+                </a:solidFill>
+                <a:effectLst/>
+                <a:latin typeface="+mn-lt"/>
+                <a:ea typeface="+mn-ea"/>
+                <a:cs typeface="+mn-cs"/>
+              </a:rPr>
+              <a:t>では，各ラベルの正答率についてみてきた．</a:t>
+            </a:r>
+            <a:endParaRPr kumimoji="1" lang="en-US" altLang="ja-JP" sz="1200" kern="1200" dirty="0" smtClean="0">
+              <a:solidFill>
+                <a:schemeClr val="tx1"/>
+              </a:solidFill>
+              <a:effectLst/>
+              <a:latin typeface="+mn-lt"/>
+              <a:ea typeface="+mn-ea"/>
+              <a:cs typeface="+mn-cs"/>
+            </a:endParaRPr>
+          </a:p>
+          <a:p>
             <a:r>
               <a:rPr kumimoji="1" lang="ja-JP" altLang="ja-JP" sz="1200" kern="1200" dirty="0" smtClean="0">
                 <a:solidFill>
@@ -873,7 +931,7 @@
                 <a:ea typeface="+mn-ea"/>
                 <a:cs typeface="+mn-cs"/>
               </a:rPr>
-              <a:t>次元数</a:t>
+              <a:t>各ラベルの検索精度には，特徴ベクトルごとに多少の違いはあるが，全体的に見るとラベル</a:t>
             </a:r>
             <a:r>
               <a:rPr kumimoji="1" lang="en-US" altLang="ja-JP" sz="1200" kern="1200" dirty="0" smtClean="0">
@@ -885,7 +943,7 @@
                 <a:ea typeface="+mn-ea"/>
                 <a:cs typeface="+mn-cs"/>
               </a:rPr>
-              <a:t>8192</a:t>
+              <a:t>1</a:t>
             </a:r>
             <a:r>
               <a:rPr kumimoji="1" lang="ja-JP" altLang="ja-JP" sz="1200" kern="1200" dirty="0" smtClean="0">
@@ -897,7 +955,7 @@
                 <a:ea typeface="+mn-ea"/>
                 <a:cs typeface="+mn-cs"/>
               </a:rPr>
-              <a:t>の特徴ベクトルが最も良い検索精度となった．計算時間は，次元数が増えるのと比例して時間がかかるようになった．そのため次元数</a:t>
+              <a:t>「</a:t>
             </a:r>
             <a:r>
               <a:rPr kumimoji="1" lang="en-US" altLang="ja-JP" sz="1200" kern="1200" dirty="0" smtClean="0">
@@ -909,7 +967,7 @@
                 <a:ea typeface="+mn-ea"/>
                 <a:cs typeface="+mn-cs"/>
               </a:rPr>
-              <a:t>8192</a:t>
+              <a:t>automobile</a:t>
             </a:r>
             <a:r>
               <a:rPr kumimoji="1" lang="ja-JP" altLang="ja-JP" sz="1200" kern="1200" dirty="0" smtClean="0">
@@ -921,8 +979,105 @@
                 <a:ea typeface="+mn-ea"/>
                 <a:cs typeface="+mn-cs"/>
               </a:rPr>
-              <a:t>は，最も検索精度が良いが計算時間は，最もかかることが確認できる．</a:t>
-            </a:r>
+              <a:t>」が</a:t>
+            </a:r>
+            <a:r>
+              <a:rPr kumimoji="1" lang="en-US" altLang="ja-JP" sz="1200" kern="1200" dirty="0" smtClean="0">
+                <a:solidFill>
+                  <a:schemeClr val="tx1"/>
+                </a:solidFill>
+                <a:effectLst/>
+                <a:latin typeface="+mn-lt"/>
+                <a:ea typeface="+mn-ea"/>
+                <a:cs typeface="+mn-cs"/>
+              </a:rPr>
+              <a:t>1</a:t>
+            </a:r>
+            <a:r>
+              <a:rPr kumimoji="1" lang="ja-JP" altLang="ja-JP" sz="1200" kern="1200" dirty="0" smtClean="0">
+                <a:solidFill>
+                  <a:schemeClr val="tx1"/>
+                </a:solidFill>
+                <a:effectLst/>
+                <a:latin typeface="+mn-lt"/>
+                <a:ea typeface="+mn-ea"/>
+                <a:cs typeface="+mn-cs"/>
+              </a:rPr>
+              <a:t>番良い検索精度が出せていると見受けられる．また，ラベル</a:t>
+            </a:r>
+            <a:r>
+              <a:rPr kumimoji="1" lang="en-US" altLang="ja-JP" sz="1200" kern="1200" dirty="0" smtClean="0">
+                <a:solidFill>
+                  <a:schemeClr val="tx1"/>
+                </a:solidFill>
+                <a:effectLst/>
+                <a:latin typeface="+mn-lt"/>
+                <a:ea typeface="+mn-ea"/>
+                <a:cs typeface="+mn-cs"/>
+              </a:rPr>
+              <a:t>3</a:t>
+            </a:r>
+            <a:r>
+              <a:rPr kumimoji="1" lang="ja-JP" altLang="ja-JP" sz="1200" kern="1200" dirty="0" smtClean="0">
+                <a:solidFill>
+                  <a:schemeClr val="tx1"/>
+                </a:solidFill>
+                <a:effectLst/>
+                <a:latin typeface="+mn-lt"/>
+                <a:ea typeface="+mn-ea"/>
+                <a:cs typeface="+mn-cs"/>
+              </a:rPr>
+              <a:t>「</a:t>
+            </a:r>
+            <a:r>
+              <a:rPr kumimoji="1" lang="en-US" altLang="ja-JP" sz="1200" kern="1200" dirty="0" smtClean="0">
+                <a:solidFill>
+                  <a:schemeClr val="tx1"/>
+                </a:solidFill>
+                <a:effectLst/>
+                <a:latin typeface="+mn-lt"/>
+                <a:ea typeface="+mn-ea"/>
+                <a:cs typeface="+mn-cs"/>
+              </a:rPr>
+              <a:t>cat</a:t>
+            </a:r>
+            <a:r>
+              <a:rPr kumimoji="1" lang="ja-JP" altLang="ja-JP" sz="1200" kern="1200" dirty="0" smtClean="0">
+                <a:solidFill>
+                  <a:schemeClr val="tx1"/>
+                </a:solidFill>
+                <a:effectLst/>
+                <a:latin typeface="+mn-lt"/>
+                <a:ea typeface="+mn-ea"/>
+                <a:cs typeface="+mn-cs"/>
+              </a:rPr>
+              <a:t>」が</a:t>
+            </a:r>
+            <a:r>
+              <a:rPr kumimoji="1" lang="en-US" altLang="ja-JP" sz="1200" kern="1200" dirty="0" smtClean="0">
+                <a:solidFill>
+                  <a:schemeClr val="tx1"/>
+                </a:solidFill>
+                <a:effectLst/>
+                <a:latin typeface="+mn-lt"/>
+                <a:ea typeface="+mn-ea"/>
+                <a:cs typeface="+mn-cs"/>
+              </a:rPr>
+              <a:t>1</a:t>
+            </a:r>
+            <a:r>
+              <a:rPr kumimoji="1" lang="ja-JP" altLang="ja-JP" sz="1200" kern="1200" dirty="0" smtClean="0">
+                <a:solidFill>
+                  <a:schemeClr val="tx1"/>
+                </a:solidFill>
+                <a:effectLst/>
+                <a:latin typeface="+mn-lt"/>
+                <a:ea typeface="+mn-ea"/>
+                <a:cs typeface="+mn-cs"/>
+              </a:rPr>
+              <a:t>番低い検索精度が出ていると見受けられた．</a:t>
+            </a:r>
+            <a:endParaRPr kumimoji="1" lang="ja-JP" altLang="en-US" dirty="0"/>
           </a:p>
         </p:txBody>
       </p:sp>
@@ -952,7 +1107,7 @@
     </p:spTree>
     <p:extLst>
       <p:ext uri="{BB962C8B-B14F-4D97-AF65-F5344CB8AC3E}">
-        <p14:creationId xmlns:p14="http://schemas.microsoft.com/office/powerpoint/2010/main" val="620561839"/>
+        <p14:creationId xmlns:p14="http://schemas.microsoft.com/office/powerpoint/2010/main" val="1772106562"/>
       </p:ext>
     </p:extLst>
   </p:cSld>
@@ -1007,7 +1162,7 @@
           <a:lstStyle/>
           <a:p>
             <a:r>
-              <a:rPr kumimoji="1" lang="ja-JP" altLang="en-US" sz="1200" kern="1200" dirty="0" smtClean="0">
+              <a:rPr kumimoji="1" lang="ja-JP" altLang="ja-JP" sz="1200" kern="1200" dirty="0" smtClean="0">
                 <a:solidFill>
                   <a:schemeClr val="tx1"/>
                 </a:solidFill>
@@ -1016,7 +1171,7 @@
                 <a:ea typeface="+mn-ea"/>
                 <a:cs typeface="+mn-cs"/>
               </a:rPr>
-              <a:t>実験</a:t>
+              <a:t>最も検索精度が良かった次元数は</a:t>
             </a:r>
             <a:r>
               <a:rPr kumimoji="1" lang="en-US" altLang="ja-JP" sz="1200" kern="1200" dirty="0" smtClean="0">
@@ -1028,10 +1183,10 @@
                 <a:ea typeface="+mn-ea"/>
                 <a:cs typeface="+mn-cs"/>
               </a:rPr>
-              <a:t>2</a:t>
-            </a:r>
-            <a:r>
-              <a:rPr kumimoji="1" lang="ja-JP" altLang="en-US" sz="1200" kern="1200" dirty="0" smtClean="0">
+              <a:t>8192</a:t>
+            </a:r>
+            <a:r>
+              <a:rPr kumimoji="1" lang="ja-JP" altLang="ja-JP" sz="1200" kern="1200" dirty="0" smtClean="0">
                 <a:solidFill>
                   <a:schemeClr val="tx1"/>
                 </a:solidFill>
@@ -1040,7 +1195,79 @@
                 <a:ea typeface="+mn-ea"/>
                 <a:cs typeface="+mn-cs"/>
               </a:rPr>
-              <a:t>では，各ラベルの正答率についてみてきた．</a:t>
+              <a:t>で正答率は約</a:t>
+            </a:r>
+            <a:r>
+              <a:rPr kumimoji="1" lang="en-US" altLang="ja-JP" sz="1200" kern="1200" dirty="0" smtClean="0">
+                <a:solidFill>
+                  <a:schemeClr val="tx1"/>
+                </a:solidFill>
+                <a:effectLst/>
+                <a:latin typeface="+mn-lt"/>
+                <a:ea typeface="+mn-ea"/>
+                <a:cs typeface="+mn-cs"/>
+              </a:rPr>
+              <a:t>42%</a:t>
+            </a:r>
+            <a:r>
+              <a:rPr kumimoji="1" lang="ja-JP" altLang="ja-JP" sz="1200" kern="1200" dirty="0" smtClean="0">
+                <a:solidFill>
+                  <a:schemeClr val="tx1"/>
+                </a:solidFill>
+                <a:effectLst/>
+                <a:latin typeface="+mn-lt"/>
+                <a:ea typeface="+mn-ea"/>
+                <a:cs typeface="+mn-cs"/>
+              </a:rPr>
+              <a:t>となった．しかし，計算時間の観点も考えると次元数</a:t>
+            </a:r>
+            <a:r>
+              <a:rPr kumimoji="1" lang="en-US" altLang="ja-JP" sz="1200" kern="1200" dirty="0" smtClean="0">
+                <a:solidFill>
+                  <a:schemeClr val="tx1"/>
+                </a:solidFill>
+                <a:effectLst/>
+                <a:latin typeface="+mn-lt"/>
+                <a:ea typeface="+mn-ea"/>
+                <a:cs typeface="+mn-cs"/>
+              </a:rPr>
+              <a:t>8192</a:t>
+            </a:r>
+            <a:r>
+              <a:rPr kumimoji="1" lang="ja-JP" altLang="ja-JP" sz="1200" kern="1200" dirty="0" smtClean="0">
+                <a:solidFill>
+                  <a:schemeClr val="tx1"/>
+                </a:solidFill>
+                <a:effectLst/>
+                <a:latin typeface="+mn-lt"/>
+                <a:ea typeface="+mn-ea"/>
+                <a:cs typeface="+mn-cs"/>
+              </a:rPr>
+              <a:t>は時間がかかり過ぎている．このことから次に正答率の良い次元数</a:t>
+            </a:r>
+            <a:r>
+              <a:rPr kumimoji="1" lang="en-US" altLang="ja-JP" sz="1200" kern="1200" dirty="0" smtClean="0">
+                <a:solidFill>
+                  <a:schemeClr val="tx1"/>
+                </a:solidFill>
+                <a:effectLst/>
+                <a:latin typeface="+mn-lt"/>
+                <a:ea typeface="+mn-ea"/>
+                <a:cs typeface="+mn-cs"/>
+              </a:rPr>
+              <a:t>1000</a:t>
+            </a:r>
+            <a:r>
+              <a:rPr kumimoji="1" lang="ja-JP" altLang="ja-JP" sz="1200" kern="1200" dirty="0" smtClean="0">
+                <a:solidFill>
+                  <a:schemeClr val="tx1"/>
+                </a:solidFill>
+                <a:effectLst/>
+                <a:latin typeface="+mn-lt"/>
+                <a:ea typeface="+mn-ea"/>
+                <a:cs typeface="+mn-cs"/>
+              </a:rPr>
+              <a:t>が，次元数，計算時間の両方の観点から最も良かったと考察される．</a:t>
             </a:r>
             <a:endParaRPr kumimoji="1" lang="en-US" altLang="ja-JP" sz="1200" kern="1200" dirty="0" smtClean="0">
               <a:solidFill>
@@ -1063,7 +1290,47 @@
                 <a:ea typeface="+mn-ea"/>
                 <a:cs typeface="+mn-cs"/>
               </a:rPr>
-              <a:t>各ラベルの検索精度には，特徴ベクトルごとに多少の違いはあるが，全体的に見るとラベル</a:t>
+              <a:t>各ラベルで正答率に差がないかを調査した．結果，ラベルによって正答率が良いラベルと悪いラベルがあることが判明した．つまり，一部のラベルでは十分な学習が行われなかったことが考えられる．</a:t>
+            </a:r>
+            <a:endParaRPr kumimoji="1" lang="en-US" altLang="ja-JP" sz="1200" kern="1200" dirty="0" smtClean="0">
+              <a:solidFill>
+                <a:schemeClr val="tx1"/>
+              </a:solidFill>
+              <a:effectLst/>
+              <a:latin typeface="+mn-lt"/>
+              <a:ea typeface="+mn-ea"/>
+              <a:cs typeface="+mn-cs"/>
+            </a:endParaRPr>
+          </a:p>
+          <a:p>
+            <a:pPr marL="0" marR="0" indent="0" algn="l" defTabSz="914400" rtl="0" eaLnBrk="1" fontAlgn="auto" latinLnBrk="0" hangingPunct="1">
+              <a:lnSpc>
+                <a:spcPct val="100000"/>
+              </a:lnSpc>
+              <a:spcBef>
+                <a:spcPts val="0"/>
+              </a:spcBef>
+              <a:spcAft>
+                <a:spcPts val="0"/>
+              </a:spcAft>
+              <a:buClrTx/>
+              <a:buSzTx/>
+              <a:buFontTx/>
+              <a:buNone/>
+              <a:tabLst/>
+              <a:defRPr/>
+            </a:pPr>
+            <a:r>
+              <a:rPr kumimoji="1" lang="ja-JP" altLang="ja-JP" sz="1200" kern="1200" dirty="0" smtClean="0">
+                <a:solidFill>
+                  <a:schemeClr val="tx1"/>
+                </a:solidFill>
+                <a:effectLst/>
+                <a:latin typeface="+mn-lt"/>
+                <a:ea typeface="+mn-ea"/>
+                <a:cs typeface="+mn-cs"/>
+              </a:rPr>
+              <a:t>すべての平均を求めてグラフに示した所，ラベル</a:t>
             </a:r>
             <a:r>
               <a:rPr kumimoji="1" lang="en-US" altLang="ja-JP" sz="1200" kern="1200" dirty="0" smtClean="0">
@@ -1087,31 +1354,7 @@
                 <a:ea typeface="+mn-ea"/>
                 <a:cs typeface="+mn-cs"/>
               </a:rPr>
-              <a:t>「</a:t>
-            </a:r>
-            <a:r>
-              <a:rPr kumimoji="1" lang="en-US" altLang="ja-JP" sz="1200" kern="1200" dirty="0" smtClean="0">
-                <a:solidFill>
-                  <a:schemeClr val="tx1"/>
-                </a:solidFill>
-                <a:effectLst/>
-                <a:latin typeface="+mn-lt"/>
-                <a:ea typeface="+mn-ea"/>
-                <a:cs typeface="+mn-cs"/>
-              </a:rPr>
-              <a:t>automobile</a:t>
-            </a:r>
-            <a:r>
-              <a:rPr kumimoji="1" lang="ja-JP" altLang="ja-JP" sz="1200" kern="1200" dirty="0" smtClean="0">
-                <a:solidFill>
-                  <a:schemeClr val="tx1"/>
-                </a:solidFill>
-                <a:effectLst/>
-                <a:latin typeface="+mn-lt"/>
-                <a:ea typeface="+mn-ea"/>
-                <a:cs typeface="+mn-cs"/>
-              </a:rPr>
-              <a:t>」が</a:t>
+              <a:t>が</a:t>
             </a:r>
             <a:r>
               <a:rPr kumimoji="1" lang="en-US" altLang="ja-JP" sz="1200" kern="1200" dirty="0" smtClean="0">
@@ -1135,7 +1378,7 @@
                 <a:ea typeface="+mn-ea"/>
                 <a:cs typeface="+mn-cs"/>
               </a:rPr>
-              <a:t>番良い検索精度が出せていると見受けられる．また，ラベル</a:t>
+              <a:t>番良い結果となり，ラベル</a:t>
             </a:r>
             <a:r>
               <a:rPr kumimoji="1" lang="en-US" altLang="ja-JP" sz="1200" kern="1200" dirty="0" smtClean="0">
@@ -1159,56 +1402,13 @@
                 <a:ea typeface="+mn-ea"/>
                 <a:cs typeface="+mn-cs"/>
               </a:rPr>
-              <a:t>「</a:t>
-            </a:r>
-            <a:r>
-              <a:rPr kumimoji="1" lang="en-US" altLang="ja-JP" sz="1200" kern="1200" dirty="0" smtClean="0">
-                <a:solidFill>
-                  <a:schemeClr val="tx1"/>
-                </a:solidFill>
-                <a:effectLst/>
-                <a:latin typeface="+mn-lt"/>
-                <a:ea typeface="+mn-ea"/>
-                <a:cs typeface="+mn-cs"/>
-              </a:rPr>
-              <a:t>cat</a:t>
-            </a:r>
-            <a:r>
-              <a:rPr kumimoji="1" lang="ja-JP" altLang="ja-JP" sz="1200" kern="1200" dirty="0" smtClean="0">
-                <a:solidFill>
-                  <a:schemeClr val="tx1"/>
-                </a:solidFill>
-                <a:effectLst/>
-                <a:latin typeface="+mn-lt"/>
-                <a:ea typeface="+mn-ea"/>
-                <a:cs typeface="+mn-cs"/>
-              </a:rPr>
-              <a:t>」が</a:t>
-            </a:r>
-            <a:r>
-              <a:rPr kumimoji="1" lang="en-US" altLang="ja-JP" sz="1200" kern="1200" dirty="0" smtClean="0">
-                <a:solidFill>
-                  <a:schemeClr val="tx1"/>
-                </a:solidFill>
-                <a:effectLst/>
-                <a:latin typeface="+mn-lt"/>
-                <a:ea typeface="+mn-ea"/>
-                <a:cs typeface="+mn-cs"/>
-              </a:rPr>
-              <a:t>1</a:t>
-            </a:r>
-            <a:r>
-              <a:rPr kumimoji="1" lang="ja-JP" altLang="ja-JP" sz="1200" kern="1200" dirty="0" smtClean="0">
-                <a:solidFill>
-                  <a:schemeClr val="tx1"/>
-                </a:solidFill>
-                <a:effectLst/>
-                <a:latin typeface="+mn-lt"/>
-                <a:ea typeface="+mn-ea"/>
-                <a:cs typeface="+mn-cs"/>
-              </a:rPr>
-              <a:t>番低い検索精度が出ていると見受けられた．</a:t>
-            </a:r>
+              <a:t>が悪い結果となった．</a:t>
+            </a:r>
+          </a:p>
+          <a:p>
+            <a:endParaRPr kumimoji="1" lang="en-US" altLang="ja-JP" dirty="0" smtClean="0"/>
+          </a:p>
+          <a:p>
             <a:endParaRPr kumimoji="1" lang="ja-JP" altLang="en-US" dirty="0"/>
           </a:p>
         </p:txBody>
@@ -1239,7 +1439,7 @@
     </p:spTree>
     <p:extLst>
       <p:ext uri="{BB962C8B-B14F-4D97-AF65-F5344CB8AC3E}">
-        <p14:creationId xmlns:p14="http://schemas.microsoft.com/office/powerpoint/2010/main" val="1772106562"/>
+        <p14:creationId xmlns:p14="http://schemas.microsoft.com/office/powerpoint/2010/main" val="3304892773"/>
       </p:ext>
     </p:extLst>
   </p:cSld>
@@ -1303,245 +1503,8 @@
                 <a:ea typeface="+mn-ea"/>
                 <a:cs typeface="+mn-cs"/>
               </a:rPr>
-              <a:t>最も検索精度が良かった次元数は</a:t>
-            </a:r>
-            <a:r>
-              <a:rPr kumimoji="1" lang="en-US" altLang="ja-JP" sz="1200" kern="1200" dirty="0" smtClean="0">
-                <a:solidFill>
-                  <a:schemeClr val="tx1"/>
-                </a:solidFill>
-                <a:effectLst/>
-                <a:latin typeface="+mn-lt"/>
-                <a:ea typeface="+mn-ea"/>
-                <a:cs typeface="+mn-cs"/>
-              </a:rPr>
-              <a:t>8192</a:t>
-            </a:r>
-            <a:r>
-              <a:rPr kumimoji="1" lang="ja-JP" altLang="ja-JP" sz="1200" kern="1200" dirty="0" smtClean="0">
-                <a:solidFill>
-                  <a:schemeClr val="tx1"/>
-                </a:solidFill>
-                <a:effectLst/>
-                <a:latin typeface="+mn-lt"/>
-                <a:ea typeface="+mn-ea"/>
-                <a:cs typeface="+mn-cs"/>
-              </a:rPr>
-              <a:t>で正答率は約</a:t>
-            </a:r>
-            <a:r>
-              <a:rPr kumimoji="1" lang="en-US" altLang="ja-JP" sz="1200" kern="1200" dirty="0" smtClean="0">
-                <a:solidFill>
-                  <a:schemeClr val="tx1"/>
-                </a:solidFill>
-                <a:effectLst/>
-                <a:latin typeface="+mn-lt"/>
-                <a:ea typeface="+mn-ea"/>
-                <a:cs typeface="+mn-cs"/>
-              </a:rPr>
-              <a:t>42%</a:t>
-            </a:r>
-            <a:r>
-              <a:rPr kumimoji="1" lang="ja-JP" altLang="ja-JP" sz="1200" kern="1200" dirty="0" smtClean="0">
-                <a:solidFill>
-                  <a:schemeClr val="tx1"/>
-                </a:solidFill>
-                <a:effectLst/>
-                <a:latin typeface="+mn-lt"/>
-                <a:ea typeface="+mn-ea"/>
-                <a:cs typeface="+mn-cs"/>
-              </a:rPr>
-              <a:t>となった．しかし，計算時間の観点も考えると次元数</a:t>
-            </a:r>
-            <a:r>
-              <a:rPr kumimoji="1" lang="en-US" altLang="ja-JP" sz="1200" kern="1200" dirty="0" smtClean="0">
-                <a:solidFill>
-                  <a:schemeClr val="tx1"/>
-                </a:solidFill>
-                <a:effectLst/>
-                <a:latin typeface="+mn-lt"/>
-                <a:ea typeface="+mn-ea"/>
-                <a:cs typeface="+mn-cs"/>
-              </a:rPr>
-              <a:t>8192</a:t>
-            </a:r>
-            <a:r>
-              <a:rPr kumimoji="1" lang="ja-JP" altLang="ja-JP" sz="1200" kern="1200" dirty="0" smtClean="0">
-                <a:solidFill>
-                  <a:schemeClr val="tx1"/>
-                </a:solidFill>
-                <a:effectLst/>
-                <a:latin typeface="+mn-lt"/>
-                <a:ea typeface="+mn-ea"/>
-                <a:cs typeface="+mn-cs"/>
-              </a:rPr>
-              <a:t>は時間がかかり過ぎている．このことから次に正答率の良い次元数</a:t>
-            </a:r>
-            <a:r>
-              <a:rPr kumimoji="1" lang="en-US" altLang="ja-JP" sz="1200" kern="1200" dirty="0" smtClean="0">
-                <a:solidFill>
-                  <a:schemeClr val="tx1"/>
-                </a:solidFill>
-                <a:effectLst/>
-                <a:latin typeface="+mn-lt"/>
-                <a:ea typeface="+mn-ea"/>
-                <a:cs typeface="+mn-cs"/>
-              </a:rPr>
-              <a:t>1000</a:t>
-            </a:r>
-            <a:r>
-              <a:rPr kumimoji="1" lang="ja-JP" altLang="ja-JP" sz="1200" kern="1200" dirty="0" smtClean="0">
-                <a:solidFill>
-                  <a:schemeClr val="tx1"/>
-                </a:solidFill>
-                <a:effectLst/>
-                <a:latin typeface="+mn-lt"/>
-                <a:ea typeface="+mn-ea"/>
-                <a:cs typeface="+mn-cs"/>
-              </a:rPr>
-              <a:t>が，次元数，計算時間の両方の観点から最も良かったと考察される．</a:t>
-            </a:r>
-            <a:endParaRPr kumimoji="1" lang="en-US" altLang="ja-JP" sz="1200" kern="1200" dirty="0" smtClean="0">
-              <a:solidFill>
-                <a:schemeClr val="tx1"/>
-              </a:solidFill>
-              <a:effectLst/>
-              <a:latin typeface="+mn-lt"/>
-              <a:ea typeface="+mn-ea"/>
-              <a:cs typeface="+mn-cs"/>
-            </a:endParaRPr>
-          </a:p>
-          <a:p>
-            <a:r>
-              <a:rPr kumimoji="1" lang="ja-JP" altLang="ja-JP" sz="1200" kern="1200" dirty="0" smtClean="0">
-                <a:solidFill>
-                  <a:schemeClr val="tx1"/>
-                </a:solidFill>
-                <a:effectLst/>
-                <a:latin typeface="+mn-lt"/>
-                <a:ea typeface="+mn-ea"/>
-                <a:cs typeface="+mn-cs"/>
-              </a:rPr>
-              <a:t>各ラベルで正答率に差がないかを調査した．結果，ラベルによって正答率が良いラベルと悪いラベルがあることが判明した．つまり，一部のラベルでは十分な学習が行われなかったことが考えられる．</a:t>
-            </a:r>
-            <a:endParaRPr kumimoji="1" lang="en-US" altLang="ja-JP" sz="1200" kern="1200" dirty="0" smtClean="0">
-              <a:solidFill>
-                <a:schemeClr val="tx1"/>
-              </a:solidFill>
-              <a:effectLst/>
-              <a:latin typeface="+mn-lt"/>
-              <a:ea typeface="+mn-ea"/>
-              <a:cs typeface="+mn-cs"/>
-            </a:endParaRPr>
-          </a:p>
-          <a:p>
-            <a:pPr marL="0" marR="0" indent="0" algn="l" defTabSz="914400" rtl="0" eaLnBrk="1" fontAlgn="auto" latinLnBrk="0" hangingPunct="1">
-              <a:lnSpc>
-                <a:spcPct val="100000"/>
-              </a:lnSpc>
-              <a:spcBef>
-                <a:spcPts val="0"/>
-              </a:spcBef>
-              <a:spcAft>
-                <a:spcPts val="0"/>
-              </a:spcAft>
-              <a:buClrTx/>
-              <a:buSzTx/>
-              <a:buFontTx/>
-              <a:buNone/>
-              <a:tabLst/>
-              <a:defRPr/>
-            </a:pPr>
-            <a:r>
-              <a:rPr kumimoji="1" lang="ja-JP" altLang="ja-JP" sz="1200" kern="1200" dirty="0" smtClean="0">
-                <a:solidFill>
-                  <a:schemeClr val="tx1"/>
-                </a:solidFill>
-                <a:effectLst/>
-                <a:latin typeface="+mn-lt"/>
-                <a:ea typeface="+mn-ea"/>
-                <a:cs typeface="+mn-cs"/>
-              </a:rPr>
-              <a:t>すべての平均を求めてグラフに示した所，ラベル</a:t>
-            </a:r>
-            <a:r>
-              <a:rPr kumimoji="1" lang="en-US" altLang="ja-JP" sz="1200" kern="1200" dirty="0" smtClean="0">
-                <a:solidFill>
-                  <a:schemeClr val="tx1"/>
-                </a:solidFill>
-                <a:effectLst/>
-                <a:latin typeface="+mn-lt"/>
-                <a:ea typeface="+mn-ea"/>
-                <a:cs typeface="+mn-cs"/>
-              </a:rPr>
-              <a:t>1</a:t>
-            </a:r>
-            <a:r>
-              <a:rPr kumimoji="1" lang="ja-JP" altLang="ja-JP" sz="1200" kern="1200" dirty="0" smtClean="0">
-                <a:solidFill>
-                  <a:schemeClr val="tx1"/>
-                </a:solidFill>
-                <a:effectLst/>
-                <a:latin typeface="+mn-lt"/>
-                <a:ea typeface="+mn-ea"/>
-                <a:cs typeface="+mn-cs"/>
-              </a:rPr>
-              <a:t>が</a:t>
-            </a:r>
-            <a:r>
-              <a:rPr kumimoji="1" lang="en-US" altLang="ja-JP" sz="1200" kern="1200" dirty="0" smtClean="0">
-                <a:solidFill>
-                  <a:schemeClr val="tx1"/>
-                </a:solidFill>
-                <a:effectLst/>
-                <a:latin typeface="+mn-lt"/>
-                <a:ea typeface="+mn-ea"/>
-                <a:cs typeface="+mn-cs"/>
-              </a:rPr>
-              <a:t>1</a:t>
-            </a:r>
-            <a:r>
-              <a:rPr kumimoji="1" lang="ja-JP" altLang="ja-JP" sz="1200" kern="1200" dirty="0" smtClean="0">
-                <a:solidFill>
-                  <a:schemeClr val="tx1"/>
-                </a:solidFill>
-                <a:effectLst/>
-                <a:latin typeface="+mn-lt"/>
-                <a:ea typeface="+mn-ea"/>
-                <a:cs typeface="+mn-cs"/>
-              </a:rPr>
-              <a:t>番良い結果となり，ラベル</a:t>
-            </a:r>
-            <a:r>
-              <a:rPr kumimoji="1" lang="en-US" altLang="ja-JP" sz="1200" kern="1200" dirty="0" smtClean="0">
-                <a:solidFill>
-                  <a:schemeClr val="tx1"/>
-                </a:solidFill>
-                <a:effectLst/>
-                <a:latin typeface="+mn-lt"/>
-                <a:ea typeface="+mn-ea"/>
-                <a:cs typeface="+mn-cs"/>
-              </a:rPr>
-              <a:t>3</a:t>
-            </a:r>
-            <a:r>
-              <a:rPr kumimoji="1" lang="ja-JP" altLang="ja-JP" sz="1200" kern="1200" dirty="0" smtClean="0">
-                <a:solidFill>
-                  <a:schemeClr val="tx1"/>
-                </a:solidFill>
-                <a:effectLst/>
-                <a:latin typeface="+mn-lt"/>
-                <a:ea typeface="+mn-ea"/>
-                <a:cs typeface="+mn-cs"/>
-              </a:rPr>
-              <a:t>が悪い結果となった．</a:t>
-            </a:r>
-          </a:p>
-          <a:p>
-            <a:endParaRPr kumimoji="1" lang="en-US" altLang="ja-JP" dirty="0" smtClean="0"/>
-          </a:p>
-          <a:p>
-            <a:endParaRPr kumimoji="1" lang="ja-JP" altLang="en-US" dirty="0"/>
+              <a:t>今後の展望として，本研究で行った提案手法を応用させるために，ユークリッド距離以外での類似性の評価，異なる深層学習モデル構造を使用した特徴ベクトル抽出を行うことで，異なる画像検索精度や得られる意味情報の調査をすることができるのではないかと考えている．また，本提案手法を用いて，最適な次元数の特徴ベクトルを画像検索システムに適用することでより柔軟な画像検索に貢献できることを期待している．</a:t>
+            </a:r>
           </a:p>
         </p:txBody>
       </p:sp>
@@ -1571,7 +1534,7 @@
     </p:spTree>
     <p:extLst>
       <p:ext uri="{BB962C8B-B14F-4D97-AF65-F5344CB8AC3E}">
-        <p14:creationId xmlns:p14="http://schemas.microsoft.com/office/powerpoint/2010/main" val="3304892773"/>
+        <p14:creationId xmlns:p14="http://schemas.microsoft.com/office/powerpoint/2010/main" val="78962884"/>
       </p:ext>
     </p:extLst>
   </p:cSld>
@@ -1626,17 +1589,82 @@
           <a:lstStyle/>
           <a:p>
             <a:r>
-              <a:rPr kumimoji="1" lang="ja-JP" altLang="ja-JP" sz="1200" kern="1200" dirty="0" smtClean="0">
-                <a:solidFill>
-                  <a:schemeClr val="tx1"/>
-                </a:solidFill>
-                <a:effectLst/>
-                <a:latin typeface="+mn-lt"/>
-                <a:ea typeface="+mn-ea"/>
-                <a:cs typeface="+mn-cs"/>
-              </a:rPr>
-              <a:t>今後の展望として，本研究で行った提案手法を応用させるために，ユークリッド距離以外での類似性の評価，異なる深層学習モデル構造を使用した特徴ベクトル抽出を行うことで，異なる画像検索精度や得られる意味情報の調査をすることができるのではないかと考えている．また，本提案手法を用いて，最適な次元数の特徴ベクトルを画像検索システムに適用することでより柔軟な画像検索に貢献できることを期待している．</a:t>
-            </a:r>
+              <a:rPr kumimoji="1" lang="ja-JP" altLang="en-US" dirty="0" smtClean="0"/>
+              <a:t>研究の方法としては，中間層の次元数を変化させて作成した深層学習モデルを複数用意し，</a:t>
+            </a:r>
+            <a:endParaRPr kumimoji="1" lang="en-US" altLang="ja-JP" dirty="0" smtClean="0"/>
+          </a:p>
+          <a:p>
+            <a:r>
+              <a:rPr kumimoji="1" lang="ja-JP" altLang="en-US" dirty="0" smtClean="0"/>
+              <a:t>それぞれのモデルを学習させる．学習には，</a:t>
+            </a:r>
+            <a:r>
+              <a:rPr kumimoji="1" lang="en-US" altLang="ja-JP" dirty="0" smtClean="0"/>
+              <a:t>CIFER-10</a:t>
+            </a:r>
+            <a:r>
+              <a:rPr kumimoji="1" lang="ja-JP" altLang="en-US" dirty="0" smtClean="0"/>
+              <a:t>データセットを使用する．</a:t>
+            </a:r>
+            <a:endParaRPr kumimoji="1" lang="en-US" altLang="ja-JP" dirty="0" smtClean="0"/>
+          </a:p>
+          <a:p>
+            <a:r>
+              <a:rPr kumimoji="1" lang="ja-JP" altLang="en-US" dirty="0" smtClean="0"/>
+              <a:t>画像集合を用意する．ここでは，</a:t>
+            </a:r>
+            <a:r>
+              <a:rPr kumimoji="1" lang="en-US" altLang="ja-JP" dirty="0" smtClean="0"/>
+              <a:t>CIFER-10</a:t>
+            </a:r>
+            <a:r>
+              <a:rPr kumimoji="1" lang="ja-JP" altLang="en-US" dirty="0" smtClean="0"/>
+              <a:t>のテストデータ</a:t>
+            </a:r>
+            <a:r>
+              <a:rPr kumimoji="1" lang="en-US" altLang="ja-JP" dirty="0" smtClean="0"/>
+              <a:t>1</a:t>
+            </a:r>
+            <a:r>
+              <a:rPr kumimoji="1" lang="ja-JP" altLang="en-US" dirty="0" smtClean="0"/>
+              <a:t>万件を使用する．</a:t>
+            </a:r>
+            <a:endParaRPr kumimoji="1" lang="en-US" altLang="ja-JP" dirty="0" smtClean="0"/>
+          </a:p>
+          <a:p>
+            <a:r>
+              <a:rPr kumimoji="1" lang="ja-JP" altLang="en-US" dirty="0" smtClean="0"/>
+              <a:t>その画像集合を利用して，作成したモデルを用いて特徴ベクトルを抽出する。</a:t>
+            </a:r>
+            <a:endParaRPr kumimoji="1" lang="en-US" altLang="ja-JP" dirty="0" smtClean="0"/>
+          </a:p>
+          <a:p>
+            <a:r>
+              <a:rPr kumimoji="1" lang="ja-JP" altLang="en-US" dirty="0" smtClean="0"/>
+              <a:t>抽出は識別層の手前の全結合層から行う．</a:t>
+            </a:r>
+            <a:endParaRPr kumimoji="1" lang="en-US" altLang="ja-JP" dirty="0" smtClean="0"/>
+          </a:p>
+          <a:p>
+            <a:r>
+              <a:rPr kumimoji="1" lang="ja-JP" altLang="en-US" dirty="0" smtClean="0"/>
+              <a:t>抽出した特徴ベクトルを使い，類似度を測る．</a:t>
+            </a:r>
+            <a:endParaRPr kumimoji="1" lang="en-US" altLang="ja-JP" dirty="0" smtClean="0"/>
+          </a:p>
+          <a:p>
+            <a:r>
+              <a:rPr kumimoji="1" lang="ja-JP" altLang="en-US" dirty="0" smtClean="0"/>
+              <a:t>その時の検索精度と計算時間について評価する．</a:t>
+            </a:r>
+            <a:endParaRPr kumimoji="1" lang="en-US" altLang="ja-JP" dirty="0" smtClean="0"/>
+          </a:p>
+          <a:p>
+            <a:endParaRPr kumimoji="1" lang="en-US" altLang="ja-JP" dirty="0"/>
+          </a:p>
+          <a:p>
+            <a:endParaRPr kumimoji="1" lang="ja-JP" altLang="en-US" dirty="0"/>
           </a:p>
         </p:txBody>
       </p:sp>
@@ -1655,9 +1683,9 @@
           <a:bodyPr/>
           <a:lstStyle/>
           <a:p>
-            <a:fld id="{4443CE40-FC38-4584-BE39-B2B04D0D6E7E}" type="slidenum">
+            <a:fld id="{9D828324-DCC9-430F-AD2C-1DD1805E2C40}" type="slidenum">
               <a:rPr kumimoji="1" lang="ja-JP" altLang="en-US" smtClean="0"/>
-              <a:t>15</a:t>
+              <a:t>19</a:t>
             </a:fld>
             <a:endParaRPr kumimoji="1" lang="ja-JP" altLang="en-US"/>
           </a:p>
@@ -1666,7 +1694,114 @@
     </p:spTree>
     <p:extLst>
       <p:ext uri="{BB962C8B-B14F-4D97-AF65-F5344CB8AC3E}">
-        <p14:creationId xmlns:p14="http://schemas.microsoft.com/office/powerpoint/2010/main" val="78962884"/>
+        <p14:creationId xmlns:p14="http://schemas.microsoft.com/office/powerpoint/2010/main" val="3414813227"/>
+      </p:ext>
+    </p:extLst>
+  </p:cSld>
+  <p:clrMapOvr>
+    <a:masterClrMapping/>
+  </p:clrMapOvr>
+</p:notes>
+</file>
+
+<file path=ppt/notesSlides/notesSlide15.xml><?xml version="1.0" encoding="utf-8"?>
+<p:notes xmlns:a="http://schemas.openxmlformats.org/drawingml/2006/main" xmlns:r="http://schemas.openxmlformats.org/officeDocument/2006/relationships" xmlns:p="http://schemas.openxmlformats.org/presentationml/2006/main">
+  <p:cSld>
+    <p:spTree>
+      <p:nvGrpSpPr>
+        <p:cNvPr id="1" name=""/>
+        <p:cNvGrpSpPr/>
+        <p:nvPr/>
+      </p:nvGrpSpPr>
+      <p:grpSpPr>
+        <a:xfrm>
+          <a:off x="0" y="0"/>
+          <a:ext cx="0" cy="0"/>
+          <a:chOff x="0" y="0"/>
+          <a:chExt cx="0" cy="0"/>
+        </a:xfrm>
+      </p:grpSpPr>
+      <p:sp>
+        <p:nvSpPr>
+          <p:cNvPr id="2" name="スライド イメージ プレースホルダー 1"/>
+          <p:cNvSpPr>
+            <a:spLocks noGrp="1" noRot="1" noChangeAspect="1"/>
+          </p:cNvSpPr>
+          <p:nvPr>
+            <p:ph type="sldImg"/>
+          </p:nvPr>
+        </p:nvSpPr>
+        <p:spPr/>
+      </p:sp>
+      <p:sp>
+        <p:nvSpPr>
+          <p:cNvPr id="3" name="ノート プレースホルダー 2"/>
+          <p:cNvSpPr>
+            <a:spLocks noGrp="1"/>
+          </p:cNvSpPr>
+          <p:nvPr>
+            <p:ph type="body" idx="1"/>
+          </p:nvPr>
+        </p:nvSpPr>
+        <p:spPr/>
+        <p:txBody>
+          <a:bodyPr/>
+          <a:lstStyle/>
+          <a:p>
+            <a:r>
+              <a:rPr kumimoji="1" lang="en-US" altLang="ja-JP" dirty="0" err="1" smtClean="0"/>
+              <a:t>AlexNet</a:t>
+            </a:r>
+            <a:r>
+              <a:rPr kumimoji="1" lang="ja-JP" altLang="en-US" dirty="0" smtClean="0"/>
+              <a:t>の構造をもとにしたモデルを作成，中間層の次元数を変化させて複数作成した．</a:t>
+            </a:r>
+            <a:endParaRPr kumimoji="1" lang="en-US" altLang="ja-JP" dirty="0" smtClean="0"/>
+          </a:p>
+          <a:p>
+            <a:r>
+              <a:rPr kumimoji="1" lang="ja-JP" altLang="en-US" dirty="0" smtClean="0"/>
+              <a:t>学習には</a:t>
+            </a:r>
+            <a:r>
+              <a:rPr kumimoji="1" lang="en-US" altLang="ja-JP" dirty="0" smtClean="0"/>
+              <a:t>CIFER-10</a:t>
+            </a:r>
+            <a:r>
+              <a:rPr kumimoji="1" lang="ja-JP" altLang="en-US" dirty="0" smtClean="0"/>
+              <a:t>のデータセットを使用する．</a:t>
+            </a:r>
+            <a:endParaRPr kumimoji="1" lang="ja-JP" altLang="en-US" dirty="0"/>
+          </a:p>
+        </p:txBody>
+      </p:sp>
+      <p:sp>
+        <p:nvSpPr>
+          <p:cNvPr id="4" name="スライド番号プレースホルダー 3"/>
+          <p:cNvSpPr>
+            <a:spLocks noGrp="1"/>
+          </p:cNvSpPr>
+          <p:nvPr>
+            <p:ph type="sldNum" sz="quarter" idx="10"/>
+          </p:nvPr>
+        </p:nvSpPr>
+        <p:spPr/>
+        <p:txBody>
+          <a:bodyPr/>
+          <a:lstStyle/>
+          <a:p>
+            <a:fld id="{4443CE40-FC38-4584-BE39-B2B04D0D6E7E}" type="slidenum">
+              <a:rPr kumimoji="1" lang="ja-JP" altLang="en-US" smtClean="0"/>
+              <a:t>21</a:t>
+            </a:fld>
+            <a:endParaRPr kumimoji="1" lang="ja-JP" altLang="en-US"/>
+          </a:p>
+        </p:txBody>
+      </p:sp>
+    </p:spTree>
+    <p:extLst>
+      <p:ext uri="{BB962C8B-B14F-4D97-AF65-F5344CB8AC3E}">
+        <p14:creationId xmlns:p14="http://schemas.microsoft.com/office/powerpoint/2010/main" val="3781070957"/>
       </p:ext>
     </p:extLst>
   </p:cSld>
@@ -2300,7 +2435,14 @@
           <a:p>
             <a:r>
               <a:rPr kumimoji="1" lang="ja-JP" altLang="en-US" dirty="0" smtClean="0"/>
-              <a:t>研究の方法としては，中間層の次元数を変化させて作成した深層学習モデルを複数用意し，</a:t>
+              <a:t>研究の提案手法としては，機銃のモデルを作成します。</a:t>
+            </a:r>
+            <a:endParaRPr kumimoji="1" lang="en-US" altLang="ja-JP" dirty="0" smtClean="0"/>
+          </a:p>
+          <a:p>
+            <a:r>
+              <a:rPr kumimoji="1" lang="ja-JP" altLang="en-US" dirty="0" smtClean="0"/>
+              <a:t>その後，中間層の次元数を変化させて作成した深層学習モデルを複数用意し，</a:t>
             </a:r>
             <a:endParaRPr kumimoji="1" lang="en-US" altLang="ja-JP" dirty="0" smtClean="0"/>
           </a:p>
@@ -2371,9 +2513,6 @@
             <a:endParaRPr kumimoji="1" lang="en-US" altLang="ja-JP" dirty="0" smtClean="0"/>
           </a:p>
           <a:p>
-            <a:endParaRPr kumimoji="1" lang="en-US" altLang="ja-JP" dirty="0"/>
-          </a:p>
-          <a:p>
             <a:endParaRPr kumimoji="1" lang="ja-JP" altLang="en-US" dirty="0"/>
           </a:p>
         </p:txBody>
@@ -2393,7 +2532,7 @@
           <a:bodyPr/>
           <a:lstStyle/>
           <a:p>
-            <a:fld id="{9D828324-DCC9-430F-AD2C-1DD1805E2C40}" type="slidenum">
+            <a:fld id="{4443CE40-FC38-4584-BE39-B2B04D0D6E7E}" type="slidenum">
               <a:rPr kumimoji="1" lang="ja-JP" altLang="en-US" smtClean="0"/>
               <a:t>7</a:t>
             </a:fld>
@@ -2404,7 +2543,7 @@
     </p:spTree>
     <p:extLst>
       <p:ext uri="{BB962C8B-B14F-4D97-AF65-F5344CB8AC3E}">
-        <p14:creationId xmlns:p14="http://schemas.microsoft.com/office/powerpoint/2010/main" val="3414813227"/>
+        <p14:creationId xmlns:p14="http://schemas.microsoft.com/office/powerpoint/2010/main" val="2413278025"/>
       </p:ext>
     </p:extLst>
   </p:cSld>
@@ -2578,28 +2717,34 @@
           <a:lstStyle/>
           <a:p>
             <a:r>
-              <a:rPr kumimoji="1" lang="en-US" altLang="ja-JP" dirty="0" err="1" smtClean="0"/>
-              <a:t>AlexNet</a:t>
-            </a:r>
-            <a:r>
-              <a:rPr kumimoji="1" lang="ja-JP" altLang="en-US" dirty="0" smtClean="0"/>
-              <a:t>の構造をもとにしたモデルを作成，中間層の次元数を変化させて複数作成した．</a:t>
-            </a:r>
-            <a:endParaRPr kumimoji="1" lang="en-US" altLang="ja-JP" dirty="0" smtClean="0"/>
-          </a:p>
-          <a:p>
-            <a:r>
-              <a:rPr kumimoji="1" lang="ja-JP" altLang="en-US" dirty="0" smtClean="0"/>
-              <a:t>学習には</a:t>
-            </a:r>
-            <a:r>
-              <a:rPr kumimoji="1" lang="en-US" altLang="ja-JP" dirty="0" smtClean="0"/>
-              <a:t>CIFER-10</a:t>
-            </a:r>
-            <a:r>
-              <a:rPr kumimoji="1" lang="ja-JP" altLang="en-US" dirty="0" smtClean="0"/>
-              <a:t>のデータセットを使用する．</a:t>
-            </a:r>
+              <a:rPr lang="ja-JP" altLang="en-US" dirty="0" smtClean="0"/>
+              <a:t>抽出した特徴ベクトルを評価プログラムに読み込む．類似度を見るためにユークリッド距離を測る．</a:t>
+            </a:r>
+            <a:endParaRPr lang="en-US" altLang="ja-JP" dirty="0" smtClean="0"/>
+          </a:p>
+          <a:p>
+            <a:r>
+              <a:rPr lang="ja-JP" altLang="en-US" dirty="0" smtClean="0"/>
+              <a:t>距離の近い順に並び変える．並び変えるときにインデックス順に並び替える．本研究では，上位</a:t>
+            </a:r>
+            <a:r>
+              <a:rPr lang="en-US" altLang="ja-JP" dirty="0" smtClean="0"/>
+              <a:t>20</a:t>
+            </a:r>
+            <a:r>
+              <a:rPr lang="ja-JP" altLang="en-US" dirty="0" smtClean="0"/>
+              <a:t>件の画像を取得する．</a:t>
+            </a:r>
+            <a:endParaRPr lang="en-US" altLang="ja-JP" dirty="0" smtClean="0"/>
+          </a:p>
+          <a:p>
+            <a:r>
+              <a:rPr lang="ja-JP" altLang="en-US" dirty="0" smtClean="0"/>
+              <a:t>基準の画像のラベルと同じラベルを数える．正答率を計算し，検索精度をみる．ここまでの計算時間を測る．</a:t>
+            </a:r>
+            <a:endParaRPr lang="en-US" altLang="ja-JP" dirty="0" smtClean="0"/>
+          </a:p>
+          <a:p>
             <a:endParaRPr kumimoji="1" lang="ja-JP" altLang="en-US" dirty="0"/>
           </a:p>
         </p:txBody>
@@ -2630,7 +2775,7 @@
     </p:spTree>
     <p:extLst>
       <p:ext uri="{BB962C8B-B14F-4D97-AF65-F5344CB8AC3E}">
-        <p14:creationId xmlns:p14="http://schemas.microsoft.com/office/powerpoint/2010/main" val="3781070957"/>
+        <p14:creationId xmlns:p14="http://schemas.microsoft.com/office/powerpoint/2010/main" val="3883148401"/>
       </p:ext>
     </p:extLst>
   </p:cSld>
@@ -2685,34 +2830,54 @@
           <a:lstStyle/>
           <a:p>
             <a:r>
-              <a:rPr lang="ja-JP" altLang="en-US" dirty="0" smtClean="0"/>
-              <a:t>抽出した特徴ベクトルを評価プログラムに読み込む．類似度を見るためにユークリッド距離を測る．</a:t>
-            </a:r>
-            <a:endParaRPr lang="en-US" altLang="ja-JP" dirty="0" smtClean="0"/>
-          </a:p>
-          <a:p>
-            <a:r>
-              <a:rPr lang="ja-JP" altLang="en-US" dirty="0" smtClean="0"/>
-              <a:t>距離の近い順に並び変える．並び変えるときにインデックス順に並び替える．本研究では，上位</a:t>
-            </a:r>
-            <a:r>
-              <a:rPr lang="en-US" altLang="ja-JP" dirty="0" smtClean="0"/>
+              <a:rPr kumimoji="1" lang="ja-JP" altLang="en-US" dirty="0" smtClean="0"/>
+              <a:t>実験方法</a:t>
+            </a:r>
+            <a:r>
+              <a:rPr kumimoji="1" lang="en-US" altLang="ja-JP" dirty="0" smtClean="0"/>
+              <a:t>2</a:t>
+            </a:r>
+            <a:r>
+              <a:rPr kumimoji="1" lang="ja-JP" altLang="en-US" dirty="0" smtClean="0"/>
+              <a:t>は，実験</a:t>
+            </a:r>
+            <a:r>
+              <a:rPr kumimoji="1" lang="en-US" altLang="ja-JP" dirty="0" smtClean="0"/>
+              <a:t>1</a:t>
+            </a:r>
+            <a:r>
+              <a:rPr kumimoji="1" lang="ja-JP" altLang="en-US" dirty="0" smtClean="0"/>
+              <a:t>と同様で上位</a:t>
+            </a:r>
+            <a:r>
+              <a:rPr kumimoji="1" lang="en-US" altLang="ja-JP" dirty="0" smtClean="0"/>
               <a:t>20</a:t>
             </a:r>
             <a:r>
-              <a:rPr lang="ja-JP" altLang="en-US" dirty="0" smtClean="0"/>
-              <a:t>件の画像を取得する．</a:t>
-            </a:r>
-            <a:endParaRPr lang="en-US" altLang="ja-JP" dirty="0" smtClean="0"/>
-          </a:p>
-          <a:p>
-            <a:r>
-              <a:rPr lang="ja-JP" altLang="en-US" dirty="0" smtClean="0"/>
-              <a:t>基準の画像のラベルと同じラベルを数える．正答率を計算し，検索精度をみる．ここまでの計算時間を測る．</a:t>
-            </a:r>
-            <a:endParaRPr lang="en-US" altLang="ja-JP" dirty="0" smtClean="0"/>
-          </a:p>
-          <a:p>
+              <a:rPr kumimoji="1" lang="ja-JP" altLang="en-US" dirty="0" smtClean="0"/>
+              <a:t>件の画像を取得します．</a:t>
+            </a:r>
+            <a:endParaRPr kumimoji="1" lang="en-US" altLang="ja-JP" dirty="0" smtClean="0"/>
+          </a:p>
+          <a:p>
+            <a:r>
+              <a:rPr kumimoji="1" lang="ja-JP" altLang="en-US" dirty="0" smtClean="0"/>
+              <a:t>その後，取得した画像について，各ラベルごとの正答率を調べます．</a:t>
+            </a:r>
+            <a:endParaRPr kumimoji="1" lang="en-US" altLang="ja-JP" dirty="0" smtClean="0"/>
+          </a:p>
+          <a:p>
+            <a:r>
+              <a:rPr kumimoji="1" lang="ja-JP" altLang="en-US" dirty="0" smtClean="0"/>
+              <a:t>また，取得した画像を類似度が高いとされた順に表示させます．</a:t>
+            </a:r>
+            <a:endParaRPr kumimoji="1" lang="en-US" altLang="ja-JP" dirty="0" smtClean="0"/>
+          </a:p>
+          <a:p>
+            <a:r>
+              <a:rPr kumimoji="1" lang="ja-JP" altLang="en-US" dirty="0" smtClean="0"/>
+              <a:t>視覚的な類似度があるか確認する．</a:t>
+            </a:r>
             <a:endParaRPr kumimoji="1" lang="ja-JP" altLang="en-US" dirty="0"/>
           </a:p>
         </p:txBody>
@@ -2743,7 +2908,7 @@
     </p:spTree>
     <p:extLst>
       <p:ext uri="{BB962C8B-B14F-4D97-AF65-F5344CB8AC3E}">
-        <p14:creationId xmlns:p14="http://schemas.microsoft.com/office/powerpoint/2010/main" val="3883148401"/>
+        <p14:creationId xmlns:p14="http://schemas.microsoft.com/office/powerpoint/2010/main" val="59642635"/>
       </p:ext>
     </p:extLst>
   </p:cSld>
@@ -6072,101 +6237,96 @@
             </a:r>
             <a:r>
               <a:rPr kumimoji="1" lang="en-US" altLang="ja-JP" dirty="0" smtClean="0"/>
+              <a:t>2</a:t>
+            </a:r>
+            <a:endParaRPr kumimoji="1" lang="ja-JP" altLang="en-US" dirty="0"/>
+          </a:p>
+        </p:txBody>
+      </p:sp>
+      <p:sp>
+        <p:nvSpPr>
+          <p:cNvPr id="3" name="コンテンツ プレースホルダー 2"/>
+          <p:cNvSpPr>
+            <a:spLocks noGrp="1"/>
+          </p:cNvSpPr>
+          <p:nvPr>
+            <p:ph idx="1"/>
+          </p:nvPr>
+        </p:nvSpPr>
+        <p:spPr/>
+        <p:txBody>
+          <a:bodyPr/>
+          <a:lstStyle/>
+          <a:p>
+            <a:pPr marL="514350" indent="-514350">
+              <a:buFont typeface="+mj-lt"/>
+              <a:buAutoNum type="arabicPeriod"/>
+            </a:pPr>
+            <a:r>
+              <a:rPr kumimoji="1" lang="ja-JP" altLang="en-US" dirty="0" smtClean="0"/>
+              <a:t>実験</a:t>
+            </a:r>
+            <a:r>
+              <a:rPr kumimoji="1" lang="en-US" altLang="ja-JP" dirty="0" smtClean="0"/>
               <a:t>1</a:t>
             </a:r>
+            <a:r>
+              <a:rPr kumimoji="1" lang="ja-JP" altLang="en-US" dirty="0" smtClean="0"/>
+              <a:t>と同様に上位</a:t>
+            </a:r>
+            <a:r>
+              <a:rPr kumimoji="1" lang="en-US" altLang="ja-JP" dirty="0" smtClean="0"/>
+              <a:t>20</a:t>
+            </a:r>
+            <a:r>
+              <a:rPr kumimoji="1" lang="ja-JP" altLang="en-US" dirty="0" smtClean="0"/>
+              <a:t>件の画像を取得する．</a:t>
+            </a:r>
+            <a:endParaRPr kumimoji="1" lang="en-US" altLang="ja-JP" dirty="0" smtClean="0"/>
+          </a:p>
+          <a:p>
+            <a:pPr marL="514350" indent="-514350">
+              <a:buFont typeface="+mj-lt"/>
+              <a:buAutoNum type="arabicPeriod"/>
+            </a:pPr>
+            <a:endParaRPr kumimoji="1" lang="en-US" altLang="ja-JP" dirty="0" smtClean="0"/>
+          </a:p>
+          <a:p>
+            <a:pPr marL="514350" indent="-514350">
+              <a:buFont typeface="+mj-lt"/>
+              <a:buAutoNum type="arabicPeriod"/>
+            </a:pPr>
+            <a:r>
+              <a:rPr lang="ja-JP" altLang="en-US" dirty="0"/>
+              <a:t>取得した</a:t>
+            </a:r>
+            <a:r>
+              <a:rPr lang="ja-JP" altLang="en-US" dirty="0" smtClean="0"/>
+              <a:t>画像について，ラベルごとの正答率を測る．</a:t>
+            </a:r>
+            <a:endParaRPr lang="en-US" altLang="ja-JP" dirty="0" smtClean="0"/>
+          </a:p>
+          <a:p>
+            <a:pPr marL="514350" indent="-514350">
+              <a:buFont typeface="+mj-lt"/>
+              <a:buAutoNum type="arabicPeriod"/>
+            </a:pPr>
+            <a:endParaRPr lang="en-US" altLang="ja-JP" dirty="0" smtClean="0"/>
+          </a:p>
+          <a:p>
+            <a:pPr marL="514350" indent="-514350">
+              <a:buFont typeface="+mj-lt"/>
+              <a:buAutoNum type="arabicPeriod"/>
+            </a:pPr>
+            <a:r>
+              <a:rPr kumimoji="1" lang="ja-JP" altLang="en-US" dirty="0"/>
+              <a:t>取得</a:t>
+            </a:r>
+            <a:r>
+              <a:rPr kumimoji="1" lang="ja-JP" altLang="en-US" dirty="0" smtClean="0"/>
+              <a:t>した画像を近い順に表示させる．</a:t>
+            </a:r>
             <a:endParaRPr kumimoji="1" lang="ja-JP" altLang="en-US" dirty="0"/>
-          </a:p>
-        </p:txBody>
-      </p:sp>
-      <p:sp>
-        <p:nvSpPr>
-          <p:cNvPr id="3" name="コンテンツ プレースホルダー 2"/>
-          <p:cNvSpPr>
-            <a:spLocks noGrp="1"/>
-          </p:cNvSpPr>
-          <p:nvPr>
-            <p:ph idx="1"/>
-          </p:nvPr>
-        </p:nvSpPr>
-        <p:spPr/>
-        <p:txBody>
-          <a:bodyPr/>
-          <a:lstStyle/>
-          <a:p>
-            <a:r>
-              <a:rPr lang="ja-JP" altLang="en-US" dirty="0"/>
-              <a:t>特徴</a:t>
-            </a:r>
-            <a:r>
-              <a:rPr lang="ja-JP" altLang="en-US" dirty="0" smtClean="0"/>
-              <a:t>ベクトルを評価プログラムに読み込む．</a:t>
-            </a:r>
-            <a:endParaRPr lang="en-US" altLang="ja-JP" dirty="0" smtClean="0"/>
-          </a:p>
-          <a:p>
-            <a:r>
-              <a:rPr lang="ja-JP" altLang="en-US" dirty="0" smtClean="0"/>
-              <a:t>ユークリッド距離を測る．</a:t>
-            </a:r>
-            <a:endParaRPr lang="en-US" altLang="ja-JP" dirty="0" smtClean="0"/>
-          </a:p>
-          <a:p>
-            <a:r>
-              <a:rPr lang="ja-JP" altLang="en-US" dirty="0" smtClean="0"/>
-              <a:t>距離の近い順に並び変える．</a:t>
-            </a:r>
-            <a:endParaRPr lang="en-US" altLang="ja-JP" dirty="0" smtClean="0"/>
-          </a:p>
-          <a:p>
-            <a:r>
-              <a:rPr lang="ja-JP" altLang="en-US" dirty="0" smtClean="0"/>
-              <a:t>上位</a:t>
-            </a:r>
-            <a:r>
-              <a:rPr lang="en-US" altLang="ja-JP" dirty="0" smtClean="0"/>
-              <a:t>20</a:t>
-            </a:r>
-            <a:r>
-              <a:rPr lang="ja-JP" altLang="en-US" dirty="0" smtClean="0"/>
-              <a:t>件の画像を取得する．</a:t>
-            </a:r>
-            <a:endParaRPr lang="en-US" altLang="ja-JP" dirty="0" smtClean="0"/>
-          </a:p>
-          <a:p>
-            <a:r>
-              <a:rPr lang="ja-JP" altLang="en-US" dirty="0"/>
-              <a:t>基準</a:t>
-            </a:r>
-            <a:r>
-              <a:rPr lang="ja-JP" altLang="en-US" dirty="0" smtClean="0"/>
-              <a:t>のラベルと同じラベルを数える．</a:t>
-            </a:r>
-            <a:endParaRPr lang="en-US" altLang="ja-JP" dirty="0" smtClean="0"/>
-          </a:p>
-          <a:p>
-            <a:r>
-              <a:rPr lang="ja-JP" altLang="en-US" dirty="0"/>
-              <a:t>正答率</a:t>
-            </a:r>
-            <a:r>
-              <a:rPr lang="ja-JP" altLang="en-US" dirty="0" smtClean="0"/>
-              <a:t>を計算し，検索精度をみる．</a:t>
-            </a:r>
-            <a:endParaRPr lang="en-US" altLang="ja-JP" dirty="0" smtClean="0"/>
-          </a:p>
-          <a:p>
-            <a:r>
-              <a:rPr lang="ja-JP" altLang="en-US" dirty="0"/>
-              <a:t>ここまで</a:t>
-            </a:r>
-            <a:r>
-              <a:rPr lang="ja-JP" altLang="en-US" dirty="0" smtClean="0"/>
-              <a:t>の計算時間を測る．</a:t>
-            </a:r>
-            <a:endParaRPr lang="en-US" altLang="ja-JP" dirty="0" smtClean="0"/>
-          </a:p>
-          <a:p>
-            <a:endParaRPr lang="en-US" altLang="ja-JP" dirty="0" smtClean="0"/>
           </a:p>
         </p:txBody>
       </p:sp>
@@ -6196,13 +6356,20 @@
     </p:spTree>
     <p:extLst>
       <p:ext uri="{BB962C8B-B14F-4D97-AF65-F5344CB8AC3E}">
-        <p14:creationId xmlns:p14="http://schemas.microsoft.com/office/powerpoint/2010/main" val="125702674"/>
+        <p14:creationId xmlns:p14="http://schemas.microsoft.com/office/powerpoint/2010/main" val="3561343645"/>
       </p:ext>
     </p:extLst>
   </p:cSld>
   <p:clrMapOvr>
     <a:masterClrMapping/>
   </p:clrMapOvr>
+  <p:timing>
+    <p:tnLst>
+      <p:par>
+        <p:cTn id="1" dur="indefinite" restart="never" nodeType="tmRoot"/>
+      </p:par>
+    </p:tnLst>
+  </p:timing>
 </p:sld>
 </file>
 
@@ -6240,77 +6407,42 @@
           <a:p>
             <a:r>
               <a:rPr kumimoji="1" lang="ja-JP" altLang="en-US" dirty="0" smtClean="0"/>
-              <a:t>実験方法</a:t>
-            </a:r>
-            <a:r>
-              <a:rPr kumimoji="1" lang="en-US" altLang="ja-JP" dirty="0" smtClean="0"/>
-              <a:t>2</a:t>
-            </a:r>
-            <a:endParaRPr kumimoji="1" lang="ja-JP" altLang="en-US" dirty="0"/>
-          </a:p>
-        </p:txBody>
-      </p:sp>
-      <p:sp>
-        <p:nvSpPr>
-          <p:cNvPr id="3" name="コンテンツ プレースホルダー 2"/>
-          <p:cNvSpPr>
-            <a:spLocks noGrp="1"/>
-          </p:cNvSpPr>
-          <p:nvPr>
-            <p:ph idx="1"/>
-          </p:nvPr>
-        </p:nvSpPr>
-        <p:spPr/>
-        <p:txBody>
-          <a:bodyPr/>
-          <a:lstStyle/>
-          <a:p>
-            <a:r>
-              <a:rPr kumimoji="1" lang="ja-JP" altLang="en-US" dirty="0" smtClean="0"/>
-              <a:t>実験</a:t>
+              <a:t>実験結果</a:t>
             </a:r>
             <a:r>
               <a:rPr kumimoji="1" lang="en-US" altLang="ja-JP" dirty="0" smtClean="0"/>
               <a:t>1</a:t>
             </a:r>
-            <a:r>
-              <a:rPr kumimoji="1" lang="ja-JP" altLang="en-US" dirty="0" smtClean="0"/>
-              <a:t>と同様に上位</a:t>
-            </a:r>
-            <a:r>
-              <a:rPr kumimoji="1" lang="en-US" altLang="ja-JP" dirty="0" smtClean="0"/>
-              <a:t>20</a:t>
-            </a:r>
-            <a:r>
-              <a:rPr kumimoji="1" lang="ja-JP" altLang="en-US" dirty="0" smtClean="0"/>
-              <a:t>件の画像を取得する．</a:t>
-            </a:r>
-            <a:endParaRPr kumimoji="1" lang="en-US" altLang="ja-JP" dirty="0" smtClean="0"/>
-          </a:p>
-          <a:p>
-            <a:r>
-              <a:rPr lang="ja-JP" altLang="en-US" dirty="0"/>
-              <a:t>取得した</a:t>
-            </a:r>
-            <a:r>
-              <a:rPr lang="ja-JP" altLang="en-US" dirty="0" smtClean="0"/>
-              <a:t>画像について，ラベルごとの正答率を測る．</a:t>
-            </a:r>
-            <a:endParaRPr lang="en-US" altLang="ja-JP" dirty="0" smtClean="0"/>
-          </a:p>
-          <a:p>
-            <a:r>
-              <a:rPr kumimoji="1" lang="ja-JP" altLang="en-US" dirty="0"/>
-              <a:t>取得</a:t>
-            </a:r>
-            <a:r>
-              <a:rPr kumimoji="1" lang="ja-JP" altLang="en-US" dirty="0" smtClean="0"/>
-              <a:t>した画像を近い順に表示させる．</a:t>
-            </a:r>
             <a:endParaRPr kumimoji="1" lang="ja-JP" altLang="en-US" dirty="0"/>
           </a:p>
         </p:txBody>
       </p:sp>
+      <p:pic>
+        <p:nvPicPr>
+          <p:cNvPr id="5" name="コンテンツ プレースホルダー 4"/>
+          <p:cNvPicPr>
+            <a:picLocks noGrp="1" noChangeAspect="1"/>
+          </p:cNvPicPr>
+          <p:nvPr>
+            <p:ph idx="1"/>
+          </p:nvPr>
+        </p:nvPicPr>
+        <p:blipFill>
+          <a:blip r:embed="rId3"/>
+          <a:stretch>
+            <a:fillRect/>
+          </a:stretch>
+        </p:blipFill>
+        <p:spPr>
+          <a:xfrm>
+            <a:off x="1627131" y="2531757"/>
+            <a:ext cx="6036985" cy="3628614"/>
+          </a:xfrm>
+          <a:prstGeom prst="rect">
+            <a:avLst/>
+          </a:prstGeom>
+        </p:spPr>
+      </p:pic>
       <p:sp>
         <p:nvSpPr>
           <p:cNvPr id="4" name="スライド番号プレースホルダー 3"/>
@@ -6334,16 +6466,60 @@
           </a:p>
         </p:txBody>
       </p:sp>
+      <p:sp>
+        <p:nvSpPr>
+          <p:cNvPr id="6" name="テキスト ボックス 5"/>
+          <p:cNvSpPr txBox="1"/>
+          <p:nvPr/>
+        </p:nvSpPr>
+        <p:spPr>
+          <a:xfrm>
+            <a:off x="1227221" y="1690689"/>
+            <a:ext cx="6689558" cy="923330"/>
+          </a:xfrm>
+          <a:prstGeom prst="rect">
+            <a:avLst/>
+          </a:prstGeom>
+          <a:noFill/>
+        </p:spPr>
+        <p:txBody>
+          <a:bodyPr wrap="square" rtlCol="0">
+            <a:spAutoFit/>
+          </a:bodyPr>
+          <a:lstStyle/>
+          <a:p>
+            <a:r>
+              <a:rPr lang="en-US" altLang="ja-JP" dirty="0" smtClean="0"/>
+              <a:t>8192</a:t>
+            </a:r>
+            <a:r>
+              <a:rPr lang="ja-JP" altLang="en-US" dirty="0" smtClean="0"/>
+              <a:t>次元が最も良い正答率となった．計算時間は，次元数が増えるごとに時間がかかることが確認できた．</a:t>
+            </a:r>
+            <a:endParaRPr kumimoji="1" lang="en-US" altLang="ja-JP" dirty="0" smtClean="0"/>
+          </a:p>
+          <a:p>
+            <a:endParaRPr kumimoji="1" lang="ja-JP" altLang="en-US" dirty="0"/>
+          </a:p>
+        </p:txBody>
+      </p:sp>
     </p:spTree>
     <p:extLst>
       <p:ext uri="{BB962C8B-B14F-4D97-AF65-F5344CB8AC3E}">
-        <p14:creationId xmlns:p14="http://schemas.microsoft.com/office/powerpoint/2010/main" val="3561343645"/>
+        <p14:creationId xmlns:p14="http://schemas.microsoft.com/office/powerpoint/2010/main" val="4277516818"/>
       </p:ext>
     </p:extLst>
   </p:cSld>
   <p:clrMapOvr>
     <a:masterClrMapping/>
   </p:clrMapOvr>
+  <p:timing>
+    <p:tnLst>
+      <p:par>
+        <p:cTn id="1" dur="indefinite" restart="never" nodeType="tmRoot"/>
+      </p:par>
+    </p:tnLst>
+  </p:timing>
 </p:sld>
 </file>
 
@@ -6385,38 +6561,12 @@
             </a:r>
             <a:r>
               <a:rPr kumimoji="1" lang="en-US" altLang="ja-JP" dirty="0" smtClean="0"/>
-              <a:t>1</a:t>
+              <a:t>2</a:t>
             </a:r>
             <a:endParaRPr kumimoji="1" lang="ja-JP" altLang="en-US" dirty="0"/>
           </a:p>
         </p:txBody>
       </p:sp>
-      <p:pic>
-        <p:nvPicPr>
-          <p:cNvPr id="5" name="コンテンツ プレースホルダー 4"/>
-          <p:cNvPicPr>
-            <a:picLocks noGrp="1" noChangeAspect="1"/>
-          </p:cNvPicPr>
-          <p:nvPr>
-            <p:ph idx="1"/>
-          </p:nvPr>
-        </p:nvPicPr>
-        <p:blipFill>
-          <a:blip r:embed="rId3"/>
-          <a:stretch>
-            <a:fillRect/>
-          </a:stretch>
-        </p:blipFill>
-        <p:spPr>
-          <a:xfrm>
-            <a:off x="1627131" y="2531757"/>
-            <a:ext cx="6036985" cy="3628614"/>
-          </a:xfrm>
-          <a:prstGeom prst="rect">
-            <a:avLst/>
-          </a:prstGeom>
-        </p:spPr>
-      </p:pic>
       <p:sp>
         <p:nvSpPr>
           <p:cNvPr id="4" name="スライド番号プレースホルダー 3"/>
@@ -6435,123 +6585,6 @@
             <a:fld id="{768BF403-63E9-4BE6-AA0B-408C483EA9DC}" type="slidenum">
               <a:rPr kumimoji="1" lang="ja-JP" altLang="en-US" smtClean="0"/>
               <a:t>12</a:t>
-            </a:fld>
-            <a:endParaRPr kumimoji="1" lang="ja-JP" altLang="en-US"/>
-          </a:p>
-        </p:txBody>
-      </p:sp>
-      <p:sp>
-        <p:nvSpPr>
-          <p:cNvPr id="6" name="テキスト ボックス 5"/>
-          <p:cNvSpPr txBox="1"/>
-          <p:nvPr/>
-        </p:nvSpPr>
-        <p:spPr>
-          <a:xfrm>
-            <a:off x="1227221" y="1690689"/>
-            <a:ext cx="6689558" cy="923330"/>
-          </a:xfrm>
-          <a:prstGeom prst="rect">
-            <a:avLst/>
-          </a:prstGeom>
-          <a:noFill/>
-        </p:spPr>
-        <p:txBody>
-          <a:bodyPr wrap="square" rtlCol="0">
-            <a:spAutoFit/>
-          </a:bodyPr>
-          <a:lstStyle/>
-          <a:p>
-            <a:r>
-              <a:rPr lang="en-US" altLang="ja-JP" dirty="0" smtClean="0"/>
-              <a:t>8192</a:t>
-            </a:r>
-            <a:r>
-              <a:rPr lang="ja-JP" altLang="en-US" dirty="0" smtClean="0"/>
-              <a:t>次元が最も良い正答率となった．計算時間は，次元数が増えるごとに時間がかかることが確認できた．</a:t>
-            </a:r>
-            <a:endParaRPr kumimoji="1" lang="en-US" altLang="ja-JP" dirty="0" smtClean="0"/>
-          </a:p>
-          <a:p>
-            <a:endParaRPr kumimoji="1" lang="ja-JP" altLang="en-US" dirty="0"/>
-          </a:p>
-        </p:txBody>
-      </p:sp>
-    </p:spTree>
-    <p:extLst>
-      <p:ext uri="{BB962C8B-B14F-4D97-AF65-F5344CB8AC3E}">
-        <p14:creationId xmlns:p14="http://schemas.microsoft.com/office/powerpoint/2010/main" val="4277516818"/>
-      </p:ext>
-    </p:extLst>
-  </p:cSld>
-  <p:clrMapOvr>
-    <a:masterClrMapping/>
-  </p:clrMapOvr>
-</p:sld>
-</file>
-
-<file path=ppt/slides/slide13.xml><?xml version="1.0" encoding="utf-8"?>
-<p:sld xmlns:a="http://schemas.openxmlformats.org/drawingml/2006/main" xmlns:r="http://schemas.openxmlformats.org/officeDocument/2006/relationships" xmlns:p="http://schemas.openxmlformats.org/presentationml/2006/main">
-  <p:cSld>
-    <p:spTree>
-      <p:nvGrpSpPr>
-        <p:cNvPr id="1" name=""/>
-        <p:cNvGrpSpPr/>
-        <p:nvPr/>
-      </p:nvGrpSpPr>
-      <p:grpSpPr>
-        <a:xfrm>
-          <a:off x="0" y="0"/>
-          <a:ext cx="0" cy="0"/>
-          <a:chOff x="0" y="0"/>
-          <a:chExt cx="0" cy="0"/>
-        </a:xfrm>
-      </p:grpSpPr>
-      <p:sp>
-        <p:nvSpPr>
-          <p:cNvPr id="2" name="タイトル 1"/>
-          <p:cNvSpPr>
-            <a:spLocks noGrp="1"/>
-          </p:cNvSpPr>
-          <p:nvPr>
-            <p:ph type="title"/>
-          </p:nvPr>
-        </p:nvSpPr>
-        <p:spPr/>
-        <p:txBody>
-          <a:bodyPr/>
-          <a:lstStyle/>
-          <a:p>
-            <a:r>
-              <a:rPr kumimoji="1" lang="ja-JP" altLang="en-US" dirty="0" smtClean="0"/>
-              <a:t>実験結果</a:t>
-            </a:r>
-            <a:r>
-              <a:rPr kumimoji="1" lang="en-US" altLang="ja-JP" dirty="0" smtClean="0"/>
-              <a:t>2</a:t>
-            </a:r>
-            <a:endParaRPr kumimoji="1" lang="ja-JP" altLang="en-US" dirty="0"/>
-          </a:p>
-        </p:txBody>
-      </p:sp>
-      <p:sp>
-        <p:nvSpPr>
-          <p:cNvPr id="4" name="スライド番号プレースホルダー 3"/>
-          <p:cNvSpPr>
-            <a:spLocks noGrp="1"/>
-          </p:cNvSpPr>
-          <p:nvPr>
-            <p:ph type="sldNum" sz="quarter" idx="12"/>
-          </p:nvPr>
-        </p:nvSpPr>
-        <p:spPr/>
-        <p:txBody>
-          <a:bodyPr/>
-          <a:lstStyle/>
-          <a:p>
-            <a:fld id="{768BF403-63E9-4BE6-AA0B-408C483EA9DC}" type="slidenum">
-              <a:rPr kumimoji="1" lang="ja-JP" altLang="en-US" smtClean="0"/>
-              <a:t>13</a:t>
             </a:fld>
             <a:endParaRPr kumimoji="1" lang="ja-JP" altLang="en-US"/>
           </a:p>
@@ -6638,6 +6671,151 @@
   <p:clrMapOvr>
     <a:masterClrMapping/>
   </p:clrMapOvr>
+  <p:timing>
+    <p:tnLst>
+      <p:par>
+        <p:cTn id="1" dur="indefinite" restart="never" nodeType="tmRoot"/>
+      </p:par>
+    </p:tnLst>
+  </p:timing>
+</p:sld>
+</file>
+
+<file path=ppt/slides/slide13.xml><?xml version="1.0" encoding="utf-8"?>
+<p:sld xmlns:a="http://schemas.openxmlformats.org/drawingml/2006/main" xmlns:r="http://schemas.openxmlformats.org/officeDocument/2006/relationships" xmlns:p="http://schemas.openxmlformats.org/presentationml/2006/main">
+  <p:cSld>
+    <p:spTree>
+      <p:nvGrpSpPr>
+        <p:cNvPr id="1" name=""/>
+        <p:cNvGrpSpPr/>
+        <p:nvPr/>
+      </p:nvGrpSpPr>
+      <p:grpSpPr>
+        <a:xfrm>
+          <a:off x="0" y="0"/>
+          <a:ext cx="0" cy="0"/>
+          <a:chOff x="0" y="0"/>
+          <a:chExt cx="0" cy="0"/>
+        </a:xfrm>
+      </p:grpSpPr>
+      <p:sp>
+        <p:nvSpPr>
+          <p:cNvPr id="2" name="タイトル 1"/>
+          <p:cNvSpPr>
+            <a:spLocks noGrp="1"/>
+          </p:cNvSpPr>
+          <p:nvPr>
+            <p:ph type="title"/>
+          </p:nvPr>
+        </p:nvSpPr>
+        <p:spPr/>
+        <p:txBody>
+          <a:bodyPr/>
+          <a:lstStyle/>
+          <a:p>
+            <a:r>
+              <a:rPr kumimoji="1" lang="ja-JP" altLang="en-US" dirty="0" smtClean="0"/>
+              <a:t>まとめ</a:t>
+            </a:r>
+            <a:endParaRPr kumimoji="1" lang="ja-JP" altLang="en-US" dirty="0"/>
+          </a:p>
+        </p:txBody>
+      </p:sp>
+      <p:sp>
+        <p:nvSpPr>
+          <p:cNvPr id="3" name="コンテンツ プレースホルダー 2"/>
+          <p:cNvSpPr>
+            <a:spLocks noGrp="1"/>
+          </p:cNvSpPr>
+          <p:nvPr>
+            <p:ph idx="1"/>
+          </p:nvPr>
+        </p:nvSpPr>
+        <p:spPr/>
+        <p:txBody>
+          <a:bodyPr/>
+          <a:lstStyle/>
+          <a:p>
+            <a:r>
+              <a:rPr kumimoji="1" lang="ja-JP" altLang="en-US" dirty="0" smtClean="0"/>
+              <a:t>次元数</a:t>
+            </a:r>
+            <a:r>
+              <a:rPr kumimoji="1" lang="en-US" altLang="ja-JP" dirty="0" smtClean="0"/>
+              <a:t>8192</a:t>
+            </a:r>
+            <a:r>
+              <a:rPr kumimoji="1" lang="ja-JP" altLang="en-US" dirty="0" smtClean="0"/>
+              <a:t>では，正答率は良いものの時間がかかり過ぎていたため，次元数</a:t>
+            </a:r>
+            <a:r>
+              <a:rPr kumimoji="1" lang="en-US" altLang="ja-JP" dirty="0" smtClean="0"/>
+              <a:t>1000</a:t>
+            </a:r>
+            <a:r>
+              <a:rPr kumimoji="1" lang="ja-JP" altLang="en-US" dirty="0" smtClean="0"/>
+              <a:t>が検索精度と計算時間の用法の観点から最も良かった．</a:t>
+            </a:r>
+            <a:endParaRPr kumimoji="1" lang="en-US" altLang="ja-JP" dirty="0" smtClean="0"/>
+          </a:p>
+          <a:p>
+            <a:endParaRPr lang="en-US" altLang="ja-JP" dirty="0"/>
+          </a:p>
+          <a:p>
+            <a:r>
+              <a:rPr kumimoji="1" lang="ja-JP" altLang="en-US" dirty="0" smtClean="0"/>
+              <a:t>各ラベルごとで正答率が異なった．</a:t>
+            </a:r>
+            <a:endParaRPr kumimoji="1" lang="en-US" altLang="ja-JP" dirty="0" smtClean="0"/>
+          </a:p>
+          <a:p>
+            <a:endParaRPr lang="en-US" altLang="ja-JP" dirty="0"/>
+          </a:p>
+          <a:p>
+            <a:endParaRPr kumimoji="1" lang="ja-JP" altLang="en-US" dirty="0"/>
+          </a:p>
+        </p:txBody>
+      </p:sp>
+      <p:sp>
+        <p:nvSpPr>
+          <p:cNvPr id="4" name="スライド番号プレースホルダー 3"/>
+          <p:cNvSpPr>
+            <a:spLocks noGrp="1"/>
+          </p:cNvSpPr>
+          <p:nvPr>
+            <p:ph type="sldNum" sz="quarter" idx="12"/>
+          </p:nvPr>
+        </p:nvSpPr>
+        <p:spPr/>
+        <p:txBody>
+          <a:bodyPr/>
+          <a:lstStyle/>
+          <a:p>
+            <a:fld id="{768BF403-63E9-4BE6-AA0B-408C483EA9DC}" type="slidenum">
+              <a:rPr kumimoji="1" lang="ja-JP" altLang="en-US" smtClean="0"/>
+              <a:t>13</a:t>
+            </a:fld>
+            <a:endParaRPr kumimoji="1" lang="ja-JP" altLang="en-US"/>
+          </a:p>
+        </p:txBody>
+      </p:sp>
+    </p:spTree>
+    <p:extLst>
+      <p:ext uri="{BB962C8B-B14F-4D97-AF65-F5344CB8AC3E}">
+        <p14:creationId xmlns:p14="http://schemas.microsoft.com/office/powerpoint/2010/main" val="4161256130"/>
+      </p:ext>
+    </p:extLst>
+  </p:cSld>
+  <p:clrMapOvr>
+    <a:masterClrMapping/>
+  </p:clrMapOvr>
+  <p:timing>
+    <p:tnLst>
+      <p:par>
+        <p:cTn id="1" dur="indefinite" restart="never" nodeType="tmRoot"/>
+      </p:par>
+    </p:tnLst>
+  </p:timing>
 </p:sld>
 </file>
 
@@ -6675,7 +6853,7 @@
           <a:p>
             <a:r>
               <a:rPr kumimoji="1" lang="ja-JP" altLang="en-US" dirty="0" smtClean="0"/>
-              <a:t>まとめ</a:t>
+              <a:t>今後の展望</a:t>
             </a:r>
             <a:endParaRPr kumimoji="1" lang="ja-JP" altLang="en-US" dirty="0"/>
           </a:p>
@@ -6698,23 +6876,7 @@
           <a:p>
             <a:r>
               <a:rPr kumimoji="1" lang="ja-JP" altLang="en-US" dirty="0" smtClean="0"/>
-              <a:t>次元数</a:t>
-            </a:r>
-            <a:r>
-              <a:rPr kumimoji="1" lang="en-US" altLang="ja-JP" dirty="0" smtClean="0"/>
-              <a:t>8192</a:t>
-            </a:r>
-            <a:r>
-              <a:rPr kumimoji="1" lang="ja-JP" altLang="en-US" dirty="0" smtClean="0"/>
-              <a:t>では，正答率は良いものの時間がかかり過ぎていたため，次元数</a:t>
-            </a:r>
-            <a:r>
-              <a:rPr kumimoji="1" lang="en-US" altLang="ja-JP" dirty="0" smtClean="0"/>
-              <a:t>1000</a:t>
-            </a:r>
-            <a:r>
-              <a:rPr kumimoji="1" lang="ja-JP" altLang="en-US" dirty="0" smtClean="0"/>
-              <a:t>が検索精度と計算時間の用法の観点から最も良かった．</a:t>
+              <a:t>本提案手法の応用として，ユークリッド距離以外での類似性評価，異なる深層学習モデル構造を使用した特徴ベクトル抽出．</a:t>
             </a:r>
             <a:endParaRPr kumimoji="1" lang="en-US" altLang="ja-JP" dirty="0" smtClean="0"/>
           </a:p>
@@ -6723,15 +6885,13 @@
           </a:p>
           <a:p>
             <a:r>
-              <a:rPr kumimoji="1" lang="ja-JP" altLang="en-US" dirty="0" smtClean="0"/>
-              <a:t>各ラベルごとで正答率が異なった．</a:t>
-            </a:r>
-            <a:endParaRPr kumimoji="1" lang="en-US" altLang="ja-JP" dirty="0" smtClean="0"/>
-          </a:p>
-          <a:p>
-            <a:endParaRPr lang="en-US" altLang="ja-JP" dirty="0"/>
-          </a:p>
-          <a:p>
+              <a:rPr lang="ja-JP" altLang="ja-JP" dirty="0" smtClean="0"/>
+              <a:t>最適</a:t>
+            </a:r>
+            <a:r>
+              <a:rPr lang="ja-JP" altLang="ja-JP" dirty="0"/>
+              <a:t>な次元数の特徴ベクトルを画像検索システムに適用することでより柔軟な画像検索に貢献できることを期待している．</a:t>
+            </a:r>
             <a:endParaRPr kumimoji="1" lang="ja-JP" altLang="en-US" dirty="0"/>
           </a:p>
         </p:txBody>
@@ -6762,13 +6922,20 @@
     </p:spTree>
     <p:extLst>
       <p:ext uri="{BB962C8B-B14F-4D97-AF65-F5344CB8AC3E}">
-        <p14:creationId xmlns:p14="http://schemas.microsoft.com/office/powerpoint/2010/main" val="4161256130"/>
+        <p14:creationId xmlns:p14="http://schemas.microsoft.com/office/powerpoint/2010/main" val="116710415"/>
       </p:ext>
     </p:extLst>
   </p:cSld>
   <p:clrMapOvr>
     <a:masterClrMapping/>
   </p:clrMapOvr>
+  <p:timing>
+    <p:tnLst>
+      <p:par>
+        <p:cTn id="1" dur="indefinite" restart="never" nodeType="tmRoot"/>
+      </p:par>
+    </p:tnLst>
+  </p:timing>
 </p:sld>
 </file>
 
@@ -6806,7 +6973,7 @@
           <a:p>
             <a:r>
               <a:rPr kumimoji="1" lang="ja-JP" altLang="en-US" dirty="0" smtClean="0"/>
-              <a:t>今後の展望</a:t>
+              <a:t>参考文献</a:t>
             </a:r>
             <a:endParaRPr kumimoji="1" lang="ja-JP" altLang="en-US" dirty="0"/>
           </a:p>
@@ -6824,27 +6991,135 @@
         </p:nvSpPr>
         <p:spPr/>
         <p:txBody>
-          <a:bodyPr/>
-          <a:lstStyle/>
-          <a:p>
-            <a:r>
-              <a:rPr kumimoji="1" lang="ja-JP" altLang="en-US" dirty="0" smtClean="0"/>
-              <a:t>本提案手法の応用として，ユークリッド距離以外での類似性評価，異なる深層学習モデル構造を使用した特徴ベクトル抽出．</a:t>
-            </a:r>
-            <a:endParaRPr kumimoji="1" lang="en-US" altLang="ja-JP" dirty="0" smtClean="0"/>
-          </a:p>
-          <a:p>
-            <a:endParaRPr lang="en-US" altLang="ja-JP" dirty="0"/>
-          </a:p>
-          <a:p>
-            <a:r>
-              <a:rPr lang="ja-JP" altLang="ja-JP" dirty="0" smtClean="0"/>
-              <a:t>最適</a:t>
+          <a:bodyPr>
+            <a:normAutofit fontScale="92500"/>
+          </a:bodyPr>
+          <a:lstStyle/>
+          <a:p>
+            <a:pPr lvl="0"/>
+            <a:r>
+              <a:rPr lang="en-US" altLang="ja-JP" dirty="0"/>
+              <a:t>Image Net</a:t>
+            </a:r>
+            <a:r>
+              <a:rPr lang="ja-JP" altLang="ja-JP" dirty="0" err="1"/>
+              <a:t>，</a:t>
+            </a:r>
+            <a:r>
+              <a:rPr lang="en-US" altLang="ja-JP" dirty="0"/>
+              <a:t>https://image-net.org/</a:t>
+            </a:r>
+            <a:r>
+              <a:rPr lang="ja-JP" altLang="ja-JP" dirty="0" err="1"/>
+              <a:t>，</a:t>
             </a:r>
             <a:r>
               <a:rPr lang="ja-JP" altLang="ja-JP" dirty="0"/>
-              <a:t>な次元数の特徴ベクトルを画像検索システムに適用することでより柔軟な画像検索に貢献できることを期待している．</a:t>
-            </a:r>
+              <a:t>（</a:t>
+            </a:r>
+            <a:r>
+              <a:rPr lang="en-US" altLang="ja-JP" dirty="0"/>
+              <a:t>2021/12/23</a:t>
+            </a:r>
+            <a:r>
+              <a:rPr lang="ja-JP" altLang="ja-JP" dirty="0"/>
+              <a:t>）</a:t>
+            </a:r>
+          </a:p>
+          <a:p>
+            <a:pPr lvl="0"/>
+            <a:r>
+              <a:rPr lang="en-US" altLang="ja-JP" dirty="0"/>
+              <a:t>Alex </a:t>
+            </a:r>
+            <a:r>
+              <a:rPr lang="en-US" altLang="ja-JP" dirty="0" err="1"/>
+              <a:t>Krizhevsky</a:t>
+            </a:r>
+            <a:r>
+              <a:rPr lang="ja-JP" altLang="ja-JP" dirty="0" err="1"/>
+              <a:t>，</a:t>
+            </a:r>
+            <a:r>
+              <a:rPr lang="en-US" altLang="ja-JP" dirty="0"/>
+              <a:t>Ilya </a:t>
+            </a:r>
+            <a:r>
+              <a:rPr lang="en-US" altLang="ja-JP" dirty="0" err="1"/>
+              <a:t>Sutskever</a:t>
+            </a:r>
+            <a:r>
+              <a:rPr lang="ja-JP" altLang="ja-JP" dirty="0" err="1"/>
+              <a:t>，</a:t>
+            </a:r>
+            <a:r>
+              <a:rPr lang="en-US" altLang="ja-JP" dirty="0"/>
+              <a:t>Geoffrey E. Hinton</a:t>
+            </a:r>
+            <a:r>
+              <a:rPr lang="ja-JP" altLang="ja-JP" dirty="0"/>
+              <a:t>：</a:t>
+            </a:r>
+            <a:r>
+              <a:rPr lang="en-US" altLang="ja-JP" dirty="0"/>
+              <a:t>ImageNet Classification with Deep </a:t>
+            </a:r>
+            <a:r>
+              <a:rPr lang="en-US" altLang="ja-JP" dirty="0" err="1"/>
+              <a:t>ConvolutionalNeural</a:t>
+            </a:r>
+            <a:r>
+              <a:rPr lang="en-US" altLang="ja-JP" dirty="0"/>
+              <a:t> Networks</a:t>
+            </a:r>
+            <a:r>
+              <a:rPr lang="ja-JP" altLang="ja-JP" dirty="0" err="1"/>
+              <a:t>，</a:t>
+            </a:r>
+            <a:r>
+              <a:rPr lang="ja-JP" altLang="ja-JP" dirty="0"/>
+              <a:t>（</a:t>
+            </a:r>
+            <a:r>
+              <a:rPr lang="en-US" altLang="ja-JP" dirty="0"/>
+              <a:t>2012</a:t>
+            </a:r>
+            <a:r>
+              <a:rPr lang="ja-JP" altLang="ja-JP" dirty="0"/>
+              <a:t>）．</a:t>
+            </a:r>
+          </a:p>
+          <a:p>
+            <a:pPr lvl="0"/>
+            <a:r>
+              <a:rPr lang="ja-JP" altLang="ja-JP" dirty="0"/>
+              <a:t>中山英樹：深層畳み込みニューラルネットワークによる画像特徴抽出と転移学習，電子情報通信学会技術研究報告，（</a:t>
+            </a:r>
+            <a:r>
+              <a:rPr lang="en-US" altLang="ja-JP" dirty="0"/>
+              <a:t>2015/7/17</a:t>
+            </a:r>
+            <a:r>
+              <a:rPr lang="ja-JP" altLang="ja-JP" dirty="0"/>
+              <a:t>）．</a:t>
+            </a:r>
+          </a:p>
+          <a:p>
+            <a:pPr lvl="0"/>
+            <a:r>
+              <a:rPr lang="ja-JP" altLang="ja-JP" dirty="0"/>
+              <a:t>鬼塚洋輔，山田太造，井上聡，内田誠一：花押類似検索のための畳み込みオートエンコーダによる画像特徴抽出，情報処理学会，（</a:t>
+            </a:r>
+            <a:r>
+              <a:rPr lang="en-US" altLang="ja-JP" dirty="0"/>
+              <a:t>2018/12</a:t>
+            </a:r>
+            <a:r>
+              <a:rPr lang="ja-JP" altLang="ja-JP" dirty="0"/>
+              <a:t>）．</a:t>
+            </a:r>
+          </a:p>
+          <a:p>
             <a:endParaRPr kumimoji="1" lang="ja-JP" altLang="en-US" dirty="0"/>
           </a:p>
         </p:txBody>
@@ -6875,13 +7150,20 @@
     </p:spTree>
     <p:extLst>
       <p:ext uri="{BB962C8B-B14F-4D97-AF65-F5344CB8AC3E}">
-        <p14:creationId xmlns:p14="http://schemas.microsoft.com/office/powerpoint/2010/main" val="116710415"/>
+        <p14:creationId xmlns:p14="http://schemas.microsoft.com/office/powerpoint/2010/main" val="1103071474"/>
       </p:ext>
     </p:extLst>
   </p:cSld>
   <p:clrMapOvr>
     <a:masterClrMapping/>
   </p:clrMapOvr>
+  <p:timing>
+    <p:tnLst>
+      <p:par>
+        <p:cTn id="1" dur="indefinite" restart="never" nodeType="tmRoot"/>
+      </p:par>
+    </p:tnLst>
+  </p:timing>
 </p:sld>
 </file>
 
@@ -6938,130 +7220,180 @@
         <p:spPr/>
         <p:txBody>
           <a:bodyPr>
-            <a:normAutofit fontScale="92500"/>
+            <a:normAutofit fontScale="77500" lnSpcReduction="20000"/>
           </a:bodyPr>
           <a:lstStyle/>
           <a:p>
             <a:pPr lvl="0"/>
             <a:r>
-              <a:rPr lang="en-US" altLang="ja-JP" dirty="0"/>
-              <a:t>Image Net</a:t>
-            </a:r>
-            <a:r>
-              <a:rPr lang="ja-JP" altLang="ja-JP" dirty="0" err="1"/>
+              <a:rPr lang="ja-JP" altLang="ja-JP" sz="3100" dirty="0"/>
+              <a:t>高橋春輝，竹川高志：ラベル情報の一般化による</a:t>
+            </a:r>
+            <a:r>
+              <a:rPr lang="en-US" altLang="ja-JP" sz="3100" dirty="0"/>
+              <a:t>Laplacian </a:t>
+            </a:r>
+            <a:r>
+              <a:rPr lang="en-US" altLang="ja-JP" sz="3100" dirty="0" err="1"/>
+              <a:t>Eigenmaps</a:t>
+            </a:r>
+            <a:r>
+              <a:rPr lang="ja-JP" altLang="ja-JP" sz="3100" dirty="0"/>
+              <a:t>と</a:t>
+            </a:r>
+            <a:r>
+              <a:rPr lang="en-US" altLang="ja-JP" sz="3100" dirty="0"/>
+              <a:t>Linear Discriminant Analysis</a:t>
+            </a:r>
+            <a:r>
+              <a:rPr lang="ja-JP" altLang="ja-JP" sz="3100" dirty="0"/>
+              <a:t>の体系化，人工知能学会前項九大会論文集，</a:t>
+            </a:r>
+            <a:r>
+              <a:rPr lang="en-US" altLang="ja-JP" sz="3100" dirty="0"/>
+              <a:t>34</a:t>
+            </a:r>
+            <a:r>
+              <a:rPr lang="ja-JP" altLang="ja-JP" sz="3100" dirty="0"/>
+              <a:t>巻，</a:t>
+            </a:r>
+            <a:r>
+              <a:rPr lang="en-US" altLang="ja-JP" sz="3100" dirty="0"/>
+              <a:t>ROMBUNNO.4B3-GS-1-03 </a:t>
+            </a:r>
+            <a:r>
+              <a:rPr lang="ja-JP" altLang="ja-JP" sz="3100" dirty="0" err="1"/>
               <a:t>，</a:t>
             </a:r>
             <a:r>
-              <a:rPr lang="en-US" altLang="ja-JP" dirty="0"/>
-              <a:t>https://image-net.org/</a:t>
-            </a:r>
-            <a:r>
-              <a:rPr lang="ja-JP" altLang="ja-JP" dirty="0" err="1"/>
+              <a:rPr lang="ja-JP" altLang="ja-JP" sz="3100" dirty="0"/>
+              <a:t>（</a:t>
+            </a:r>
+            <a:r>
+              <a:rPr lang="en-US" altLang="ja-JP" sz="3100" dirty="0"/>
+              <a:t>2020</a:t>
+            </a:r>
+            <a:r>
+              <a:rPr lang="ja-JP" altLang="ja-JP" sz="3100" dirty="0"/>
+              <a:t>）．</a:t>
+            </a:r>
+          </a:p>
+          <a:p>
+            <a:pPr lvl="0"/>
+            <a:r>
+              <a:rPr lang="en-US" altLang="ja-JP" sz="3100" dirty="0"/>
+              <a:t>CIFAR-10 and CIFAR-100 datasets</a:t>
+            </a:r>
+            <a:r>
+              <a:rPr lang="ja-JP" altLang="ja-JP" sz="3100" dirty="0"/>
+              <a:t>：</a:t>
+            </a:r>
+            <a:r>
+              <a:rPr lang="en-US" altLang="ja-JP" sz="3100" dirty="0"/>
+              <a:t>https://www.cs.toronto.edu/~kriz/cifar.html</a:t>
+            </a:r>
+            <a:r>
+              <a:rPr lang="ja-JP" altLang="ja-JP" sz="3100" dirty="0" err="1"/>
               <a:t>，</a:t>
             </a:r>
             <a:r>
-              <a:rPr lang="ja-JP" altLang="ja-JP" dirty="0"/>
+              <a:rPr lang="ja-JP" altLang="ja-JP" sz="3100" dirty="0"/>
               <a:t>（</a:t>
             </a:r>
             <a:r>
-              <a:rPr lang="en-US" altLang="ja-JP" dirty="0"/>
+              <a:rPr lang="en-US" altLang="ja-JP" sz="3100" dirty="0"/>
               <a:t>2021/12/23</a:t>
             </a:r>
             <a:r>
-              <a:rPr lang="ja-JP" altLang="ja-JP" dirty="0"/>
+              <a:rPr lang="ja-JP" altLang="ja-JP" sz="3100" dirty="0"/>
               <a:t>）</a:t>
             </a:r>
           </a:p>
           <a:p>
             <a:pPr lvl="0"/>
             <a:r>
-              <a:rPr lang="en-US" altLang="ja-JP" dirty="0"/>
-              <a:t>Alex </a:t>
-            </a:r>
-            <a:r>
-              <a:rPr lang="en-US" altLang="ja-JP" dirty="0" err="1"/>
-              <a:t>Krizhevsky</a:t>
-            </a:r>
-            <a:r>
-              <a:rPr lang="ja-JP" altLang="ja-JP" dirty="0" err="1"/>
+              <a:rPr lang="ja-JP" altLang="ja-JP" sz="3100" dirty="0"/>
+              <a:t>著者　フランソワ・ショレ，監訳　巣籠悠輔，訳　株式会社クイープ：</a:t>
+            </a:r>
+            <a:r>
+              <a:rPr lang="en-US" altLang="ja-JP" sz="3100" dirty="0"/>
+              <a:t>Python</a:t>
+            </a:r>
+            <a:r>
+              <a:rPr lang="ja-JP" altLang="ja-JP" sz="3100" dirty="0"/>
+              <a:t>と</a:t>
+            </a:r>
+            <a:r>
+              <a:rPr lang="en-US" altLang="ja-JP" sz="3100" dirty="0" err="1"/>
+              <a:t>Keras</a:t>
+            </a:r>
+            <a:r>
+              <a:rPr lang="ja-JP" altLang="ja-JP" sz="3100" dirty="0"/>
+              <a:t>によるディープラーニング，</a:t>
+            </a:r>
+            <a:r>
+              <a:rPr lang="en-US" altLang="ja-JP" sz="3100" dirty="0"/>
+              <a:t>pp.32-35</a:t>
+            </a:r>
+            <a:r>
+              <a:rPr lang="ja-JP" altLang="ja-JP" sz="3100" dirty="0" err="1"/>
               <a:t>，</a:t>
             </a:r>
             <a:r>
-              <a:rPr lang="en-US" altLang="ja-JP" dirty="0"/>
-              <a:t>Ilya </a:t>
-            </a:r>
-            <a:r>
-              <a:rPr lang="en-US" altLang="ja-JP" dirty="0" err="1"/>
-              <a:t>Sutskever</a:t>
-            </a:r>
-            <a:r>
-              <a:rPr lang="ja-JP" altLang="ja-JP" dirty="0" err="1"/>
+              <a:rPr lang="en-US" altLang="ja-JP" sz="3100" dirty="0"/>
+              <a:t>pp.39-41</a:t>
+            </a:r>
+            <a:r>
+              <a:rPr lang="ja-JP" altLang="ja-JP" sz="3100" dirty="0" err="1"/>
               <a:t>，</a:t>
             </a:r>
             <a:r>
-              <a:rPr lang="en-US" altLang="ja-JP" dirty="0"/>
-              <a:t>Geoffrey E. Hinton</a:t>
-            </a:r>
-            <a:r>
-              <a:rPr lang="ja-JP" altLang="ja-JP" dirty="0"/>
-              <a:t>：</a:t>
-            </a:r>
-            <a:r>
-              <a:rPr lang="en-US" altLang="ja-JP" dirty="0"/>
-              <a:t>ImageNet Classification with Deep </a:t>
-            </a:r>
-            <a:r>
-              <a:rPr lang="en-US" altLang="ja-JP" dirty="0" err="1"/>
-              <a:t>ConvolutionalNeural</a:t>
-            </a:r>
-            <a:r>
-              <a:rPr lang="en-US" altLang="ja-JP" dirty="0"/>
-              <a:t> Networks</a:t>
-            </a:r>
-            <a:r>
-              <a:rPr lang="ja-JP" altLang="ja-JP" dirty="0" err="1"/>
+              <a:rPr lang="en-US" altLang="ja-JP" sz="3100" dirty="0"/>
+              <a:t>pp.124-186</a:t>
+            </a:r>
+            <a:r>
+              <a:rPr lang="ja-JP" altLang="ja-JP" sz="3100" dirty="0" err="1"/>
               <a:t>，</a:t>
             </a:r>
             <a:r>
-              <a:rPr lang="ja-JP" altLang="ja-JP" dirty="0"/>
-              <a:t>（</a:t>
-            </a:r>
-            <a:r>
-              <a:rPr lang="en-US" altLang="ja-JP" dirty="0"/>
-              <a:t>2012</a:t>
-            </a:r>
-            <a:r>
-              <a:rPr lang="ja-JP" altLang="ja-JP" dirty="0"/>
+              <a:rPr lang="ja-JP" altLang="ja-JP" sz="3100" dirty="0"/>
+              <a:t>株式会社マイナビ出版（</a:t>
+            </a:r>
+            <a:r>
+              <a:rPr lang="en-US" altLang="ja-JP" sz="3100" dirty="0"/>
+              <a:t>2018/10/25</a:t>
+            </a:r>
+            <a:r>
+              <a:rPr lang="ja-JP" altLang="ja-JP" sz="3100" dirty="0"/>
               <a:t>）．</a:t>
             </a:r>
           </a:p>
           <a:p>
             <a:pPr lvl="0"/>
             <a:r>
-              <a:rPr lang="ja-JP" altLang="ja-JP" dirty="0"/>
-              <a:t>中山英樹：深層畳み込みニューラルネットワークによる画像特徴抽出と転移学習，電子情報通信学会技術研究報告，（</a:t>
-            </a:r>
-            <a:r>
-              <a:rPr lang="en-US" altLang="ja-JP" dirty="0"/>
-              <a:t>2015/7/17</a:t>
-            </a:r>
-            <a:r>
-              <a:rPr lang="ja-JP" altLang="ja-JP" dirty="0"/>
-              <a:t>）．</a:t>
-            </a:r>
-          </a:p>
-          <a:p>
-            <a:pPr lvl="0"/>
-            <a:r>
-              <a:rPr lang="ja-JP" altLang="ja-JP" dirty="0"/>
-              <a:t>鬼塚洋輔，山田太造，井上聡，内田誠一：花押類似検索のための畳み込みオートエンコーダによる画像特徴抽出，情報処理学会，（</a:t>
-            </a:r>
-            <a:r>
-              <a:rPr lang="en-US" altLang="ja-JP" dirty="0"/>
-              <a:t>2018/12</a:t>
-            </a:r>
-            <a:r>
-              <a:rPr lang="ja-JP" altLang="ja-JP" dirty="0"/>
+              <a:rPr lang="en-US" altLang="ja-JP" sz="3100" u="sng" dirty="0"/>
+              <a:t>Pickle</a:t>
+            </a:r>
+            <a:r>
+              <a:rPr lang="ja-JP" altLang="ja-JP" sz="3100" dirty="0"/>
+              <a:t>でオブジェクトを保存する方法を解説！：</a:t>
+            </a:r>
+            <a:r>
+              <a:rPr lang="en-US" altLang="ja-JP" sz="3100" u="sng" dirty="0">
+                <a:hlinkClick r:id="rId2"/>
+              </a:rPr>
+              <a:t>https://www.sejuku.net/blog/31480</a:t>
+            </a:r>
+            <a:r>
+              <a:rPr lang="ja-JP" altLang="ja-JP" sz="3100" dirty="0"/>
+              <a:t>　，（</a:t>
+            </a:r>
+            <a:r>
+              <a:rPr lang="en-US" altLang="ja-JP" sz="3100" dirty="0"/>
+              <a:t>2021/12/22</a:t>
+            </a:r>
+            <a:r>
+              <a:rPr lang="ja-JP" altLang="ja-JP" sz="3100" dirty="0"/>
               <a:t>）．</a:t>
             </a:r>
           </a:p>
@@ -7096,13 +7428,20 @@
     </p:spTree>
     <p:extLst>
       <p:ext uri="{BB962C8B-B14F-4D97-AF65-F5344CB8AC3E}">
-        <p14:creationId xmlns:p14="http://schemas.microsoft.com/office/powerpoint/2010/main" val="1103071474"/>
+        <p14:creationId xmlns:p14="http://schemas.microsoft.com/office/powerpoint/2010/main" val="4130865205"/>
       </p:ext>
     </p:extLst>
   </p:cSld>
   <p:clrMapOvr>
     <a:masterClrMapping/>
   </p:clrMapOvr>
+  <p:timing>
+    <p:tnLst>
+      <p:par>
+        <p:cTn id="1" dur="indefinite" restart="never" nodeType="tmRoot"/>
+      </p:par>
+    </p:tnLst>
+  </p:timing>
 </p:sld>
 </file>
 
@@ -7159,185 +7498,56 @@
         <p:spPr/>
         <p:txBody>
           <a:bodyPr>
-            <a:normAutofit fontScale="77500" lnSpcReduction="20000"/>
+            <a:normAutofit/>
           </a:bodyPr>
           <a:lstStyle/>
           <a:p>
             <a:pPr lvl="0"/>
             <a:r>
-              <a:rPr lang="ja-JP" altLang="ja-JP" sz="3100" dirty="0"/>
-              <a:t>高橋春輝，竹川高志：ラベル情報の一般化による</a:t>
-            </a:r>
-            <a:r>
-              <a:rPr lang="en-US" altLang="ja-JP" sz="3100" dirty="0"/>
-              <a:t>Laplacian </a:t>
-            </a:r>
-            <a:r>
-              <a:rPr lang="en-US" altLang="ja-JP" sz="3100" dirty="0" err="1"/>
-              <a:t>Eigenmaps</a:t>
-            </a:r>
-            <a:r>
-              <a:rPr lang="ja-JP" altLang="ja-JP" sz="3100" dirty="0"/>
-              <a:t>と</a:t>
-            </a:r>
-            <a:r>
-              <a:rPr lang="en-US" altLang="ja-JP" sz="3100" dirty="0"/>
-              <a:t>Linear Discriminant Analysis</a:t>
-            </a:r>
-            <a:r>
-              <a:rPr lang="ja-JP" altLang="ja-JP" sz="3100" dirty="0"/>
-              <a:t>の体系化，人工知能学会前項九大会論文集，</a:t>
-            </a:r>
-            <a:r>
-              <a:rPr lang="en-US" altLang="ja-JP" sz="3100" dirty="0"/>
-              <a:t>34</a:t>
-            </a:r>
-            <a:r>
-              <a:rPr lang="ja-JP" altLang="ja-JP" sz="3100" dirty="0"/>
-              <a:t>巻，</a:t>
-            </a:r>
-            <a:r>
-              <a:rPr lang="en-US" altLang="ja-JP" sz="3100" dirty="0"/>
-              <a:t>ROMBUNNO.4B3-GS-1-03 </a:t>
-            </a:r>
-            <a:r>
-              <a:rPr lang="ja-JP" altLang="ja-JP" sz="3100" dirty="0" err="1"/>
-              <a:t>，</a:t>
-            </a:r>
-            <a:r>
-              <a:rPr lang="ja-JP" altLang="ja-JP" sz="3100" dirty="0"/>
-              <a:t>（</a:t>
-            </a:r>
-            <a:r>
-              <a:rPr lang="en-US" altLang="ja-JP" sz="3100" dirty="0"/>
-              <a:t>2020</a:t>
-            </a:r>
-            <a:r>
-              <a:rPr lang="ja-JP" altLang="ja-JP" sz="3100" dirty="0"/>
-              <a:t>）．</a:t>
-            </a:r>
-          </a:p>
-          <a:p>
-            <a:pPr lvl="0"/>
-            <a:r>
-              <a:rPr lang="en-US" altLang="ja-JP" sz="3100" dirty="0"/>
-              <a:t>CIFAR-10 and CIFAR-100 datasets</a:t>
-            </a:r>
-            <a:r>
-              <a:rPr lang="ja-JP" altLang="ja-JP" sz="3100" dirty="0"/>
-              <a:t>：</a:t>
-            </a:r>
-            <a:r>
-              <a:rPr lang="en-US" altLang="ja-JP" sz="3100" dirty="0"/>
-              <a:t>https://www.cs.toronto.edu/~kriz/cifar.html</a:t>
-            </a:r>
-            <a:r>
-              <a:rPr lang="ja-JP" altLang="ja-JP" sz="3100" dirty="0" err="1"/>
-              <a:t>，</a:t>
-            </a:r>
-            <a:r>
-              <a:rPr lang="ja-JP" altLang="ja-JP" sz="3100" dirty="0"/>
-              <a:t>（</a:t>
-            </a:r>
-            <a:r>
-              <a:rPr lang="en-US" altLang="ja-JP" sz="3100" dirty="0"/>
-              <a:t>2021/12/23</a:t>
-            </a:r>
-            <a:r>
-              <a:rPr lang="ja-JP" altLang="ja-JP" sz="3100" dirty="0"/>
-              <a:t>）</a:t>
-            </a:r>
-          </a:p>
-          <a:p>
-            <a:pPr lvl="0"/>
-            <a:r>
-              <a:rPr lang="ja-JP" altLang="ja-JP" sz="3100" dirty="0"/>
-              <a:t>著者　フランソワ・ショレ，監訳　巣籠悠輔，訳　株式会社クイープ：</a:t>
-            </a:r>
-            <a:r>
-              <a:rPr lang="en-US" altLang="ja-JP" sz="3100" dirty="0"/>
-              <a:t>Python</a:t>
-            </a:r>
-            <a:r>
-              <a:rPr lang="ja-JP" altLang="ja-JP" sz="3100" dirty="0"/>
-              <a:t>と</a:t>
-            </a:r>
-            <a:r>
-              <a:rPr lang="en-US" altLang="ja-JP" sz="3100" dirty="0" err="1"/>
+              <a:rPr lang="en-US" altLang="ja-JP" sz="2600" u="sng" dirty="0" err="1"/>
               <a:t>Keras</a:t>
             </a:r>
             <a:r>
-              <a:rPr lang="ja-JP" altLang="ja-JP" sz="3100" dirty="0"/>
-              <a:t>によるディープラーニング，</a:t>
-            </a:r>
-            <a:r>
-              <a:rPr lang="en-US" altLang="ja-JP" sz="3100" dirty="0"/>
-              <a:t>pp.32-35</a:t>
-            </a:r>
-            <a:r>
-              <a:rPr lang="ja-JP" altLang="ja-JP" sz="3100" dirty="0" err="1"/>
-              <a:t>，</a:t>
-            </a:r>
-            <a:r>
-              <a:rPr lang="en-US" altLang="ja-JP" sz="3100" dirty="0"/>
-              <a:t>pp.39-41</a:t>
-            </a:r>
-            <a:r>
-              <a:rPr lang="ja-JP" altLang="ja-JP" sz="3100" dirty="0" err="1"/>
-              <a:t>，</a:t>
-            </a:r>
-            <a:r>
-              <a:rPr lang="en-US" altLang="ja-JP" sz="3100" dirty="0"/>
-              <a:t>pp.124-186</a:t>
-            </a:r>
-            <a:r>
-              <a:rPr lang="ja-JP" altLang="ja-JP" sz="3100" dirty="0" err="1"/>
-              <a:t>，</a:t>
-            </a:r>
-            <a:r>
-              <a:rPr lang="ja-JP" altLang="ja-JP" sz="3100" dirty="0"/>
-              <a:t>株式会社マイナビ出版（</a:t>
-            </a:r>
-            <a:r>
-              <a:rPr lang="en-US" altLang="ja-JP" sz="3100" dirty="0"/>
-              <a:t>2018/10/25</a:t>
-            </a:r>
-            <a:r>
-              <a:rPr lang="ja-JP" altLang="ja-JP" sz="3100" dirty="0"/>
-              <a:t>）．</a:t>
-            </a:r>
-          </a:p>
-          <a:p>
-            <a:pPr lvl="0"/>
-            <a:r>
-              <a:rPr lang="en-US" altLang="ja-JP" sz="3100" u="sng" dirty="0"/>
-              <a:t>Pickle</a:t>
-            </a:r>
-            <a:r>
-              <a:rPr lang="ja-JP" altLang="ja-JP" sz="3100" dirty="0"/>
-              <a:t>でオブジェクトを保存する方法を解説！：</a:t>
-            </a:r>
-            <a:r>
-              <a:rPr lang="en-US" altLang="ja-JP" sz="3100" u="sng" dirty="0">
+              <a:rPr lang="ja-JP" altLang="ja-JP" sz="2600" dirty="0"/>
+              <a:t>で</a:t>
+            </a:r>
+            <a:r>
+              <a:rPr lang="en-US" altLang="ja-JP" sz="2600" dirty="0" err="1"/>
+              <a:t>AlexNet</a:t>
+            </a:r>
+            <a:r>
+              <a:rPr lang="ja-JP" altLang="ja-JP" sz="2600" dirty="0"/>
+              <a:t>を構築し</a:t>
+            </a:r>
+            <a:r>
+              <a:rPr lang="en-US" altLang="ja-JP" sz="2600" dirty="0"/>
+              <a:t>Cifar-10</a:t>
+            </a:r>
+            <a:r>
+              <a:rPr lang="ja-JP" altLang="ja-JP" sz="2600" dirty="0"/>
+              <a:t>を学習させてみた： </a:t>
+            </a:r>
+            <a:r>
+              <a:rPr lang="en-US" altLang="ja-JP" sz="2600" u="sng" dirty="0">
                 <a:hlinkClick r:id="rId2"/>
               </a:rPr>
-              <a:t>https://www.sejuku.net/blog/31480</a:t>
-            </a:r>
-            <a:r>
-              <a:rPr lang="ja-JP" altLang="ja-JP" sz="3100" dirty="0"/>
+              <a:t>https://qiita.com/URAN110/items/ea2bfc8f7ba2fc858de3</a:t>
+            </a:r>
+            <a:r>
+              <a:rPr lang="ja-JP" altLang="ja-JP" sz="2600" dirty="0"/>
               <a:t>　，（</a:t>
             </a:r>
             <a:r>
-              <a:rPr lang="en-US" altLang="ja-JP" sz="3100" dirty="0"/>
-              <a:t>2021/12/22</a:t>
-            </a:r>
-            <a:r>
-              <a:rPr lang="ja-JP" altLang="ja-JP" sz="3100" dirty="0"/>
+              <a:rPr lang="en-US" altLang="ja-JP" sz="2600" dirty="0"/>
+              <a:t>2021/12/21</a:t>
+            </a:r>
+            <a:r>
+              <a:rPr lang="ja-JP" altLang="ja-JP" sz="2600" dirty="0"/>
               <a:t>）．</a:t>
             </a:r>
           </a:p>
           <a:p>
-            <a:endParaRPr kumimoji="1" lang="ja-JP" altLang="en-US" dirty="0"/>
+            <a:endParaRPr kumimoji="1" lang="ja-JP" altLang="en-US" sz="2600" dirty="0"/>
           </a:p>
         </p:txBody>
       </p:sp>
@@ -7367,13 +7577,20 @@
     </p:spTree>
     <p:extLst>
       <p:ext uri="{BB962C8B-B14F-4D97-AF65-F5344CB8AC3E}">
-        <p14:creationId xmlns:p14="http://schemas.microsoft.com/office/powerpoint/2010/main" val="4130865205"/>
+        <p14:creationId xmlns:p14="http://schemas.microsoft.com/office/powerpoint/2010/main" val="3011307138"/>
       </p:ext>
     </p:extLst>
   </p:cSld>
   <p:clrMapOvr>
     <a:masterClrMapping/>
   </p:clrMapOvr>
+  <p:timing>
+    <p:tnLst>
+      <p:par>
+        <p:cTn id="1" dur="indefinite" restart="never" nodeType="tmRoot"/>
+      </p:par>
+    </p:tnLst>
+  </p:timing>
 </p:sld>
 </file>
 
@@ -7396,96 +7613,7 @@
       </p:grpSpPr>
       <p:sp>
         <p:nvSpPr>
-          <p:cNvPr id="2" name="タイトル 1"/>
-          <p:cNvSpPr>
-            <a:spLocks noGrp="1"/>
-          </p:cNvSpPr>
-          <p:nvPr>
-            <p:ph type="title"/>
-          </p:nvPr>
-        </p:nvSpPr>
-        <p:spPr/>
-        <p:txBody>
-          <a:bodyPr/>
-          <a:lstStyle/>
-          <a:p>
-            <a:r>
-              <a:rPr kumimoji="1" lang="ja-JP" altLang="en-US" dirty="0" smtClean="0"/>
-              <a:t>参考文献</a:t>
-            </a:r>
-            <a:endParaRPr kumimoji="1" lang="ja-JP" altLang="en-US" dirty="0"/>
-          </a:p>
-        </p:txBody>
-      </p:sp>
-      <p:sp>
-        <p:nvSpPr>
-          <p:cNvPr id="3" name="コンテンツ プレースホルダー 2"/>
-          <p:cNvSpPr>
-            <a:spLocks noGrp="1"/>
-          </p:cNvSpPr>
-          <p:nvPr>
-            <p:ph idx="1"/>
-          </p:nvPr>
-        </p:nvSpPr>
-        <p:spPr/>
-        <p:txBody>
-          <a:bodyPr>
-            <a:normAutofit/>
-          </a:bodyPr>
-          <a:lstStyle/>
-          <a:p>
-            <a:pPr lvl="0"/>
-            <a:r>
-              <a:rPr lang="en-US" altLang="ja-JP" sz="2600" u="sng" dirty="0" err="1"/>
-              <a:t>Keras</a:t>
-            </a:r>
-            <a:r>
-              <a:rPr lang="ja-JP" altLang="ja-JP" sz="2600" dirty="0"/>
-              <a:t>で</a:t>
-            </a:r>
-            <a:r>
-              <a:rPr lang="en-US" altLang="ja-JP" sz="2600" dirty="0" err="1"/>
-              <a:t>AlexNet</a:t>
-            </a:r>
-            <a:r>
-              <a:rPr lang="ja-JP" altLang="ja-JP" sz="2600" dirty="0"/>
-              <a:t>を構築し</a:t>
-            </a:r>
-            <a:r>
-              <a:rPr lang="en-US" altLang="ja-JP" sz="2600" dirty="0"/>
-              <a:t>Cifar-10</a:t>
-            </a:r>
-            <a:r>
-              <a:rPr lang="ja-JP" altLang="ja-JP" sz="2600" dirty="0"/>
-              <a:t>を学習させてみた： </a:t>
-            </a:r>
-            <a:r>
-              <a:rPr lang="en-US" altLang="ja-JP" sz="2600" u="sng" dirty="0">
-                <a:hlinkClick r:id="rId2"/>
-              </a:rPr>
-              <a:t>https://qiita.com/URAN110/items/ea2bfc8f7ba2fc858de3</a:t>
-            </a:r>
-            <a:r>
-              <a:rPr lang="ja-JP" altLang="ja-JP" sz="2600" dirty="0"/>
-              <a:t>　，（</a:t>
-            </a:r>
-            <a:r>
-              <a:rPr lang="en-US" altLang="ja-JP" sz="2600" dirty="0"/>
-              <a:t>2021/12/21</a:t>
-            </a:r>
-            <a:r>
-              <a:rPr lang="ja-JP" altLang="ja-JP" sz="2600" dirty="0"/>
-              <a:t>）．</a:t>
-            </a:r>
-          </a:p>
-          <a:p>
-            <a:endParaRPr kumimoji="1" lang="ja-JP" altLang="en-US" sz="2600" dirty="0"/>
-          </a:p>
-        </p:txBody>
-      </p:sp>
-      <p:sp>
-        <p:nvSpPr>
-          <p:cNvPr id="4" name="スライド番号プレースホルダー 3"/>
+          <p:cNvPr id="2" name="スライド番号プレースホルダー 1"/>
           <p:cNvSpPr>
             <a:spLocks noGrp="1"/>
           </p:cNvSpPr>
@@ -7509,13 +7637,20 @@
     </p:spTree>
     <p:extLst>
       <p:ext uri="{BB962C8B-B14F-4D97-AF65-F5344CB8AC3E}">
-        <p14:creationId xmlns:p14="http://schemas.microsoft.com/office/powerpoint/2010/main" val="3011307138"/>
+        <p14:creationId xmlns:p14="http://schemas.microsoft.com/office/powerpoint/2010/main" val="854645717"/>
       </p:ext>
     </p:extLst>
   </p:cSld>
   <p:clrMapOvr>
     <a:masterClrMapping/>
   </p:clrMapOvr>
+  <p:timing>
+    <p:tnLst>
+      <p:par>
+        <p:cTn id="1" dur="indefinite" restart="never" nodeType="tmRoot"/>
+      </p:par>
+    </p:tnLst>
+  </p:timing>
 </p:sld>
 </file>
 
@@ -7538,7 +7673,144 @@
       </p:grpSpPr>
       <p:sp>
         <p:nvSpPr>
-          <p:cNvPr id="2" name="スライド番号プレースホルダー 1"/>
+          <p:cNvPr id="2" name="タイトル 1"/>
+          <p:cNvSpPr>
+            <a:spLocks noGrp="1"/>
+          </p:cNvSpPr>
+          <p:nvPr>
+            <p:ph type="title"/>
+          </p:nvPr>
+        </p:nvSpPr>
+        <p:spPr/>
+        <p:txBody>
+          <a:bodyPr/>
+          <a:lstStyle/>
+          <a:p>
+            <a:r>
+              <a:rPr lang="ja-JP" altLang="en-US" dirty="0"/>
+              <a:t>研究の方法</a:t>
+            </a:r>
+            <a:endParaRPr kumimoji="1" lang="ja-JP" altLang="en-US" dirty="0"/>
+          </a:p>
+        </p:txBody>
+      </p:sp>
+      <p:sp>
+        <p:nvSpPr>
+          <p:cNvPr id="3" name="コンテンツ プレースホルダー 2"/>
+          <p:cNvSpPr>
+            <a:spLocks noGrp="1"/>
+          </p:cNvSpPr>
+          <p:nvPr>
+            <p:ph idx="1"/>
+          </p:nvPr>
+        </p:nvSpPr>
+        <p:spPr>
+          <a:xfrm>
+            <a:off x="628650" y="1961147"/>
+            <a:ext cx="7886700" cy="4186990"/>
+          </a:xfrm>
+        </p:spPr>
+        <p:txBody>
+          <a:bodyPr>
+            <a:normAutofit/>
+          </a:bodyPr>
+          <a:lstStyle/>
+          <a:p>
+            <a:r>
+              <a:rPr lang="ja-JP" altLang="en-US" dirty="0" smtClean="0"/>
+              <a:t>次元数の異なる深層学習モデルを複数用意．</a:t>
+            </a:r>
+            <a:endParaRPr lang="en-US" altLang="ja-JP" dirty="0" smtClean="0"/>
+          </a:p>
+          <a:p>
+            <a:endParaRPr lang="en-US" altLang="ja-JP" dirty="0" smtClean="0"/>
+          </a:p>
+          <a:p>
+            <a:r>
+              <a:rPr lang="ja-JP" altLang="en-US" dirty="0" smtClean="0"/>
+              <a:t>画像</a:t>
+            </a:r>
+            <a:r>
+              <a:rPr lang="ja-JP" altLang="en-US" dirty="0"/>
+              <a:t>集合を用意し</a:t>
+            </a:r>
+            <a:r>
+              <a:rPr lang="ja-JP" altLang="en-US" dirty="0" smtClean="0"/>
+              <a:t>，</a:t>
+            </a:r>
+            <a:r>
+              <a:rPr lang="ja-JP" altLang="en-US" dirty="0"/>
+              <a:t>深層学習モデル</a:t>
+            </a:r>
+            <a:r>
+              <a:rPr lang="ja-JP" altLang="en-US" dirty="0" smtClean="0"/>
+              <a:t>を</a:t>
+            </a:r>
+            <a:r>
+              <a:rPr lang="ja-JP" altLang="en-US" dirty="0"/>
+              <a:t>用いて特徴ベクトル</a:t>
+            </a:r>
+            <a:r>
+              <a:rPr lang="ja-JP" altLang="en-US" dirty="0" smtClean="0"/>
+              <a:t>を</a:t>
+            </a:r>
+            <a:r>
+              <a:rPr lang="ja-JP" altLang="en-US" dirty="0"/>
+              <a:t>抽出</a:t>
+            </a:r>
+            <a:r>
+              <a:rPr lang="ja-JP" altLang="en-US" dirty="0" smtClean="0"/>
+              <a:t>する．</a:t>
+            </a:r>
+            <a:endParaRPr lang="en-US" altLang="ja-JP" dirty="0" smtClean="0"/>
+          </a:p>
+          <a:p>
+            <a:endParaRPr lang="en-US" altLang="ja-JP" dirty="0"/>
+          </a:p>
+          <a:p>
+            <a:r>
+              <a:rPr lang="ja-JP" altLang="en-US" dirty="0"/>
+              <a:t>特徴</a:t>
+            </a:r>
+            <a:r>
+              <a:rPr lang="ja-JP" altLang="en-US" dirty="0" smtClean="0"/>
+              <a:t>ベクトルを用いて</a:t>
+            </a:r>
+            <a:r>
+              <a:rPr kumimoji="1" lang="ja-JP" altLang="en-US" dirty="0" smtClean="0"/>
+              <a:t>類似度を</a:t>
+            </a:r>
+            <a:r>
+              <a:rPr lang="ja-JP" altLang="en-US" dirty="0"/>
+              <a:t>測る</a:t>
+            </a:r>
+            <a:r>
+              <a:rPr kumimoji="1" lang="ja-JP" altLang="en-US" dirty="0" smtClean="0"/>
+              <a:t>ときの検索精度と計算</a:t>
+            </a:r>
+            <a:r>
+              <a:rPr lang="ja-JP" altLang="en-US" dirty="0" smtClean="0"/>
+              <a:t>時間</a:t>
+            </a:r>
+            <a:r>
+              <a:rPr kumimoji="1" lang="ja-JP" altLang="en-US" dirty="0" smtClean="0"/>
+              <a:t>に</a:t>
+            </a:r>
+            <a:r>
+              <a:rPr kumimoji="1" lang="ja-JP" altLang="en-US" dirty="0"/>
+              <a:t>ついて評価する</a:t>
+            </a:r>
+            <a:r>
+              <a:rPr kumimoji="1" lang="ja-JP" altLang="en-US" dirty="0" smtClean="0"/>
+              <a:t>．</a:t>
+            </a:r>
+            <a:endParaRPr kumimoji="1" lang="en-US" altLang="ja-JP" dirty="0"/>
+          </a:p>
+        </p:txBody>
+      </p:sp>
+      <p:sp>
+        <p:nvSpPr>
+          <p:cNvPr id="4" name="スライド番号プレースホルダー 3"/>
           <p:cNvSpPr>
             <a:spLocks noGrp="1"/>
           </p:cNvSpPr>
@@ -7551,24 +7823,31 @@
           <a:bodyPr/>
           <a:lstStyle/>
           <a:p>
-            <a:fld id="{768BF403-63E9-4BE6-AA0B-408C483EA9DC}" type="slidenum">
-              <a:rPr kumimoji="1" lang="ja-JP" altLang="en-US" smtClean="0"/>
+            <a:fld id="{B4451160-128F-4DAD-AE29-4A8CC0E7B9E9}" type="slidenum">
+              <a:rPr kumimoji="1" lang="ja-JP" altLang="en-US" sz="3200" smtClean="0"/>
               <a:t>19</a:t>
             </a:fld>
-            <a:endParaRPr kumimoji="1" lang="ja-JP" altLang="en-US"/>
+            <a:endParaRPr kumimoji="1" lang="ja-JP" altLang="en-US" sz="3200" dirty="0"/>
           </a:p>
         </p:txBody>
       </p:sp>
     </p:spTree>
     <p:extLst>
       <p:ext uri="{BB962C8B-B14F-4D97-AF65-F5344CB8AC3E}">
-        <p14:creationId xmlns:p14="http://schemas.microsoft.com/office/powerpoint/2010/main" val="854645717"/>
+        <p14:creationId xmlns:p14="http://schemas.microsoft.com/office/powerpoint/2010/main" val="1260124372"/>
       </p:ext>
     </p:extLst>
   </p:cSld>
   <p:clrMapOvr>
     <a:masterClrMapping/>
   </p:clrMapOvr>
+  <p:timing>
+    <p:tnLst>
+      <p:par>
+        <p:cTn id="1" dur="indefinite" restart="never" nodeType="tmRoot"/>
+      </p:par>
+    </p:tnLst>
+  </p:timing>
 </p:sld>
 </file>
 
@@ -7908,6 +8187,540 @@
 </file>
 
 <file path=ppt/slides/slide20.xml><?xml version="1.0" encoding="utf-8"?>
+<p:sld xmlns:a="http://schemas.openxmlformats.org/drawingml/2006/main" xmlns:r="http://schemas.openxmlformats.org/officeDocument/2006/relationships" xmlns:p="http://schemas.openxmlformats.org/presentationml/2006/main">
+  <p:cSld>
+    <p:spTree>
+      <p:nvGrpSpPr>
+        <p:cNvPr id="1" name=""/>
+        <p:cNvGrpSpPr/>
+        <p:nvPr/>
+      </p:nvGrpSpPr>
+      <p:grpSpPr>
+        <a:xfrm>
+          <a:off x="0" y="0"/>
+          <a:ext cx="0" cy="0"/>
+          <a:chOff x="0" y="0"/>
+          <a:chExt cx="0" cy="0"/>
+        </a:xfrm>
+      </p:grpSpPr>
+      <p:pic>
+        <p:nvPicPr>
+          <p:cNvPr id="4" name="コンテンツ プレースホルダー 3"/>
+          <p:cNvPicPr>
+            <a:picLocks noGrp="1"/>
+          </p:cNvPicPr>
+          <p:nvPr>
+            <p:ph idx="1"/>
+          </p:nvPr>
+        </p:nvPicPr>
+        <p:blipFill>
+          <a:blip r:embed="rId2"/>
+          <a:stretch>
+            <a:fillRect/>
+          </a:stretch>
+        </p:blipFill>
+        <p:spPr>
+          <a:xfrm>
+            <a:off x="1588168" y="108283"/>
+            <a:ext cx="6003758" cy="6641433"/>
+          </a:xfrm>
+          <a:prstGeom prst="rect">
+            <a:avLst/>
+          </a:prstGeom>
+        </p:spPr>
+      </p:pic>
+      <p:sp>
+        <p:nvSpPr>
+          <p:cNvPr id="2" name="スライド番号プレースホルダー 1"/>
+          <p:cNvSpPr>
+            <a:spLocks noGrp="1"/>
+          </p:cNvSpPr>
+          <p:nvPr>
+            <p:ph type="sldNum" sz="quarter" idx="12"/>
+          </p:nvPr>
+        </p:nvSpPr>
+        <p:spPr/>
+        <p:txBody>
+          <a:bodyPr/>
+          <a:lstStyle/>
+          <a:p>
+            <a:fld id="{768BF403-63E9-4BE6-AA0B-408C483EA9DC}" type="slidenum">
+              <a:rPr kumimoji="1" lang="ja-JP" altLang="en-US" smtClean="0"/>
+              <a:t>20</a:t>
+            </a:fld>
+            <a:endParaRPr kumimoji="1" lang="ja-JP" altLang="en-US"/>
+          </a:p>
+        </p:txBody>
+      </p:sp>
+    </p:spTree>
+    <p:extLst>
+      <p:ext uri="{BB962C8B-B14F-4D97-AF65-F5344CB8AC3E}">
+        <p14:creationId xmlns:p14="http://schemas.microsoft.com/office/powerpoint/2010/main" val="2567360017"/>
+      </p:ext>
+    </p:extLst>
+  </p:cSld>
+  <p:clrMapOvr>
+    <a:masterClrMapping/>
+  </p:clrMapOvr>
+  <p:timing>
+    <p:tnLst>
+      <p:par>
+        <p:cTn id="1" dur="indefinite" restart="never" nodeType="tmRoot"/>
+      </p:par>
+    </p:tnLst>
+  </p:timing>
+</p:sld>
+</file>
+
+<file path=ppt/slides/slide21.xml><?xml version="1.0" encoding="utf-8"?>
+<p:sld xmlns:a="http://schemas.openxmlformats.org/drawingml/2006/main" xmlns:r="http://schemas.openxmlformats.org/officeDocument/2006/relationships" xmlns:p="http://schemas.openxmlformats.org/presentationml/2006/main">
+  <p:cSld>
+    <p:spTree>
+      <p:nvGrpSpPr>
+        <p:cNvPr id="1" name=""/>
+        <p:cNvGrpSpPr/>
+        <p:nvPr/>
+      </p:nvGrpSpPr>
+      <p:grpSpPr>
+        <a:xfrm>
+          <a:off x="0" y="0"/>
+          <a:ext cx="0" cy="0"/>
+          <a:chOff x="0" y="0"/>
+          <a:chExt cx="0" cy="0"/>
+        </a:xfrm>
+      </p:grpSpPr>
+      <p:sp>
+        <p:nvSpPr>
+          <p:cNvPr id="2" name="タイトル 1"/>
+          <p:cNvSpPr>
+            <a:spLocks noGrp="1"/>
+          </p:cNvSpPr>
+          <p:nvPr>
+            <p:ph type="title"/>
+          </p:nvPr>
+        </p:nvSpPr>
+        <p:spPr/>
+        <p:txBody>
+          <a:bodyPr/>
+          <a:lstStyle/>
+          <a:p>
+            <a:r>
+              <a:rPr kumimoji="1" lang="ja-JP" altLang="en-US" dirty="0" smtClean="0"/>
+              <a:t>実験環境（ここいらないかも）</a:t>
+            </a:r>
+            <a:endParaRPr kumimoji="1" lang="ja-JP" altLang="en-US" dirty="0"/>
+          </a:p>
+        </p:txBody>
+      </p:sp>
+      <p:sp>
+        <p:nvSpPr>
+          <p:cNvPr id="3" name="コンテンツ プレースホルダー 2"/>
+          <p:cNvSpPr>
+            <a:spLocks noGrp="1"/>
+          </p:cNvSpPr>
+          <p:nvPr>
+            <p:ph idx="1"/>
+          </p:nvPr>
+        </p:nvSpPr>
+        <p:spPr/>
+        <p:txBody>
+          <a:bodyPr/>
+          <a:lstStyle/>
+          <a:p>
+            <a:r>
+              <a:rPr lang="en-US" altLang="ja-JP" dirty="0" err="1" smtClean="0"/>
+              <a:t>Alexnet</a:t>
+            </a:r>
+            <a:r>
+              <a:rPr lang="ja-JP" altLang="en-US" dirty="0" smtClean="0"/>
+              <a:t>の構造をもとにモデルを</a:t>
+            </a:r>
+            <a:r>
+              <a:rPr lang="ja-JP" altLang="en-US" dirty="0"/>
+              <a:t>作成</a:t>
+            </a:r>
+            <a:r>
+              <a:rPr lang="ja-JP" altLang="en-US" dirty="0" smtClean="0"/>
+              <a:t>．</a:t>
+            </a:r>
+            <a:endParaRPr lang="en-US" altLang="ja-JP" dirty="0"/>
+          </a:p>
+          <a:p>
+            <a:endParaRPr lang="en-US" altLang="ja-JP" dirty="0"/>
+          </a:p>
+          <a:p>
+            <a:r>
+              <a:rPr lang="en-US" altLang="ja-JP" dirty="0"/>
+              <a:t>CIFER-10</a:t>
+            </a:r>
+            <a:r>
+              <a:rPr lang="ja-JP" altLang="en-US" dirty="0" smtClean="0"/>
+              <a:t>データセット</a:t>
+            </a:r>
+            <a:r>
+              <a:rPr lang="ja-JP" altLang="en-US" dirty="0"/>
+              <a:t>を学習に使用．</a:t>
+            </a:r>
+            <a:endParaRPr lang="en-US" altLang="ja-JP" dirty="0"/>
+          </a:p>
+        </p:txBody>
+      </p:sp>
+      <p:sp>
+        <p:nvSpPr>
+          <p:cNvPr id="4" name="スライド番号プレースホルダー 3"/>
+          <p:cNvSpPr>
+            <a:spLocks noGrp="1"/>
+          </p:cNvSpPr>
+          <p:nvPr>
+            <p:ph type="sldNum" sz="quarter" idx="12"/>
+          </p:nvPr>
+        </p:nvSpPr>
+        <p:spPr/>
+        <p:txBody>
+          <a:bodyPr/>
+          <a:lstStyle/>
+          <a:p>
+            <a:fld id="{768BF403-63E9-4BE6-AA0B-408C483EA9DC}" type="slidenum">
+              <a:rPr kumimoji="1" lang="ja-JP" altLang="en-US" smtClean="0"/>
+              <a:t>21</a:t>
+            </a:fld>
+            <a:endParaRPr kumimoji="1" lang="ja-JP" altLang="en-US"/>
+          </a:p>
+        </p:txBody>
+      </p:sp>
+    </p:spTree>
+    <p:extLst>
+      <p:ext uri="{BB962C8B-B14F-4D97-AF65-F5344CB8AC3E}">
+        <p14:creationId xmlns:p14="http://schemas.microsoft.com/office/powerpoint/2010/main" val="1944521419"/>
+      </p:ext>
+    </p:extLst>
+  </p:cSld>
+  <p:clrMapOvr>
+    <a:masterClrMapping/>
+  </p:clrMapOvr>
+  <p:timing>
+    <p:tnLst>
+      <p:par>
+        <p:cTn id="1" dur="indefinite" restart="never" nodeType="tmRoot"/>
+      </p:par>
+    </p:tnLst>
+  </p:timing>
+</p:sld>
+</file>
+
+<file path=ppt/slides/slide22.xml><?xml version="1.0" encoding="utf-8"?>
+<p:sld xmlns:a="http://schemas.openxmlformats.org/drawingml/2006/main" xmlns:r="http://schemas.openxmlformats.org/officeDocument/2006/relationships" xmlns:p="http://schemas.openxmlformats.org/presentationml/2006/main">
+  <p:cSld>
+    <p:spTree>
+      <p:nvGrpSpPr>
+        <p:cNvPr id="1" name=""/>
+        <p:cNvGrpSpPr/>
+        <p:nvPr/>
+      </p:nvGrpSpPr>
+      <p:grpSpPr>
+        <a:xfrm>
+          <a:off x="0" y="0"/>
+          <a:ext cx="0" cy="0"/>
+          <a:chOff x="0" y="0"/>
+          <a:chExt cx="0" cy="0"/>
+        </a:xfrm>
+      </p:grpSpPr>
+      <p:grpSp>
+        <p:nvGrpSpPr>
+          <p:cNvPr id="5" name="グループ化 4"/>
+          <p:cNvGrpSpPr/>
+          <p:nvPr/>
+        </p:nvGrpSpPr>
+        <p:grpSpPr>
+          <a:xfrm>
+            <a:off x="2401492" y="1230229"/>
+            <a:ext cx="4571714" cy="4062555"/>
+            <a:chOff x="3201989" y="497305"/>
+            <a:chExt cx="6095618" cy="5416740"/>
+          </a:xfrm>
+        </p:grpSpPr>
+        <p:pic>
+          <p:nvPicPr>
+            <p:cNvPr id="2" name="図 1"/>
+            <p:cNvPicPr>
+              <a:picLocks noChangeAspect="1"/>
+            </p:cNvPicPr>
+            <p:nvPr/>
+          </p:nvPicPr>
+          <p:blipFill rotWithShape="1">
+            <a:blip r:embed="rId2"/>
+            <a:srcRect l="-1611" t="61417" r="1" b="10554"/>
+            <a:stretch/>
+          </p:blipFill>
+          <p:spPr>
+            <a:xfrm>
+              <a:off x="3201989" y="497305"/>
+              <a:ext cx="6095618" cy="1860885"/>
+            </a:xfrm>
+            <a:prstGeom prst="rect">
+              <a:avLst/>
+            </a:prstGeom>
+          </p:spPr>
+        </p:pic>
+        <p:pic>
+          <p:nvPicPr>
+            <p:cNvPr id="3" name="図 2"/>
+            <p:cNvPicPr>
+              <a:picLocks noChangeAspect="1"/>
+            </p:cNvPicPr>
+            <p:nvPr/>
+          </p:nvPicPr>
+          <p:blipFill rotWithShape="1">
+            <a:blip r:embed="rId3"/>
+            <a:srcRect b="26403"/>
+            <a:stretch/>
+          </p:blipFill>
+          <p:spPr>
+            <a:xfrm>
+              <a:off x="3664415" y="3850106"/>
+              <a:ext cx="5633192" cy="2063939"/>
+            </a:xfrm>
+            <a:prstGeom prst="rect">
+              <a:avLst/>
+            </a:prstGeom>
+          </p:spPr>
+        </p:pic>
+        <p:sp>
+          <p:nvSpPr>
+            <p:cNvPr id="4" name="下矢印 3"/>
+            <p:cNvSpPr/>
+            <p:nvPr/>
+          </p:nvSpPr>
+          <p:spPr>
+            <a:xfrm>
+              <a:off x="5670884" y="2590801"/>
+              <a:ext cx="721895" cy="1026694"/>
+            </a:xfrm>
+            <a:prstGeom prst="downArrow">
+              <a:avLst/>
+            </a:prstGeom>
+          </p:spPr>
+          <p:style>
+            <a:lnRef idx="2">
+              <a:schemeClr val="accent1">
+                <a:shade val="50000"/>
+              </a:schemeClr>
+            </a:lnRef>
+            <a:fillRef idx="1">
+              <a:schemeClr val="accent1"/>
+            </a:fillRef>
+            <a:effectRef idx="0">
+              <a:schemeClr val="accent1"/>
+            </a:effectRef>
+            <a:fontRef idx="minor">
+              <a:schemeClr val="lt1"/>
+            </a:fontRef>
+          </p:style>
+          <p:txBody>
+            <a:bodyPr rot="0" spcFirstLastPara="0" vertOverflow="overflow" horzOverflow="overflow" vert="horz" wrap="square" lIns="68580" tIns="34290" rIns="68580" bIns="34290" numCol="1" spcCol="0" rtlCol="0" fromWordArt="0" anchor="ctr" anchorCtr="0" forceAA="0" compatLnSpc="1">
+              <a:prstTxWarp prst="textNoShape">
+                <a:avLst/>
+              </a:prstTxWarp>
+              <a:noAutofit/>
+            </a:bodyPr>
+            <a:lstStyle/>
+            <a:p>
+              <a:pPr algn="ctr"/>
+              <a:endParaRPr lang="ja-JP" altLang="en-US" sz="1350"/>
+            </a:p>
+          </p:txBody>
+        </p:sp>
+      </p:grpSp>
+    </p:spTree>
+    <p:extLst>
+      <p:ext uri="{BB962C8B-B14F-4D97-AF65-F5344CB8AC3E}">
+        <p14:creationId xmlns:p14="http://schemas.microsoft.com/office/powerpoint/2010/main" val="3699749314"/>
+      </p:ext>
+    </p:extLst>
+  </p:cSld>
+  <p:clrMapOvr>
+    <a:masterClrMapping/>
+  </p:clrMapOvr>
+  <p:timing>
+    <p:tnLst>
+      <p:par>
+        <p:cTn id="1" dur="indefinite" restart="never" nodeType="tmRoot"/>
+      </p:par>
+    </p:tnLst>
+  </p:timing>
+</p:sld>
+</file>
+
+<file path=ppt/slides/slide23.xml><?xml version="1.0" encoding="utf-8"?>
+<p:sld xmlns:a="http://schemas.openxmlformats.org/drawingml/2006/main" xmlns:r="http://schemas.openxmlformats.org/officeDocument/2006/relationships" xmlns:p="http://schemas.openxmlformats.org/presentationml/2006/main">
+  <p:cSld>
+    <p:spTree>
+      <p:nvGrpSpPr>
+        <p:cNvPr id="1" name=""/>
+        <p:cNvGrpSpPr/>
+        <p:nvPr/>
+      </p:nvGrpSpPr>
+      <p:grpSpPr>
+        <a:xfrm>
+          <a:off x="0" y="0"/>
+          <a:ext cx="0" cy="0"/>
+          <a:chOff x="0" y="0"/>
+          <a:chExt cx="0" cy="0"/>
+        </a:xfrm>
+      </p:grpSpPr>
+      <p:sp>
+        <p:nvSpPr>
+          <p:cNvPr id="2" name="タイトル 1"/>
+          <p:cNvSpPr>
+            <a:spLocks noGrp="1"/>
+          </p:cNvSpPr>
+          <p:nvPr>
+            <p:ph type="title"/>
+          </p:nvPr>
+        </p:nvSpPr>
+        <p:spPr/>
+        <p:txBody>
+          <a:bodyPr/>
+          <a:lstStyle/>
+          <a:p>
+            <a:r>
+              <a:rPr kumimoji="1" lang="ja-JP" altLang="en-US" dirty="0" smtClean="0"/>
+              <a:t>認識性能とは</a:t>
+            </a:r>
+            <a:endParaRPr kumimoji="1" lang="ja-JP" altLang="en-US" dirty="0"/>
+          </a:p>
+        </p:txBody>
+      </p:sp>
+      <p:sp>
+        <p:nvSpPr>
+          <p:cNvPr id="3" name="コンテンツ プレースホルダー 2"/>
+          <p:cNvSpPr>
+            <a:spLocks noGrp="1"/>
+          </p:cNvSpPr>
+          <p:nvPr>
+            <p:ph idx="1"/>
+          </p:nvPr>
+        </p:nvSpPr>
+        <p:spPr/>
+        <p:txBody>
+          <a:bodyPr/>
+          <a:lstStyle/>
+          <a:p>
+            <a:r>
+              <a:rPr kumimoji="1" lang="ja-JP" altLang="en-US" dirty="0" smtClean="0">
+                <a:solidFill>
+                  <a:srgbClr val="FF0000"/>
+                </a:solidFill>
+              </a:rPr>
+              <a:t>意味情報</a:t>
+            </a:r>
+            <a:r>
+              <a:rPr lang="ja-JP" altLang="en-US" dirty="0">
+                <a:solidFill>
+                  <a:srgbClr val="FF0000"/>
+                </a:solidFill>
+              </a:rPr>
+              <a:t>（</a:t>
+            </a:r>
+            <a:r>
+              <a:rPr kumimoji="1" lang="ja-JP" altLang="en-US" dirty="0" smtClean="0">
+                <a:solidFill>
+                  <a:srgbClr val="FF0000"/>
+                </a:solidFill>
+              </a:rPr>
+              <a:t>ラベル）</a:t>
+            </a:r>
+            <a:endParaRPr kumimoji="1" lang="en-US" altLang="ja-JP" dirty="0" smtClean="0">
+              <a:solidFill>
+                <a:srgbClr val="FF0000"/>
+              </a:solidFill>
+            </a:endParaRPr>
+          </a:p>
+          <a:p>
+            <a:r>
+              <a:rPr kumimoji="1" lang="ja-JP" altLang="en-US" dirty="0" smtClean="0"/>
+              <a:t>色</a:t>
+            </a:r>
+            <a:endParaRPr kumimoji="1" lang="en-US" altLang="ja-JP" dirty="0" smtClean="0"/>
+          </a:p>
+          <a:p>
+            <a:r>
+              <a:rPr kumimoji="1" lang="ja-JP" altLang="en-US" dirty="0" smtClean="0"/>
+              <a:t>位置情報</a:t>
+            </a:r>
+            <a:endParaRPr kumimoji="1" lang="en-US" altLang="ja-JP" dirty="0" smtClean="0"/>
+          </a:p>
+          <a:p>
+            <a:r>
+              <a:rPr lang="ja-JP" altLang="en-US" dirty="0" smtClean="0"/>
+              <a:t>大きさ</a:t>
+            </a:r>
+            <a:endParaRPr lang="en-US" altLang="ja-JP" dirty="0" smtClean="0"/>
+          </a:p>
+          <a:p>
+            <a:r>
+              <a:rPr kumimoji="1" lang="ja-JP" altLang="en-US" dirty="0" smtClean="0">
+                <a:solidFill>
+                  <a:srgbClr val="FF0000"/>
+                </a:solidFill>
+              </a:rPr>
+              <a:t>距離</a:t>
+            </a:r>
+            <a:endParaRPr kumimoji="1" lang="en-US" altLang="ja-JP" dirty="0" smtClean="0">
+              <a:solidFill>
+                <a:srgbClr val="FF0000"/>
+              </a:solidFill>
+            </a:endParaRPr>
+          </a:p>
+          <a:p>
+            <a:endParaRPr kumimoji="1" lang="ja-JP" altLang="en-US" dirty="0"/>
+          </a:p>
+        </p:txBody>
+      </p:sp>
+      <p:sp>
+        <p:nvSpPr>
+          <p:cNvPr id="4" name="スライド番号プレースホルダー 3"/>
+          <p:cNvSpPr>
+            <a:spLocks noGrp="1"/>
+          </p:cNvSpPr>
+          <p:nvPr>
+            <p:ph type="sldNum" sz="quarter" idx="12"/>
+          </p:nvPr>
+        </p:nvSpPr>
+        <p:spPr/>
+        <p:txBody>
+          <a:bodyPr/>
+          <a:lstStyle/>
+          <a:p>
+            <a:fld id="{768BF403-63E9-4BE6-AA0B-408C483EA9DC}" type="slidenum">
+              <a:rPr kumimoji="1" lang="ja-JP" altLang="en-US" smtClean="0"/>
+              <a:t>23</a:t>
+            </a:fld>
+            <a:endParaRPr kumimoji="1" lang="ja-JP" altLang="en-US"/>
+          </a:p>
+        </p:txBody>
+      </p:sp>
+    </p:spTree>
+    <p:extLst>
+      <p:ext uri="{BB962C8B-B14F-4D97-AF65-F5344CB8AC3E}">
+        <p14:creationId xmlns:p14="http://schemas.microsoft.com/office/powerpoint/2010/main" val="4179754605"/>
+      </p:ext>
+    </p:extLst>
+  </p:cSld>
+  <p:clrMapOvr>
+    <a:masterClrMapping/>
+  </p:clrMapOvr>
+  <p:timing>
+    <p:tnLst>
+      <p:par>
+        <p:cTn id="1" dur="indefinite" restart="never" nodeType="tmRoot"/>
+      </p:par>
+    </p:tnLst>
+  </p:timing>
+</p:sld>
+</file>
+
+<file path=ppt/slides/slide24.xml><?xml version="1.0" encoding="utf-8"?>
 <p:sld xmlns:a="http://schemas.openxmlformats.org/drawingml/2006/main" xmlns:r="http://schemas.openxmlformats.org/officeDocument/2006/relationships" xmlns:p="http://schemas.openxmlformats.org/presentationml/2006/main">
   <p:cSld>
     <p:spTree>
@@ -8632,7 +9445,7 @@
 </p:sld>
 </file>
 
-<file path=ppt/slides/slide21.xml><?xml version="1.0" encoding="utf-8"?>
+<file path=ppt/slides/slide25.xml><?xml version="1.0" encoding="utf-8"?>
 <p:sld xmlns:a="http://schemas.openxmlformats.org/drawingml/2006/main" xmlns:r="http://schemas.openxmlformats.org/officeDocument/2006/relationships" xmlns:p="http://schemas.openxmlformats.org/presentationml/2006/main">
   <p:cSld>
     <p:spTree>
@@ -9019,7 +9832,7 @@
           <a:p>
             <a:fld id="{768BF403-63E9-4BE6-AA0B-408C483EA9DC}" type="slidenum">
               <a:rPr kumimoji="1" lang="ja-JP" altLang="en-US" smtClean="0"/>
-              <a:t>21</a:t>
+              <a:t>25</a:t>
             </a:fld>
             <a:endParaRPr kumimoji="1" lang="ja-JP" altLang="en-US"/>
           </a:p>
@@ -9045,7 +9858,7 @@
 </p:sld>
 </file>
 
-<file path=ppt/slides/slide22.xml><?xml version="1.0" encoding="utf-8"?>
+<file path=ppt/slides/slide26.xml><?xml version="1.0" encoding="utf-8"?>
 <p:sld xmlns:a="http://schemas.openxmlformats.org/drawingml/2006/main" xmlns:r="http://schemas.openxmlformats.org/officeDocument/2006/relationships" xmlns:p="http://schemas.openxmlformats.org/presentationml/2006/main">
   <p:cSld>
     <p:spTree>
@@ -9177,7 +9990,7 @@
           <a:p>
             <a:fld id="{768BF403-63E9-4BE6-AA0B-408C483EA9DC}" type="slidenum">
               <a:rPr kumimoji="1" lang="ja-JP" altLang="en-US" smtClean="0"/>
-              <a:t>22</a:t>
+              <a:t>26</a:t>
             </a:fld>
             <a:endParaRPr kumimoji="1" lang="ja-JP" altLang="en-US"/>
           </a:p>
@@ -9203,7 +10016,7 @@
 </p:sld>
 </file>
 
-<file path=ppt/slides/slide23.xml><?xml version="1.0" encoding="utf-8"?>
+<file path=ppt/slides/slide27.xml><?xml version="1.0" encoding="utf-8"?>
 <p:sld xmlns:a="http://schemas.openxmlformats.org/drawingml/2006/main" xmlns:r="http://schemas.openxmlformats.org/officeDocument/2006/relationships" xmlns:p="http://schemas.openxmlformats.org/presentationml/2006/main">
   <p:cSld>
     <p:spTree>
@@ -9310,7 +10123,7 @@
           <a:p>
             <a:fld id="{768BF403-63E9-4BE6-AA0B-408C483EA9DC}" type="slidenum">
               <a:rPr kumimoji="1" lang="ja-JP" altLang="en-US" smtClean="0"/>
-              <a:t>23</a:t>
+              <a:t>27</a:t>
             </a:fld>
             <a:endParaRPr kumimoji="1" lang="ja-JP" altLang="en-US"/>
           </a:p>
@@ -9721,7 +10534,7 @@
 </p:sld>
 </file>
 
-<file path=ppt/slides/slide24.xml><?xml version="1.0" encoding="utf-8"?>
+<file path=ppt/slides/slide28.xml><?xml version="1.0" encoding="utf-8"?>
 <p:sld xmlns:a="http://schemas.openxmlformats.org/drawingml/2006/main" xmlns:r="http://schemas.openxmlformats.org/officeDocument/2006/relationships" xmlns:p="http://schemas.openxmlformats.org/presentationml/2006/main">
   <p:cSld>
     <p:spTree>
@@ -9871,7 +10684,7 @@
           <a:p>
             <a:fld id="{768BF403-63E9-4BE6-AA0B-408C483EA9DC}" type="slidenum">
               <a:rPr kumimoji="1" lang="ja-JP" altLang="en-US" smtClean="0"/>
-              <a:t>24</a:t>
+              <a:t>28</a:t>
             </a:fld>
             <a:endParaRPr kumimoji="1" lang="ja-JP" altLang="en-US"/>
           </a:p>
@@ -9937,7 +10750,7 @@
 </p:sld>
 </file>
 
-<file path=ppt/slides/slide25.xml><?xml version="1.0" encoding="utf-8"?>
+<file path=ppt/slides/slide29.xml><?xml version="1.0" encoding="utf-8"?>
 <p:sld xmlns:a="http://schemas.openxmlformats.org/drawingml/2006/main" xmlns:r="http://schemas.openxmlformats.org/officeDocument/2006/relationships" xmlns:p="http://schemas.openxmlformats.org/presentationml/2006/main">
   <p:cSld>
     <p:spTree>
@@ -10046,7 +10859,7 @@
           <a:p>
             <a:fld id="{768BF403-63E9-4BE6-AA0B-408C483EA9DC}" type="slidenum">
               <a:rPr kumimoji="1" lang="ja-JP" altLang="en-US" smtClean="0"/>
-              <a:t>25</a:t>
+              <a:t>29</a:t>
             </a:fld>
             <a:endParaRPr kumimoji="1" lang="ja-JP" altLang="en-US"/>
           </a:p>
@@ -10072,7 +10885,7 @@
 </p:sld>
 </file>
 
-<file path=ppt/slides/slide26.xml><?xml version="1.0" encoding="utf-8"?>
+<file path=ppt/slides/slide3.xml><?xml version="1.0" encoding="utf-8"?>
 <p:sld xmlns:a="http://schemas.openxmlformats.org/drawingml/2006/main" xmlns:r="http://schemas.openxmlformats.org/officeDocument/2006/relationships" xmlns:p="http://schemas.openxmlformats.org/presentationml/2006/main">
   <p:cSld>
     <p:spTree>
@@ -10106,6 +10919,164 @@
           <a:p>
             <a:r>
               <a:rPr kumimoji="1" lang="ja-JP" altLang="en-US" dirty="0" smtClean="0"/>
+              <a:t>背景</a:t>
+            </a:r>
+            <a:endParaRPr kumimoji="1" lang="ja-JP" altLang="en-US" dirty="0"/>
+          </a:p>
+        </p:txBody>
+      </p:sp>
+      <p:sp>
+        <p:nvSpPr>
+          <p:cNvPr id="3" name="コンテンツ プレースホルダー 2"/>
+          <p:cNvSpPr>
+            <a:spLocks noGrp="1"/>
+          </p:cNvSpPr>
+          <p:nvPr>
+            <p:ph idx="1"/>
+          </p:nvPr>
+        </p:nvSpPr>
+        <p:spPr/>
+        <p:txBody>
+          <a:bodyPr/>
+          <a:lstStyle/>
+          <a:p>
+            <a:pPr algn="just"/>
+            <a:r>
+              <a:rPr lang="en-US" altLang="ja-JP" dirty="0" smtClean="0"/>
+              <a:t>SNS</a:t>
+            </a:r>
+            <a:r>
+              <a:rPr lang="ja-JP" altLang="en-US" dirty="0" smtClean="0"/>
+              <a:t>に</a:t>
+            </a:r>
+            <a:r>
+              <a:rPr lang="ja-JP" altLang="en-US" dirty="0"/>
+              <a:t>おいて写真や画像の投稿が盛んになっており，大量の写真や画像が蓄積されている</a:t>
+            </a:r>
+            <a:r>
+              <a:rPr lang="ja-JP" altLang="en-US" dirty="0" smtClean="0"/>
+              <a:t>．</a:t>
+            </a:r>
+            <a:endParaRPr lang="en-US" altLang="ja-JP" dirty="0" smtClean="0"/>
+          </a:p>
+          <a:p>
+            <a:pPr algn="just"/>
+            <a:endParaRPr lang="en-US" altLang="ja-JP" dirty="0"/>
+          </a:p>
+          <a:p>
+            <a:pPr algn="just"/>
+            <a:r>
+              <a:rPr lang="ja-JP" altLang="en-US" dirty="0"/>
+              <a:t>ユーザが目的の写真や画像にアクセスする手段として，画像検索機能の重要性が増している</a:t>
+            </a:r>
+            <a:r>
+              <a:rPr lang="ja-JP" altLang="en-US" dirty="0" smtClean="0"/>
+              <a:t>．</a:t>
+            </a:r>
+            <a:endParaRPr lang="en-US" altLang="ja-JP" dirty="0" smtClean="0"/>
+          </a:p>
+          <a:p>
+            <a:pPr algn="just"/>
+            <a:endParaRPr lang="en-US" altLang="ja-JP" dirty="0"/>
+          </a:p>
+          <a:p>
+            <a:pPr algn="just"/>
+            <a:r>
+              <a:rPr lang="en-US" altLang="ja-JP" dirty="0" smtClean="0"/>
+              <a:t>CNN</a:t>
+            </a:r>
+            <a:r>
+              <a:rPr lang="ja-JP" altLang="en-US" dirty="0" smtClean="0"/>
+              <a:t>の登場により，画像検索機能は向上し，深層学習モデル</a:t>
+            </a:r>
+            <a:r>
+              <a:rPr lang="ja-JP" altLang="en-US" dirty="0" smtClean="0"/>
+              <a:t>の中間層から抽出できる特徴が注目されている．</a:t>
+            </a:r>
+            <a:endParaRPr lang="en-US" altLang="ja-JP" dirty="0"/>
+          </a:p>
+          <a:p>
+            <a:endParaRPr kumimoji="1" lang="ja-JP" altLang="en-US" dirty="0"/>
+          </a:p>
+        </p:txBody>
+      </p:sp>
+      <p:sp>
+        <p:nvSpPr>
+          <p:cNvPr id="4" name="スライド番号プレースホルダー 3"/>
+          <p:cNvSpPr>
+            <a:spLocks noGrp="1"/>
+          </p:cNvSpPr>
+          <p:nvPr>
+            <p:ph type="sldNum" sz="quarter" idx="12"/>
+          </p:nvPr>
+        </p:nvSpPr>
+        <p:spPr/>
+        <p:txBody>
+          <a:bodyPr/>
+          <a:lstStyle/>
+          <a:p>
+            <a:fld id="{768BF403-63E9-4BE6-AA0B-408C483EA9DC}" type="slidenum">
+              <a:rPr kumimoji="1" lang="ja-JP" altLang="en-US" smtClean="0"/>
+              <a:t>3</a:t>
+            </a:fld>
+            <a:endParaRPr kumimoji="1" lang="ja-JP" altLang="en-US"/>
+          </a:p>
+        </p:txBody>
+      </p:sp>
+    </p:spTree>
+    <p:extLst>
+      <p:ext uri="{BB962C8B-B14F-4D97-AF65-F5344CB8AC3E}">
+        <p14:creationId xmlns:p14="http://schemas.microsoft.com/office/powerpoint/2010/main" val="204676938"/>
+      </p:ext>
+    </p:extLst>
+  </p:cSld>
+  <p:clrMapOvr>
+    <a:masterClrMapping/>
+  </p:clrMapOvr>
+  <p:timing>
+    <p:tnLst>
+      <p:par>
+        <p:cTn id="1" dur="indefinite" restart="never" nodeType="tmRoot"/>
+      </p:par>
+    </p:tnLst>
+  </p:timing>
+</p:sld>
+</file>
+
+<file path=ppt/slides/slide30.xml><?xml version="1.0" encoding="utf-8"?>
+<p:sld xmlns:a="http://schemas.openxmlformats.org/drawingml/2006/main" xmlns:r="http://schemas.openxmlformats.org/officeDocument/2006/relationships" xmlns:p="http://schemas.openxmlformats.org/presentationml/2006/main">
+  <p:cSld>
+    <p:spTree>
+      <p:nvGrpSpPr>
+        <p:cNvPr id="1" name=""/>
+        <p:cNvGrpSpPr/>
+        <p:nvPr/>
+      </p:nvGrpSpPr>
+      <p:grpSpPr>
+        <a:xfrm>
+          <a:off x="0" y="0"/>
+          <a:ext cx="0" cy="0"/>
+          <a:chOff x="0" y="0"/>
+          <a:chExt cx="0" cy="0"/>
+        </a:xfrm>
+      </p:grpSpPr>
+      <p:sp>
+        <p:nvSpPr>
+          <p:cNvPr id="2" name="タイトル 1"/>
+          <p:cNvSpPr>
+            <a:spLocks noGrp="1"/>
+          </p:cNvSpPr>
+          <p:nvPr>
+            <p:ph type="title"/>
+          </p:nvPr>
+        </p:nvSpPr>
+        <p:spPr/>
+        <p:txBody>
+          <a:bodyPr/>
+          <a:lstStyle/>
+          <a:p>
+            <a:r>
+              <a:rPr kumimoji="1" lang="ja-JP" altLang="en-US" dirty="0" smtClean="0"/>
               <a:t>画像検索システム評価</a:t>
             </a:r>
             <a:endParaRPr kumimoji="1" lang="ja-JP" altLang="en-US" dirty="0"/>
@@ -10185,7 +11156,7 @@
           <a:p>
             <a:fld id="{768BF403-63E9-4BE6-AA0B-408C483EA9DC}" type="slidenum">
               <a:rPr kumimoji="1" lang="ja-JP" altLang="en-US" smtClean="0"/>
-              <a:t>26</a:t>
+              <a:t>30</a:t>
             </a:fld>
             <a:endParaRPr kumimoji="1" lang="ja-JP" altLang="en-US"/>
           </a:p>
@@ -10211,7 +11182,7 @@
 </p:sld>
 </file>
 
-<file path=ppt/slides/slide27.xml><?xml version="1.0" encoding="utf-8"?>
+<file path=ppt/slides/slide31.xml><?xml version="1.0" encoding="utf-8"?>
 <p:sld xmlns:a="http://schemas.openxmlformats.org/drawingml/2006/main" xmlns:r="http://schemas.openxmlformats.org/officeDocument/2006/relationships" xmlns:p="http://schemas.openxmlformats.org/presentationml/2006/main">
   <p:cSld>
     <p:spTree>
@@ -10264,7 +11235,7 @@
           <a:p>
             <a:fld id="{768BF403-63E9-4BE6-AA0B-408C483EA9DC}" type="slidenum">
               <a:rPr kumimoji="1" lang="ja-JP" altLang="en-US" smtClean="0"/>
-              <a:t>27</a:t>
+              <a:t>31</a:t>
             </a:fld>
             <a:endParaRPr kumimoji="1" lang="ja-JP" altLang="en-US"/>
           </a:p>
@@ -13692,7 +14663,7 @@
 </p:sld>
 </file>
 
-<file path=ppt/slides/slide28.xml><?xml version="1.0" encoding="utf-8"?>
+<file path=ppt/slides/slide32.xml><?xml version="1.0" encoding="utf-8"?>
 <p:sld xmlns:a="http://schemas.openxmlformats.org/drawingml/2006/main" xmlns:r="http://schemas.openxmlformats.org/officeDocument/2006/relationships" xmlns:p="http://schemas.openxmlformats.org/presentationml/2006/main">
   <p:cSld>
     <p:spTree>
@@ -13745,7 +14716,7 @@
           <a:p>
             <a:fld id="{768BF403-63E9-4BE6-AA0B-408C483EA9DC}" type="slidenum">
               <a:rPr kumimoji="1" lang="ja-JP" altLang="en-US" smtClean="0"/>
-              <a:t>28</a:t>
+              <a:t>32</a:t>
             </a:fld>
             <a:endParaRPr kumimoji="1" lang="ja-JP" altLang="en-US"/>
           </a:p>
@@ -13797,7 +14768,7 @@
 </p:sld>
 </file>
 
-<file path=ppt/slides/slide29.xml><?xml version="1.0" encoding="utf-8"?>
+<file path=ppt/slides/slide33.xml><?xml version="1.0" encoding="utf-8"?>
 <p:sld xmlns:a="http://schemas.openxmlformats.org/drawingml/2006/main" xmlns:r="http://schemas.openxmlformats.org/officeDocument/2006/relationships" xmlns:p="http://schemas.openxmlformats.org/presentationml/2006/main">
   <p:cSld>
     <p:spTree>
@@ -13831,7 +14802,7 @@
           <a:p>
             <a:fld id="{768BF403-63E9-4BE6-AA0B-408C483EA9DC}" type="slidenum">
               <a:rPr kumimoji="1" lang="ja-JP" altLang="en-US" smtClean="0"/>
-              <a:t>29</a:t>
+              <a:t>33</a:t>
             </a:fld>
             <a:endParaRPr kumimoji="1" lang="ja-JP" altLang="en-US"/>
           </a:p>
@@ -13847,10 +14818,17 @@
   <p:clrMapOvr>
     <a:masterClrMapping/>
   </p:clrMapOvr>
+  <p:timing>
+    <p:tnLst>
+      <p:par>
+        <p:cTn id="1" dur="indefinite" restart="never" nodeType="tmRoot"/>
+      </p:par>
+    </p:tnLst>
+  </p:timing>
 </p:sld>
 </file>
 
-<file path=ppt/slides/slide3.xml><?xml version="1.0" encoding="utf-8"?>
+<file path=ppt/slides/slide34.xml><?xml version="1.0" encoding="utf-8"?>
 <p:sld xmlns:a="http://schemas.openxmlformats.org/drawingml/2006/main" xmlns:r="http://schemas.openxmlformats.org/officeDocument/2006/relationships" xmlns:p="http://schemas.openxmlformats.org/presentationml/2006/main">
   <p:cSld>
     <p:spTree>
@@ -13882,86 +14860,52 @@
           <a:bodyPr/>
           <a:lstStyle/>
           <a:p>
+            <a:endParaRPr kumimoji="1" lang="ja-JP" altLang="en-US"/>
+          </a:p>
+        </p:txBody>
+      </p:sp>
+      <p:sp>
+        <p:nvSpPr>
+          <p:cNvPr id="3" name="コンテンツ プレースホルダー 2"/>
+          <p:cNvSpPr>
+            <a:spLocks noGrp="1"/>
+          </p:cNvSpPr>
+          <p:nvPr>
+            <p:ph idx="1"/>
+          </p:nvPr>
+        </p:nvSpPr>
+        <p:spPr/>
+        <p:txBody>
+          <a:bodyPr/>
+          <a:lstStyle/>
+          <a:p>
             <a:r>
               <a:rPr kumimoji="1" lang="ja-JP" altLang="en-US" dirty="0" smtClean="0"/>
-              <a:t>背景</a:t>
-            </a:r>
-            <a:endParaRPr kumimoji="1" lang="ja-JP" altLang="en-US" dirty="0"/>
-          </a:p>
-        </p:txBody>
-      </p:sp>
-      <p:sp>
-        <p:nvSpPr>
-          <p:cNvPr id="3" name="コンテンツ プレースホルダー 2"/>
-          <p:cNvSpPr>
-            <a:spLocks noGrp="1"/>
-          </p:cNvSpPr>
-          <p:nvPr>
-            <p:ph idx="1"/>
-          </p:nvPr>
-        </p:nvSpPr>
-        <p:spPr/>
-        <p:txBody>
-          <a:bodyPr/>
-          <a:lstStyle/>
-          <a:p>
-            <a:pPr algn="just"/>
+              <a:t>意味情報</a:t>
+            </a:r>
+            <a:endParaRPr kumimoji="1" lang="en-US" altLang="ja-JP" dirty="0" smtClean="0"/>
+          </a:p>
+          <a:p>
+            <a:pPr lvl="1"/>
+            <a:r>
+              <a:rPr lang="ja-JP" altLang="en-US" dirty="0"/>
+              <a:t>画像を認識する際</a:t>
+            </a:r>
+            <a:r>
+              <a:rPr lang="ja-JP" altLang="en-US" dirty="0" smtClean="0"/>
+              <a:t>に，その判断材料となる情報</a:t>
+            </a:r>
             <a:r>
               <a:rPr lang="en-US" altLang="ja-JP" dirty="0" smtClean="0"/>
-              <a:t>SNS</a:t>
-            </a:r>
-            <a:r>
-              <a:rPr lang="ja-JP" altLang="en-US" dirty="0" smtClean="0"/>
-              <a:t>に</a:t>
-            </a:r>
-            <a:r>
-              <a:rPr lang="ja-JP" altLang="en-US" dirty="0"/>
-              <a:t>おいて写真や画像の投稿が盛んになっており，大量の写真や画像が蓄積されている</a:t>
-            </a:r>
-            <a:r>
-              <a:rPr lang="ja-JP" altLang="en-US" dirty="0" smtClean="0"/>
-              <a:t>．</a:t>
-            </a:r>
+              <a:t>.</a:t>
+            </a:r>
+          </a:p>
+          <a:p>
+            <a:pPr lvl="1"/>
+            <a:endParaRPr lang="en-US" altLang="ja-JP" dirty="0"/>
+          </a:p>
+          <a:p>
             <a:endParaRPr lang="en-US" altLang="ja-JP" dirty="0" smtClean="0"/>
-          </a:p>
-          <a:p>
-            <a:pPr algn="just"/>
-            <a:endParaRPr lang="en-US" altLang="ja-JP" dirty="0"/>
-          </a:p>
-          <a:p>
-            <a:pPr algn="just"/>
-            <a:r>
-              <a:rPr lang="ja-JP" altLang="en-US" dirty="0"/>
-              <a:t>ユーザが目的の写真や画像にアクセスする手段として，画像検索機能の重要性が増している</a:t>
-            </a:r>
-            <a:r>
-              <a:rPr lang="ja-JP" altLang="en-US" dirty="0" smtClean="0"/>
-              <a:t>．</a:t>
-            </a:r>
-            <a:endParaRPr lang="en-US" altLang="ja-JP" dirty="0" smtClean="0"/>
-          </a:p>
-          <a:p>
-            <a:pPr algn="just"/>
-            <a:endParaRPr lang="en-US" altLang="ja-JP" dirty="0"/>
-          </a:p>
-          <a:p>
-            <a:pPr algn="just"/>
-            <a:r>
-              <a:rPr lang="en-US" altLang="ja-JP" dirty="0" smtClean="0"/>
-              <a:t>CNN</a:t>
-            </a:r>
-            <a:r>
-              <a:rPr lang="ja-JP" altLang="en-US" dirty="0" smtClean="0"/>
-              <a:t>の登場により，画像検索機能は向上し，深層学習モデル</a:t>
-            </a:r>
-            <a:r>
-              <a:rPr lang="ja-JP" altLang="en-US" dirty="0" smtClean="0"/>
-              <a:t>の中間層から抽出できる特徴が注目されている．</a:t>
-            </a:r>
-            <a:endParaRPr lang="en-US" altLang="ja-JP" dirty="0"/>
-          </a:p>
-          <a:p>
-            <a:endParaRPr kumimoji="1" lang="ja-JP" altLang="en-US" dirty="0"/>
           </a:p>
         </p:txBody>
       </p:sp>
@@ -13982,131 +14926,7 @@
           <a:p>
             <a:fld id="{768BF403-63E9-4BE6-AA0B-408C483EA9DC}" type="slidenum">
               <a:rPr kumimoji="1" lang="ja-JP" altLang="en-US" smtClean="0"/>
-              <a:t>3</a:t>
-            </a:fld>
-            <a:endParaRPr kumimoji="1" lang="ja-JP" altLang="en-US"/>
-          </a:p>
-        </p:txBody>
-      </p:sp>
-    </p:spTree>
-    <p:extLst>
-      <p:ext uri="{BB962C8B-B14F-4D97-AF65-F5344CB8AC3E}">
-        <p14:creationId xmlns:p14="http://schemas.microsoft.com/office/powerpoint/2010/main" val="204676938"/>
-      </p:ext>
-    </p:extLst>
-  </p:cSld>
-  <p:clrMapOvr>
-    <a:masterClrMapping/>
-  </p:clrMapOvr>
-  <p:timing>
-    <p:tnLst>
-      <p:par>
-        <p:cTn id="1" dur="indefinite" restart="never" nodeType="tmRoot"/>
-      </p:par>
-    </p:tnLst>
-  </p:timing>
-</p:sld>
-</file>
-
-<file path=ppt/slides/slide30.xml><?xml version="1.0" encoding="utf-8"?>
-<p:sld xmlns:a="http://schemas.openxmlformats.org/drawingml/2006/main" xmlns:r="http://schemas.openxmlformats.org/officeDocument/2006/relationships" xmlns:p="http://schemas.openxmlformats.org/presentationml/2006/main">
-  <p:cSld>
-    <p:spTree>
-      <p:nvGrpSpPr>
-        <p:cNvPr id="1" name=""/>
-        <p:cNvGrpSpPr/>
-        <p:nvPr/>
-      </p:nvGrpSpPr>
-      <p:grpSpPr>
-        <a:xfrm>
-          <a:off x="0" y="0"/>
-          <a:ext cx="0" cy="0"/>
-          <a:chOff x="0" y="0"/>
-          <a:chExt cx="0" cy="0"/>
-        </a:xfrm>
-      </p:grpSpPr>
-      <p:sp>
-        <p:nvSpPr>
-          <p:cNvPr id="2" name="タイトル 1"/>
-          <p:cNvSpPr>
-            <a:spLocks noGrp="1"/>
-          </p:cNvSpPr>
-          <p:nvPr>
-            <p:ph type="title"/>
-          </p:nvPr>
-        </p:nvSpPr>
-        <p:spPr/>
-        <p:txBody>
-          <a:bodyPr/>
-          <a:lstStyle/>
-          <a:p>
-            <a:endParaRPr kumimoji="1" lang="ja-JP" altLang="en-US"/>
-          </a:p>
-        </p:txBody>
-      </p:sp>
-      <p:sp>
-        <p:nvSpPr>
-          <p:cNvPr id="3" name="コンテンツ プレースホルダー 2"/>
-          <p:cNvSpPr>
-            <a:spLocks noGrp="1"/>
-          </p:cNvSpPr>
-          <p:nvPr>
-            <p:ph idx="1"/>
-          </p:nvPr>
-        </p:nvSpPr>
-        <p:spPr/>
-        <p:txBody>
-          <a:bodyPr/>
-          <a:lstStyle/>
-          <a:p>
-            <a:r>
-              <a:rPr kumimoji="1" lang="ja-JP" altLang="en-US" dirty="0" smtClean="0"/>
-              <a:t>意味情報</a:t>
-            </a:r>
-            <a:endParaRPr kumimoji="1" lang="en-US" altLang="ja-JP" dirty="0" smtClean="0"/>
-          </a:p>
-          <a:p>
-            <a:pPr lvl="1"/>
-            <a:r>
-              <a:rPr lang="ja-JP" altLang="en-US" dirty="0"/>
-              <a:t>画像を認識する際</a:t>
-            </a:r>
-            <a:r>
-              <a:rPr lang="ja-JP" altLang="en-US" dirty="0" smtClean="0"/>
-              <a:t>に，その判断材料となる情報</a:t>
-            </a:r>
-            <a:r>
-              <a:rPr lang="en-US" altLang="ja-JP" dirty="0" smtClean="0"/>
-              <a:t>.</a:t>
-            </a:r>
-          </a:p>
-          <a:p>
-            <a:pPr lvl="1"/>
-            <a:endParaRPr lang="en-US" altLang="ja-JP" dirty="0"/>
-          </a:p>
-          <a:p>
-            <a:endParaRPr lang="en-US" altLang="ja-JP" dirty="0" smtClean="0"/>
-          </a:p>
-        </p:txBody>
-      </p:sp>
-      <p:sp>
-        <p:nvSpPr>
-          <p:cNvPr id="4" name="スライド番号プレースホルダー 3"/>
-          <p:cNvSpPr>
-            <a:spLocks noGrp="1"/>
-          </p:cNvSpPr>
-          <p:nvPr>
-            <p:ph type="sldNum" sz="quarter" idx="12"/>
-          </p:nvPr>
-        </p:nvSpPr>
-        <p:spPr/>
-        <p:txBody>
-          <a:bodyPr/>
-          <a:lstStyle/>
-          <a:p>
-            <a:fld id="{768BF403-63E9-4BE6-AA0B-408C483EA9DC}" type="slidenum">
-              <a:rPr kumimoji="1" lang="ja-JP" altLang="en-US" smtClean="0"/>
-              <a:t>30</a:t>
+              <a:t>34</a:t>
             </a:fld>
             <a:endParaRPr kumimoji="1" lang="ja-JP" altLang="en-US"/>
           </a:p>
@@ -14132,7 +14952,7 @@
 </p:sld>
 </file>
 
-<file path=ppt/slides/slide31.xml><?xml version="1.0" encoding="utf-8"?>
+<file path=ppt/slides/slide35.xml><?xml version="1.0" encoding="utf-8"?>
 <p:sld xmlns:a="http://schemas.openxmlformats.org/drawingml/2006/main" xmlns:r="http://schemas.openxmlformats.org/officeDocument/2006/relationships" xmlns:p="http://schemas.openxmlformats.org/presentationml/2006/main">
   <p:cSld>
     <p:spTree>
@@ -14356,7 +15176,7 @@
           <a:p>
             <a:fld id="{BCFEE6ED-AA2C-49EB-A172-8063C2D7D298}" type="slidenum">
               <a:rPr kumimoji="1" lang="ja-JP" altLang="en-US" smtClean="0"/>
-              <a:t>31</a:t>
+              <a:t>35</a:t>
             </a:fld>
             <a:endParaRPr kumimoji="1" lang="ja-JP" altLang="en-US"/>
           </a:p>
@@ -14382,7 +15202,7 @@
 </p:sld>
 </file>
 
-<file path=ppt/slides/slide32.xml><?xml version="1.0" encoding="utf-8"?>
+<file path=ppt/slides/slide36.xml><?xml version="1.0" encoding="utf-8"?>
 <p:sld xmlns:a="http://schemas.openxmlformats.org/drawingml/2006/main" xmlns:r="http://schemas.openxmlformats.org/officeDocument/2006/relationships" xmlns:p="http://schemas.openxmlformats.org/presentationml/2006/main">
   <p:cSld>
     <p:spTree>
@@ -14416,175 +15236,6 @@
           <a:p>
             <a:r>
               <a:rPr kumimoji="1" lang="ja-JP" altLang="en-US" dirty="0" smtClean="0"/>
-              <a:t>認識性能とは</a:t>
-            </a:r>
-            <a:endParaRPr kumimoji="1" lang="ja-JP" altLang="en-US" dirty="0"/>
-          </a:p>
-        </p:txBody>
-      </p:sp>
-      <p:sp>
-        <p:nvSpPr>
-          <p:cNvPr id="3" name="コンテンツ プレースホルダー 2"/>
-          <p:cNvSpPr>
-            <a:spLocks noGrp="1"/>
-          </p:cNvSpPr>
-          <p:nvPr>
-            <p:ph idx="1"/>
-          </p:nvPr>
-        </p:nvSpPr>
-        <p:spPr/>
-        <p:txBody>
-          <a:bodyPr/>
-          <a:lstStyle/>
-          <a:p>
-            <a:r>
-              <a:rPr kumimoji="1" lang="ja-JP" altLang="en-US" dirty="0" smtClean="0">
-                <a:solidFill>
-                  <a:srgbClr val="FF0000"/>
-                </a:solidFill>
-              </a:rPr>
-              <a:t>意味情報</a:t>
-            </a:r>
-            <a:r>
-              <a:rPr lang="ja-JP" altLang="en-US" dirty="0">
-                <a:solidFill>
-                  <a:srgbClr val="FF0000"/>
-                </a:solidFill>
-              </a:rPr>
-              <a:t>（</a:t>
-            </a:r>
-            <a:r>
-              <a:rPr kumimoji="1" lang="ja-JP" altLang="en-US" dirty="0" smtClean="0">
-                <a:solidFill>
-                  <a:srgbClr val="FF0000"/>
-                </a:solidFill>
-              </a:rPr>
-              <a:t>ラベル）</a:t>
-            </a:r>
-            <a:endParaRPr kumimoji="1" lang="en-US" altLang="ja-JP" dirty="0" smtClean="0">
-              <a:solidFill>
-                <a:srgbClr val="FF0000"/>
-              </a:solidFill>
-            </a:endParaRPr>
-          </a:p>
-          <a:p>
-            <a:r>
-              <a:rPr kumimoji="1" lang="ja-JP" altLang="en-US" dirty="0" smtClean="0"/>
-              <a:t>色</a:t>
-            </a:r>
-            <a:endParaRPr kumimoji="1" lang="en-US" altLang="ja-JP" dirty="0" smtClean="0"/>
-          </a:p>
-          <a:p>
-            <a:r>
-              <a:rPr kumimoji="1" lang="ja-JP" altLang="en-US" dirty="0" smtClean="0"/>
-              <a:t>位置情報</a:t>
-            </a:r>
-            <a:endParaRPr kumimoji="1" lang="en-US" altLang="ja-JP" dirty="0" smtClean="0"/>
-          </a:p>
-          <a:p>
-            <a:r>
-              <a:rPr lang="ja-JP" altLang="en-US" dirty="0" smtClean="0"/>
-              <a:t>大きさ</a:t>
-            </a:r>
-            <a:endParaRPr lang="en-US" altLang="ja-JP" dirty="0" smtClean="0"/>
-          </a:p>
-          <a:p>
-            <a:r>
-              <a:rPr kumimoji="1" lang="ja-JP" altLang="en-US" dirty="0" smtClean="0">
-                <a:solidFill>
-                  <a:srgbClr val="FF0000"/>
-                </a:solidFill>
-              </a:rPr>
-              <a:t>距離</a:t>
-            </a:r>
-            <a:endParaRPr kumimoji="1" lang="en-US" altLang="ja-JP" dirty="0" smtClean="0">
-              <a:solidFill>
-                <a:srgbClr val="FF0000"/>
-              </a:solidFill>
-            </a:endParaRPr>
-          </a:p>
-          <a:p>
-            <a:endParaRPr kumimoji="1" lang="ja-JP" altLang="en-US" dirty="0"/>
-          </a:p>
-        </p:txBody>
-      </p:sp>
-      <p:sp>
-        <p:nvSpPr>
-          <p:cNvPr id="4" name="スライド番号プレースホルダー 3"/>
-          <p:cNvSpPr>
-            <a:spLocks noGrp="1"/>
-          </p:cNvSpPr>
-          <p:nvPr>
-            <p:ph type="sldNum" sz="quarter" idx="12"/>
-          </p:nvPr>
-        </p:nvSpPr>
-        <p:spPr/>
-        <p:txBody>
-          <a:bodyPr/>
-          <a:lstStyle/>
-          <a:p>
-            <a:fld id="{768BF403-63E9-4BE6-AA0B-408C483EA9DC}" type="slidenum">
-              <a:rPr kumimoji="1" lang="ja-JP" altLang="en-US" smtClean="0"/>
-              <a:t>32</a:t>
-            </a:fld>
-            <a:endParaRPr kumimoji="1" lang="ja-JP" altLang="en-US"/>
-          </a:p>
-        </p:txBody>
-      </p:sp>
-    </p:spTree>
-    <p:extLst>
-      <p:ext uri="{BB962C8B-B14F-4D97-AF65-F5344CB8AC3E}">
-        <p14:creationId xmlns:p14="http://schemas.microsoft.com/office/powerpoint/2010/main" val="4179754605"/>
-      </p:ext>
-    </p:extLst>
-  </p:cSld>
-  <p:clrMapOvr>
-    <a:masterClrMapping/>
-  </p:clrMapOvr>
-  <p:timing>
-    <p:tnLst>
-      <p:par>
-        <p:cTn id="1" dur="indefinite" restart="never" nodeType="tmRoot"/>
-      </p:par>
-    </p:tnLst>
-  </p:timing>
-</p:sld>
-</file>
-
-<file path=ppt/slides/slide33.xml><?xml version="1.0" encoding="utf-8"?>
-<p:sld xmlns:a="http://schemas.openxmlformats.org/drawingml/2006/main" xmlns:r="http://schemas.openxmlformats.org/officeDocument/2006/relationships" xmlns:p="http://schemas.openxmlformats.org/presentationml/2006/main">
-  <p:cSld>
-    <p:spTree>
-      <p:nvGrpSpPr>
-        <p:cNvPr id="1" name=""/>
-        <p:cNvGrpSpPr/>
-        <p:nvPr/>
-      </p:nvGrpSpPr>
-      <p:grpSpPr>
-        <a:xfrm>
-          <a:off x="0" y="0"/>
-          <a:ext cx="0" cy="0"/>
-          <a:chOff x="0" y="0"/>
-          <a:chExt cx="0" cy="0"/>
-        </a:xfrm>
-      </p:grpSpPr>
-      <p:sp>
-        <p:nvSpPr>
-          <p:cNvPr id="2" name="タイトル 1"/>
-          <p:cNvSpPr>
-            <a:spLocks noGrp="1"/>
-          </p:cNvSpPr>
-          <p:nvPr>
-            <p:ph type="title"/>
-          </p:nvPr>
-        </p:nvSpPr>
-        <p:spPr/>
-        <p:txBody>
-          <a:bodyPr/>
-          <a:lstStyle/>
-          <a:p>
-            <a:r>
-              <a:rPr kumimoji="1" lang="ja-JP" altLang="en-US" dirty="0" smtClean="0"/>
               <a:t>特徴ベクトル</a:t>
             </a:r>
             <a:endParaRPr kumimoji="1" lang="ja-JP" altLang="en-US" dirty="0"/>
@@ -14709,7 +15360,7 @@
           <a:p>
             <a:fld id="{BCFEE6ED-AA2C-49EB-A172-8063C2D7D298}" type="slidenum">
               <a:rPr kumimoji="1" lang="ja-JP" altLang="en-US" smtClean="0"/>
-              <a:t>33</a:t>
+              <a:t>36</a:t>
             </a:fld>
             <a:endParaRPr kumimoji="1" lang="ja-JP" altLang="en-US"/>
           </a:p>
@@ -14930,7 +15581,7 @@
 </p:sld>
 </file>
 
-<file path=ppt/slides/slide34.xml><?xml version="1.0" encoding="utf-8"?>
+<file path=ppt/slides/slide37.xml><?xml version="1.0" encoding="utf-8"?>
 <p:sld xmlns:a="http://schemas.openxmlformats.org/drawingml/2006/main" xmlns:r="http://schemas.openxmlformats.org/officeDocument/2006/relationships" xmlns:p="http://schemas.openxmlformats.org/presentationml/2006/main">
   <p:cSld>
     <p:spTree>
@@ -15078,7 +15729,7 @@
           <a:p>
             <a:fld id="{768BF403-63E9-4BE6-AA0B-408C483EA9DC}" type="slidenum">
               <a:rPr kumimoji="1" lang="ja-JP" altLang="en-US" smtClean="0"/>
-              <a:t>34</a:t>
+              <a:t>37</a:t>
             </a:fld>
             <a:endParaRPr kumimoji="1" lang="ja-JP" altLang="en-US"/>
           </a:p>
@@ -15088,467 +15739,6 @@
     <p:extLst>
       <p:ext uri="{BB962C8B-B14F-4D97-AF65-F5344CB8AC3E}">
         <p14:creationId xmlns:p14="http://schemas.microsoft.com/office/powerpoint/2010/main" val="3424580741"/>
-      </p:ext>
-    </p:extLst>
-  </p:cSld>
-  <p:clrMapOvr>
-    <a:masterClrMapping/>
-  </p:clrMapOvr>
-  <p:timing>
-    <p:tnLst>
-      <p:par>
-        <p:cTn id="1" dur="indefinite" restart="never" nodeType="tmRoot"/>
-      </p:par>
-    </p:tnLst>
-  </p:timing>
-</p:sld>
-</file>
-
-<file path=ppt/slides/slide35.xml><?xml version="1.0" encoding="utf-8"?>
-<p:sld xmlns:a="http://schemas.openxmlformats.org/drawingml/2006/main" xmlns:r="http://schemas.openxmlformats.org/officeDocument/2006/relationships" xmlns:p="http://schemas.openxmlformats.org/presentationml/2006/main">
-  <p:cSld>
-    <p:spTree>
-      <p:nvGrpSpPr>
-        <p:cNvPr id="1" name=""/>
-        <p:cNvGrpSpPr/>
-        <p:nvPr/>
-      </p:nvGrpSpPr>
-      <p:grpSpPr>
-        <a:xfrm>
-          <a:off x="0" y="0"/>
-          <a:ext cx="0" cy="0"/>
-          <a:chOff x="0" y="0"/>
-          <a:chExt cx="0" cy="0"/>
-        </a:xfrm>
-      </p:grpSpPr>
-      <p:sp>
-        <p:nvSpPr>
-          <p:cNvPr id="2" name="タイトル 1"/>
-          <p:cNvSpPr>
-            <a:spLocks noGrp="1"/>
-          </p:cNvSpPr>
-          <p:nvPr>
-            <p:ph type="title"/>
-          </p:nvPr>
-        </p:nvSpPr>
-        <p:spPr/>
-        <p:txBody>
-          <a:bodyPr/>
-          <a:lstStyle/>
-          <a:p>
-            <a:r>
-              <a:rPr lang="ja-JP" altLang="en-US" dirty="0"/>
-              <a:t>使用したモデル</a:t>
-            </a:r>
-            <a:endParaRPr kumimoji="1" lang="ja-JP" altLang="en-US" dirty="0"/>
-          </a:p>
-        </p:txBody>
-      </p:sp>
-      <p:sp>
-        <p:nvSpPr>
-          <p:cNvPr id="3" name="コンテンツ プレースホルダー 2"/>
-          <p:cNvSpPr>
-            <a:spLocks noGrp="1"/>
-          </p:cNvSpPr>
-          <p:nvPr>
-            <p:ph idx="1"/>
-          </p:nvPr>
-        </p:nvSpPr>
-        <p:spPr/>
-        <p:txBody>
-          <a:bodyPr/>
-          <a:lstStyle/>
-          <a:p>
-            <a:r>
-              <a:rPr kumimoji="1" lang="ja-JP" altLang="en-US" dirty="0" smtClean="0"/>
-              <a:t>使用したモデル</a:t>
-            </a:r>
-            <a:endParaRPr kumimoji="1" lang="ja-JP" altLang="en-US" dirty="0"/>
-          </a:p>
-        </p:txBody>
-      </p:sp>
-      <p:pic>
-        <p:nvPicPr>
-          <p:cNvPr id="4" name="図 3"/>
-          <p:cNvPicPr>
-            <a:picLocks noChangeAspect="1"/>
-          </p:cNvPicPr>
-          <p:nvPr/>
-        </p:nvPicPr>
-        <p:blipFill>
-          <a:blip r:embed="rId2"/>
-          <a:stretch>
-            <a:fillRect/>
-          </a:stretch>
-        </p:blipFill>
-        <p:spPr>
-          <a:xfrm>
-            <a:off x="628650" y="3342033"/>
-            <a:ext cx="5992061" cy="2629267"/>
-          </a:xfrm>
-          <a:prstGeom prst="rect">
-            <a:avLst/>
-          </a:prstGeom>
-        </p:spPr>
-      </p:pic>
-      <p:sp>
-        <p:nvSpPr>
-          <p:cNvPr id="5" name="スライド番号プレースホルダー 4"/>
-          <p:cNvSpPr>
-            <a:spLocks noGrp="1"/>
-          </p:cNvSpPr>
-          <p:nvPr>
-            <p:ph type="sldNum" sz="quarter" idx="12"/>
-          </p:nvPr>
-        </p:nvSpPr>
-        <p:spPr/>
-        <p:txBody>
-          <a:bodyPr/>
-          <a:lstStyle/>
-          <a:p>
-            <a:fld id="{768BF403-63E9-4BE6-AA0B-408C483EA9DC}" type="slidenum">
-              <a:rPr kumimoji="1" lang="ja-JP" altLang="en-US" smtClean="0"/>
-              <a:t>35</a:t>
-            </a:fld>
-            <a:endParaRPr kumimoji="1" lang="ja-JP" altLang="en-US"/>
-          </a:p>
-        </p:txBody>
-      </p:sp>
-    </p:spTree>
-    <p:extLst>
-      <p:ext uri="{BB962C8B-B14F-4D97-AF65-F5344CB8AC3E}">
-        <p14:creationId xmlns:p14="http://schemas.microsoft.com/office/powerpoint/2010/main" val="1561538588"/>
-      </p:ext>
-    </p:extLst>
-  </p:cSld>
-  <p:clrMapOvr>
-    <a:masterClrMapping/>
-  </p:clrMapOvr>
-  <p:timing>
-    <p:tnLst>
-      <p:par>
-        <p:cTn id="1" dur="indefinite" restart="never" nodeType="tmRoot"/>
-      </p:par>
-    </p:tnLst>
-  </p:timing>
-</p:sld>
-</file>
-
-<file path=ppt/slides/slide36.xml><?xml version="1.0" encoding="utf-8"?>
-<p:sld xmlns:a="http://schemas.openxmlformats.org/drawingml/2006/main" xmlns:r="http://schemas.openxmlformats.org/officeDocument/2006/relationships" xmlns:p="http://schemas.openxmlformats.org/presentationml/2006/main">
-  <p:cSld>
-    <p:spTree>
-      <p:nvGrpSpPr>
-        <p:cNvPr id="1" name=""/>
-        <p:cNvGrpSpPr/>
-        <p:nvPr/>
-      </p:nvGrpSpPr>
-      <p:grpSpPr>
-        <a:xfrm>
-          <a:off x="0" y="0"/>
-          <a:ext cx="0" cy="0"/>
-          <a:chOff x="0" y="0"/>
-          <a:chExt cx="0" cy="0"/>
-        </a:xfrm>
-      </p:grpSpPr>
-      <p:sp>
-        <p:nvSpPr>
-          <p:cNvPr id="2" name="タイトル 1"/>
-          <p:cNvSpPr>
-            <a:spLocks noGrp="1"/>
-          </p:cNvSpPr>
-          <p:nvPr>
-            <p:ph type="title"/>
-          </p:nvPr>
-        </p:nvSpPr>
-        <p:spPr/>
-        <p:txBody>
-          <a:bodyPr/>
-          <a:lstStyle/>
-          <a:p>
-            <a:r>
-              <a:rPr kumimoji="1" lang="en-US" altLang="ja-JP" dirty="0" err="1" smtClean="0"/>
-              <a:t>Alexnet</a:t>
-            </a:r>
-            <a:r>
-              <a:rPr kumimoji="1" lang="ja-JP" altLang="en-US" dirty="0" smtClean="0"/>
-              <a:t>のモデル作成</a:t>
-            </a:r>
-            <a:endParaRPr kumimoji="1" lang="ja-JP" altLang="en-US" dirty="0"/>
-          </a:p>
-        </p:txBody>
-      </p:sp>
-      <p:sp>
-        <p:nvSpPr>
-          <p:cNvPr id="3" name="コンテンツ プレースホルダー 2"/>
-          <p:cNvSpPr>
-            <a:spLocks noGrp="1"/>
-          </p:cNvSpPr>
-          <p:nvPr>
-            <p:ph idx="1"/>
-          </p:nvPr>
-        </p:nvSpPr>
-        <p:spPr/>
-        <p:txBody>
-          <a:bodyPr>
-            <a:normAutofit lnSpcReduction="10000"/>
-          </a:bodyPr>
-          <a:lstStyle/>
-          <a:p>
-            <a:r>
-              <a:rPr lang="en-US" altLang="ja-JP" dirty="0" err="1" smtClean="0"/>
-              <a:t>Alexnet</a:t>
-            </a:r>
-            <a:r>
-              <a:rPr lang="ja-JP" altLang="en-US" dirty="0" smtClean="0"/>
-              <a:t>について</a:t>
-            </a:r>
-            <a:endParaRPr lang="en-US" altLang="ja-JP" dirty="0" smtClean="0"/>
-          </a:p>
-          <a:p>
-            <a:pPr lvl="1"/>
-            <a:r>
-              <a:rPr lang="en-US" altLang="ja-JP" dirty="0" smtClean="0"/>
-              <a:t>2012</a:t>
-            </a:r>
-            <a:r>
-              <a:rPr lang="ja-JP" altLang="en-US" dirty="0"/>
-              <a:t>年の</a:t>
-            </a:r>
-            <a:r>
-              <a:rPr lang="en-US" altLang="ja-JP" dirty="0"/>
-              <a:t>ImageNet</a:t>
-            </a:r>
-            <a:r>
-              <a:rPr lang="ja-JP" altLang="en-US" dirty="0"/>
-              <a:t>を用いた画像認識コンペ</a:t>
-            </a:r>
-            <a:r>
-              <a:rPr lang="en-US" altLang="ja-JP" dirty="0"/>
-              <a:t>ILSVRC</a:t>
-            </a:r>
-            <a:r>
-              <a:rPr lang="ja-JP" altLang="en-US" dirty="0"/>
-              <a:t>でチャンピオンに輝き，</a:t>
-            </a:r>
-            <a:r>
-              <a:rPr lang="en-US" altLang="ja-JP" dirty="0"/>
-              <a:t>Deep Learning</a:t>
-            </a:r>
-            <a:r>
-              <a:rPr lang="ja-JP" altLang="en-US" dirty="0"/>
-              <a:t>の火付け役となった</a:t>
-            </a:r>
-            <a:r>
-              <a:rPr lang="ja-JP" altLang="en-US" dirty="0" smtClean="0"/>
-              <a:t>モデル．</a:t>
-            </a:r>
-            <a:endParaRPr lang="en-US" altLang="ja-JP" dirty="0" smtClean="0"/>
-          </a:p>
-          <a:p>
-            <a:pPr lvl="1"/>
-            <a:r>
-              <a:rPr lang="en-US" altLang="ja-JP" dirty="0" smtClean="0"/>
-              <a:t>5</a:t>
-            </a:r>
-            <a:r>
-              <a:rPr lang="ja-JP" altLang="en-US" dirty="0" err="1"/>
-              <a:t>つの</a:t>
-            </a:r>
-            <a:r>
-              <a:rPr lang="ja-JP" altLang="en-US" dirty="0" smtClean="0"/>
-              <a:t>畳み込み層</a:t>
-            </a:r>
-            <a:r>
-              <a:rPr lang="ja-JP" altLang="en-US" dirty="0"/>
-              <a:t>，</a:t>
-            </a:r>
-            <a:r>
-              <a:rPr lang="en-US" altLang="ja-JP" dirty="0"/>
-              <a:t>3</a:t>
-            </a:r>
-            <a:r>
-              <a:rPr lang="ja-JP" altLang="en-US" dirty="0" err="1"/>
-              <a:t>つの</a:t>
-            </a:r>
-            <a:r>
-              <a:rPr lang="ja-JP" altLang="en-US" dirty="0"/>
-              <a:t>全結合層などから構成</a:t>
-            </a:r>
-            <a:r>
-              <a:rPr lang="ja-JP" altLang="en-US" dirty="0" smtClean="0"/>
-              <a:t>されて</a:t>
-            </a:r>
-            <a:r>
-              <a:rPr lang="ja-JP" altLang="en-US" dirty="0"/>
-              <a:t>いる</a:t>
-            </a:r>
-            <a:r>
-              <a:rPr lang="ja-JP" altLang="en-US" dirty="0" smtClean="0"/>
-              <a:t>．</a:t>
-            </a:r>
-            <a:endParaRPr lang="en-US" altLang="ja-JP" dirty="0" smtClean="0"/>
-          </a:p>
-          <a:p>
-            <a:endParaRPr kumimoji="1" lang="en-US" altLang="ja-JP" dirty="0" smtClean="0"/>
-          </a:p>
-          <a:p>
-            <a:r>
-              <a:rPr kumimoji="1" lang="ja-JP" altLang="en-US" dirty="0" smtClean="0"/>
-              <a:t>下記のサイトを参考に作成</a:t>
-            </a:r>
-            <a:endParaRPr kumimoji="1" lang="en-US" altLang="ja-JP" dirty="0"/>
-          </a:p>
-          <a:p>
-            <a:pPr lvl="1"/>
-            <a:r>
-              <a:rPr lang="en-US" altLang="ja-JP" dirty="0">
-                <a:hlinkClick r:id="rId2"/>
-              </a:rPr>
-              <a:t>https://</a:t>
-            </a:r>
-            <a:r>
-              <a:rPr lang="en-US" altLang="ja-JP" dirty="0" smtClean="0">
-                <a:hlinkClick r:id="rId2"/>
-              </a:rPr>
-              <a:t>qiita.com/URAN110/items/ea2bfc8f7ba2fc858de3</a:t>
-            </a:r>
-            <a:endParaRPr lang="en-US" altLang="ja-JP" dirty="0" smtClean="0"/>
-          </a:p>
-          <a:p>
-            <a:r>
-              <a:rPr lang="ja-JP" altLang="en-US" dirty="0"/>
-              <a:t>学習に</a:t>
-            </a:r>
-            <a:r>
-              <a:rPr lang="ja-JP" altLang="en-US" dirty="0" smtClean="0"/>
-              <a:t>は，</a:t>
-            </a:r>
-            <a:r>
-              <a:rPr lang="en-US" altLang="ja-JP" dirty="0" smtClean="0"/>
-              <a:t>Cifar10</a:t>
-            </a:r>
-            <a:r>
-              <a:rPr lang="ja-JP" altLang="en-US" dirty="0" smtClean="0"/>
-              <a:t>を使用．</a:t>
-            </a:r>
-            <a:endParaRPr lang="en-US" altLang="ja-JP" dirty="0" smtClean="0"/>
-          </a:p>
-        </p:txBody>
-      </p:sp>
-      <p:sp>
-        <p:nvSpPr>
-          <p:cNvPr id="4" name="スライド番号プレースホルダー 3"/>
-          <p:cNvSpPr>
-            <a:spLocks noGrp="1"/>
-          </p:cNvSpPr>
-          <p:nvPr>
-            <p:ph type="sldNum" sz="quarter" idx="12"/>
-          </p:nvPr>
-        </p:nvSpPr>
-        <p:spPr/>
-        <p:txBody>
-          <a:bodyPr/>
-          <a:lstStyle/>
-          <a:p>
-            <a:fld id="{768BF403-63E9-4BE6-AA0B-408C483EA9DC}" type="slidenum">
-              <a:rPr kumimoji="1" lang="ja-JP" altLang="en-US" smtClean="0"/>
-              <a:t>36</a:t>
-            </a:fld>
-            <a:endParaRPr kumimoji="1" lang="ja-JP" altLang="en-US"/>
-          </a:p>
-        </p:txBody>
-      </p:sp>
-    </p:spTree>
-    <p:extLst>
-      <p:ext uri="{BB962C8B-B14F-4D97-AF65-F5344CB8AC3E}">
-        <p14:creationId xmlns:p14="http://schemas.microsoft.com/office/powerpoint/2010/main" val="1140017668"/>
-      </p:ext>
-    </p:extLst>
-  </p:cSld>
-  <p:clrMapOvr>
-    <a:masterClrMapping/>
-  </p:clrMapOvr>
-  <p:timing>
-    <p:tnLst>
-      <p:par>
-        <p:cTn id="1" dur="indefinite" restart="never" nodeType="tmRoot"/>
-      </p:par>
-    </p:tnLst>
-  </p:timing>
-</p:sld>
-</file>
-
-<file path=ppt/slides/slide37.xml><?xml version="1.0" encoding="utf-8"?>
-<p:sld xmlns:a="http://schemas.openxmlformats.org/drawingml/2006/main" xmlns:r="http://schemas.openxmlformats.org/officeDocument/2006/relationships" xmlns:p="http://schemas.openxmlformats.org/presentationml/2006/main">
-  <p:cSld>
-    <p:spTree>
-      <p:nvGrpSpPr>
-        <p:cNvPr id="1" name=""/>
-        <p:cNvGrpSpPr/>
-        <p:nvPr/>
-      </p:nvGrpSpPr>
-      <p:grpSpPr>
-        <a:xfrm>
-          <a:off x="0" y="0"/>
-          <a:ext cx="0" cy="0"/>
-          <a:chOff x="0" y="0"/>
-          <a:chExt cx="0" cy="0"/>
-        </a:xfrm>
-      </p:grpSpPr>
-      <p:pic>
-        <p:nvPicPr>
-          <p:cNvPr id="4" name="コンテンツ プレースホルダー 3"/>
-          <p:cNvPicPr>
-            <a:picLocks noGrp="1"/>
-          </p:cNvPicPr>
-          <p:nvPr>
-            <p:ph idx="1"/>
-          </p:nvPr>
-        </p:nvPicPr>
-        <p:blipFill>
-          <a:blip r:embed="rId2"/>
-          <a:stretch>
-            <a:fillRect/>
-          </a:stretch>
-        </p:blipFill>
-        <p:spPr>
-          <a:xfrm>
-            <a:off x="1588168" y="108283"/>
-            <a:ext cx="6003758" cy="6641433"/>
-          </a:xfrm>
-          <a:prstGeom prst="rect">
-            <a:avLst/>
-          </a:prstGeom>
-        </p:spPr>
-      </p:pic>
-      <p:sp>
-        <p:nvSpPr>
-          <p:cNvPr id="2" name="スライド番号プレースホルダー 1"/>
-          <p:cNvSpPr>
-            <a:spLocks noGrp="1"/>
-          </p:cNvSpPr>
-          <p:nvPr>
-            <p:ph type="sldNum" sz="quarter" idx="12"/>
-          </p:nvPr>
-        </p:nvSpPr>
-        <p:spPr/>
-        <p:txBody>
-          <a:bodyPr/>
-          <a:lstStyle/>
-          <a:p>
-            <a:fld id="{768BF403-63E9-4BE6-AA0B-408C483EA9DC}" type="slidenum">
-              <a:rPr kumimoji="1" lang="ja-JP" altLang="en-US" smtClean="0"/>
-              <a:t>37</a:t>
-            </a:fld>
-            <a:endParaRPr kumimoji="1" lang="ja-JP" altLang="en-US"/>
-          </a:p>
-        </p:txBody>
-      </p:sp>
-    </p:spTree>
-    <p:extLst>
-      <p:ext uri="{BB962C8B-B14F-4D97-AF65-F5344CB8AC3E}">
-        <p14:creationId xmlns:p14="http://schemas.microsoft.com/office/powerpoint/2010/main" val="2567360017"/>
       </p:ext>
     </p:extLst>
   </p:cSld>
@@ -15582,25 +15772,70 @@
           <a:chExt cx="0" cy="0"/>
         </a:xfrm>
       </p:grpSpPr>
+      <p:sp>
+        <p:nvSpPr>
+          <p:cNvPr id="2" name="タイトル 1"/>
+          <p:cNvSpPr>
+            <a:spLocks noGrp="1"/>
+          </p:cNvSpPr>
+          <p:nvPr>
+            <p:ph type="title"/>
+          </p:nvPr>
+        </p:nvSpPr>
+        <p:spPr/>
+        <p:txBody>
+          <a:bodyPr/>
+          <a:lstStyle/>
+          <a:p>
+            <a:r>
+              <a:rPr lang="ja-JP" altLang="en-US" dirty="0"/>
+              <a:t>使用したモデル</a:t>
+            </a:r>
+            <a:endParaRPr kumimoji="1" lang="ja-JP" altLang="en-US" dirty="0"/>
+          </a:p>
+        </p:txBody>
+      </p:sp>
+      <p:sp>
+        <p:nvSpPr>
+          <p:cNvPr id="3" name="コンテンツ プレースホルダー 2"/>
+          <p:cNvSpPr>
+            <a:spLocks noGrp="1"/>
+          </p:cNvSpPr>
+          <p:nvPr>
+            <p:ph idx="1"/>
+          </p:nvPr>
+        </p:nvSpPr>
+        <p:spPr/>
+        <p:txBody>
+          <a:bodyPr/>
+          <a:lstStyle/>
+          <a:p>
+            <a:r>
+              <a:rPr kumimoji="1" lang="ja-JP" altLang="en-US" dirty="0" smtClean="0"/>
+              <a:t>使用したモデル</a:t>
+            </a:r>
+            <a:endParaRPr kumimoji="1" lang="ja-JP" altLang="en-US" dirty="0"/>
+          </a:p>
+        </p:txBody>
+      </p:sp>
       <p:pic>
         <p:nvPicPr>
-          <p:cNvPr id="4" name="コンテンツ プレースホルダー 3"/>
+          <p:cNvPr id="4" name="図 3"/>
           <p:cNvPicPr>
-            <a:picLocks noGrp="1"/>
+            <a:picLocks noChangeAspect="1"/>
           </p:cNvPicPr>
-          <p:nvPr>
-            <p:ph idx="1"/>
-          </p:nvPr>
+          <p:nvPr/>
         </p:nvPicPr>
-        <p:blipFill rotWithShape="1">
+        <p:blipFill>
           <a:blip r:embed="rId2"/>
-          <a:srcRect t="61148"/>
-          <a:stretch/>
+          <a:stretch>
+            <a:fillRect/>
+          </a:stretch>
         </p:blipFill>
         <p:spPr>
           <a:xfrm>
-            <a:off x="382755" y="2658978"/>
-            <a:ext cx="8378490" cy="2129589"/>
+            <a:off x="628650" y="3342033"/>
+            <a:ext cx="5992061" cy="2629267"/>
           </a:xfrm>
           <a:prstGeom prst="rect">
             <a:avLst/>
@@ -15609,37 +15844,7 @@
       </p:pic>
       <p:sp>
         <p:nvSpPr>
-          <p:cNvPr id="5" name="テキスト ボックス 4"/>
-          <p:cNvSpPr txBox="1"/>
-          <p:nvPr/>
-        </p:nvSpPr>
-        <p:spPr>
-          <a:xfrm>
-            <a:off x="382755" y="2015066"/>
-            <a:ext cx="5401733" cy="369332"/>
-          </a:xfrm>
-          <a:prstGeom prst="rect">
-            <a:avLst/>
-          </a:prstGeom>
-          <a:noFill/>
-        </p:spPr>
-        <p:txBody>
-          <a:bodyPr wrap="square" rtlCol="0">
-            <a:spAutoFit/>
-          </a:bodyPr>
-          <a:lstStyle/>
-          <a:p>
-            <a:r>
-              <a:rPr kumimoji="1" lang="ja-JP" altLang="en-US" dirty="0" smtClean="0"/>
-              <a:t>作成した学習済みモデルで，予測ベクトルを表示．</a:t>
-            </a:r>
-            <a:endParaRPr kumimoji="1" lang="ja-JP" altLang="en-US" dirty="0"/>
-          </a:p>
-        </p:txBody>
-      </p:sp>
-      <p:sp>
-        <p:nvSpPr>
-          <p:cNvPr id="2" name="スライド番号プレースホルダー 1"/>
+          <p:cNvPr id="5" name="スライド番号プレースホルダー 4"/>
           <p:cNvSpPr>
             <a:spLocks noGrp="1"/>
           </p:cNvSpPr>
@@ -15663,7 +15868,7 @@
     </p:spTree>
     <p:extLst>
       <p:ext uri="{BB962C8B-B14F-4D97-AF65-F5344CB8AC3E}">
-        <p14:creationId xmlns:p14="http://schemas.microsoft.com/office/powerpoint/2010/main" val="1614569651"/>
+        <p14:creationId xmlns:p14="http://schemas.microsoft.com/office/powerpoint/2010/main" val="1561538588"/>
       </p:ext>
     </p:extLst>
   </p:cSld>
@@ -15713,8 +15918,12 @@
           <a:lstStyle/>
           <a:p>
             <a:r>
+              <a:rPr kumimoji="1" lang="en-US" altLang="ja-JP" dirty="0" err="1" smtClean="0"/>
+              <a:t>Alexnet</a:t>
+            </a:r>
+            <a:r>
               <a:rPr kumimoji="1" lang="ja-JP" altLang="en-US" dirty="0" smtClean="0"/>
-              <a:t>次元数の変更</a:t>
+              <a:t>のモデル作成</a:t>
             </a:r>
             <a:endParaRPr kumimoji="1" lang="ja-JP" altLang="en-US" dirty="0"/>
           </a:p>
@@ -15732,66 +15941,155 @@
         </p:nvSpPr>
         <p:spPr/>
         <p:txBody>
-          <a:bodyPr/>
-          <a:lstStyle/>
-          <a:p>
+          <a:bodyPr>
+            <a:normAutofit lnSpcReduction="10000"/>
+          </a:bodyPr>
+          <a:lstStyle/>
+          <a:p>
+            <a:r>
+              <a:rPr lang="en-US" altLang="ja-JP" dirty="0" err="1" smtClean="0"/>
+              <a:t>Alexnet</a:t>
+            </a:r>
+            <a:r>
+              <a:rPr lang="ja-JP" altLang="en-US" dirty="0" smtClean="0"/>
+              <a:t>について</a:t>
+            </a:r>
+            <a:endParaRPr lang="en-US" altLang="ja-JP" dirty="0" smtClean="0"/>
+          </a:p>
+          <a:p>
+            <a:pPr lvl="1"/>
+            <a:r>
+              <a:rPr lang="en-US" altLang="ja-JP" dirty="0" smtClean="0"/>
+              <a:t>2012</a:t>
+            </a:r>
             <a:r>
               <a:rPr lang="ja-JP" altLang="en-US" dirty="0"/>
-              <a:t>先ほど作ったモデル</a:t>
+              <a:t>年の</a:t>
+            </a:r>
+            <a:r>
+              <a:rPr lang="en-US" altLang="ja-JP" dirty="0"/>
+              <a:t>ImageNet</a:t>
+            </a:r>
+            <a:r>
+              <a:rPr lang="ja-JP" altLang="en-US" dirty="0"/>
+              <a:t>を用いた画像認識コンペ</a:t>
+            </a:r>
+            <a:r>
+              <a:rPr lang="en-US" altLang="ja-JP" dirty="0"/>
+              <a:t>ILSVRC</a:t>
+            </a:r>
+            <a:r>
+              <a:rPr lang="ja-JP" altLang="en-US" dirty="0"/>
+              <a:t>でチャンピオンに輝き，</a:t>
+            </a:r>
+            <a:r>
+              <a:rPr lang="en-US" altLang="ja-JP" dirty="0"/>
+              <a:t>Deep Learning</a:t>
+            </a:r>
+            <a:r>
+              <a:rPr lang="ja-JP" altLang="en-US" dirty="0"/>
+              <a:t>の火付け役となった</a:t>
             </a:r>
             <a:r>
               <a:rPr lang="ja-JP" altLang="en-US" dirty="0" smtClean="0"/>
-              <a:t>と同じ要領でもう一つモデルを作成．</a:t>
+              <a:t>モデル．</a:t>
             </a:r>
             <a:endParaRPr lang="en-US" altLang="ja-JP" dirty="0" smtClean="0"/>
           </a:p>
           <a:p>
-            <a:r>
-              <a:rPr kumimoji="1" lang="en-US" altLang="ja-JP" dirty="0" smtClean="0"/>
-              <a:t>Flatten</a:t>
-            </a:r>
+            <a:pPr lvl="1"/>
+            <a:r>
+              <a:rPr lang="en-US" altLang="ja-JP" dirty="0" smtClean="0"/>
+              <a:t>5</a:t>
+            </a:r>
+            <a:r>
+              <a:rPr lang="ja-JP" altLang="en-US" dirty="0" err="1"/>
+              <a:t>つの</a:t>
+            </a:r>
+            <a:r>
+              <a:rPr lang="ja-JP" altLang="en-US" dirty="0" smtClean="0"/>
+              <a:t>畳み込み層</a:t>
+            </a:r>
+            <a:r>
+              <a:rPr lang="ja-JP" altLang="en-US" dirty="0"/>
+              <a:t>，</a:t>
+            </a:r>
+            <a:r>
+              <a:rPr lang="en-US" altLang="ja-JP" dirty="0"/>
+              <a:t>3</a:t>
+            </a:r>
+            <a:r>
+              <a:rPr lang="ja-JP" altLang="en-US" dirty="0" err="1"/>
+              <a:t>つの</a:t>
+            </a:r>
+            <a:r>
+              <a:rPr lang="ja-JP" altLang="en-US" dirty="0"/>
+              <a:t>全結合層などから構成</a:t>
+            </a:r>
+            <a:r>
+              <a:rPr lang="ja-JP" altLang="en-US" dirty="0" smtClean="0"/>
+              <a:t>されて</a:t>
+            </a:r>
+            <a:r>
+              <a:rPr lang="ja-JP" altLang="en-US" dirty="0"/>
+              <a:t>いる</a:t>
+            </a:r>
+            <a:r>
+              <a:rPr lang="ja-JP" altLang="en-US" dirty="0" smtClean="0"/>
+              <a:t>．</a:t>
+            </a:r>
+            <a:endParaRPr lang="en-US" altLang="ja-JP" dirty="0" smtClean="0"/>
+          </a:p>
+          <a:p>
+            <a:endParaRPr kumimoji="1" lang="en-US" altLang="ja-JP" dirty="0" smtClean="0"/>
+          </a:p>
+          <a:p>
             <a:r>
               <a:rPr kumimoji="1" lang="ja-JP" altLang="en-US" dirty="0" smtClean="0"/>
-              <a:t>以降の層の次元数を</a:t>
-            </a:r>
-            <a:r>
-              <a:rPr kumimoji="1" lang="en-US" altLang="ja-JP" dirty="0" smtClean="0"/>
-              <a:t>1000</a:t>
-            </a:r>
-            <a:r>
-              <a:rPr kumimoji="1" lang="ja-JP" altLang="en-US" dirty="0" smtClean="0"/>
-              <a:t>に変えてみる．</a:t>
-            </a:r>
-            <a:endParaRPr kumimoji="1" lang="ja-JP" altLang="en-US" dirty="0"/>
-          </a:p>
-        </p:txBody>
-      </p:sp>
-      <p:pic>
-        <p:nvPicPr>
-          <p:cNvPr id="4" name="図 3"/>
-          <p:cNvPicPr>
-            <a:picLocks noChangeAspect="1"/>
-          </p:cNvPicPr>
-          <p:nvPr/>
-        </p:nvPicPr>
-        <p:blipFill rotWithShape="1">
-          <a:blip r:embed="rId2"/>
-          <a:srcRect t="61081"/>
-          <a:stretch/>
-        </p:blipFill>
-        <p:spPr>
-          <a:xfrm>
-            <a:off x="1573576" y="3373655"/>
-            <a:ext cx="5633340" cy="2803308"/>
-          </a:xfrm>
-          <a:prstGeom prst="rect">
-            <a:avLst/>
-          </a:prstGeom>
-        </p:spPr>
-      </p:pic>
-      <p:sp>
-        <p:nvSpPr>
-          <p:cNvPr id="5" name="スライド番号プレースホルダー 4"/>
+              <a:t>下記のサイトを参考に作成</a:t>
+            </a:r>
+            <a:endParaRPr kumimoji="1" lang="en-US" altLang="ja-JP" dirty="0"/>
+          </a:p>
+          <a:p>
+            <a:pPr lvl="1"/>
+            <a:r>
+              <a:rPr lang="en-US" altLang="ja-JP" dirty="0">
+                <a:hlinkClick r:id="rId2"/>
+              </a:rPr>
+              <a:t>https://</a:t>
+            </a:r>
+            <a:r>
+              <a:rPr lang="en-US" altLang="ja-JP" dirty="0" smtClean="0">
+                <a:hlinkClick r:id="rId2"/>
+              </a:rPr>
+              <a:t>qiita.com/URAN110/items/ea2bfc8f7ba2fc858de3</a:t>
+            </a:r>
+            <a:endParaRPr lang="en-US" altLang="ja-JP" dirty="0" smtClean="0"/>
+          </a:p>
+          <a:p>
+            <a:r>
+              <a:rPr lang="ja-JP" altLang="en-US" dirty="0"/>
+              <a:t>学習に</a:t>
+            </a:r>
+            <a:r>
+              <a:rPr lang="ja-JP" altLang="en-US" dirty="0" smtClean="0"/>
+              <a:t>は，</a:t>
+            </a:r>
+            <a:r>
+              <a:rPr lang="en-US" altLang="ja-JP" dirty="0" smtClean="0"/>
+              <a:t>Cifar10</a:t>
+            </a:r>
+            <a:r>
+              <a:rPr lang="ja-JP" altLang="en-US" dirty="0" smtClean="0"/>
+              <a:t>を使用．</a:t>
+            </a:r>
+            <a:endParaRPr lang="en-US" altLang="ja-JP" dirty="0" smtClean="0"/>
+          </a:p>
+        </p:txBody>
+      </p:sp>
+      <p:sp>
+        <p:nvSpPr>
+          <p:cNvPr id="4" name="スライド番号プレースホルダー 3"/>
           <p:cNvSpPr>
             <a:spLocks noGrp="1"/>
           </p:cNvSpPr>
@@ -15815,7 +16113,7 @@
     </p:spTree>
     <p:extLst>
       <p:ext uri="{BB962C8B-B14F-4D97-AF65-F5344CB8AC3E}">
-        <p14:creationId xmlns:p14="http://schemas.microsoft.com/office/powerpoint/2010/main" val="2542208680"/>
+        <p14:creationId xmlns:p14="http://schemas.microsoft.com/office/powerpoint/2010/main" val="1140017668"/>
       </p:ext>
     </p:extLst>
   </p:cSld>
@@ -16020,116 +16318,240 @@
           <a:chExt cx="0" cy="0"/>
         </a:xfrm>
       </p:grpSpPr>
-      <p:grpSp>
-        <p:nvGrpSpPr>
-          <p:cNvPr id="5" name="グループ化 4"/>
-          <p:cNvGrpSpPr/>
+      <p:pic>
+        <p:nvPicPr>
+          <p:cNvPr id="4" name="コンテンツ プレースホルダー 3"/>
+          <p:cNvPicPr>
+            <a:picLocks noGrp="1"/>
+          </p:cNvPicPr>
+          <p:nvPr>
+            <p:ph idx="1"/>
+          </p:nvPr>
+        </p:nvPicPr>
+        <p:blipFill rotWithShape="1">
+          <a:blip r:embed="rId2"/>
+          <a:srcRect t="61148"/>
+          <a:stretch/>
+        </p:blipFill>
+        <p:spPr>
+          <a:xfrm>
+            <a:off x="382755" y="2658978"/>
+            <a:ext cx="8378490" cy="2129589"/>
+          </a:xfrm>
+          <a:prstGeom prst="rect">
+            <a:avLst/>
+          </a:prstGeom>
+        </p:spPr>
+      </p:pic>
+      <p:sp>
+        <p:nvSpPr>
+          <p:cNvPr id="5" name="テキスト ボックス 4"/>
+          <p:cNvSpPr txBox="1"/>
           <p:nvPr/>
-        </p:nvGrpSpPr>
-        <p:grpSpPr>
+        </p:nvSpPr>
+        <p:spPr>
           <a:xfrm>
-            <a:off x="2401492" y="1230229"/>
-            <a:ext cx="4571714" cy="4062555"/>
-            <a:chOff x="3201989" y="497305"/>
-            <a:chExt cx="6095618" cy="5416740"/>
+            <a:off x="382755" y="2015066"/>
+            <a:ext cx="5401733" cy="369332"/>
           </a:xfrm>
-        </p:grpSpPr>
-        <p:pic>
-          <p:nvPicPr>
-            <p:cNvPr id="2" name="図 1"/>
-            <p:cNvPicPr>
-              <a:picLocks noChangeAspect="1"/>
-            </p:cNvPicPr>
-            <p:nvPr/>
-          </p:nvPicPr>
-          <p:blipFill rotWithShape="1">
-            <a:blip r:embed="rId2"/>
-            <a:srcRect l="-1611" t="61417" r="1" b="10554"/>
-            <a:stretch/>
-          </p:blipFill>
-          <p:spPr>
-            <a:xfrm>
-              <a:off x="3201989" y="497305"/>
-              <a:ext cx="6095618" cy="1860885"/>
-            </a:xfrm>
-            <a:prstGeom prst="rect">
-              <a:avLst/>
-            </a:prstGeom>
-          </p:spPr>
-        </p:pic>
-        <p:pic>
-          <p:nvPicPr>
-            <p:cNvPr id="3" name="図 2"/>
-            <p:cNvPicPr>
-              <a:picLocks noChangeAspect="1"/>
-            </p:cNvPicPr>
-            <p:nvPr/>
-          </p:nvPicPr>
-          <p:blipFill rotWithShape="1">
-            <a:blip r:embed="rId3"/>
-            <a:srcRect b="26403"/>
-            <a:stretch/>
-          </p:blipFill>
-          <p:spPr>
-            <a:xfrm>
-              <a:off x="3664415" y="3850106"/>
-              <a:ext cx="5633192" cy="2063939"/>
-            </a:xfrm>
-            <a:prstGeom prst="rect">
-              <a:avLst/>
-            </a:prstGeom>
-          </p:spPr>
-        </p:pic>
-        <p:sp>
-          <p:nvSpPr>
-            <p:cNvPr id="4" name="下矢印 3"/>
-            <p:cNvSpPr/>
-            <p:nvPr/>
-          </p:nvSpPr>
-          <p:spPr>
-            <a:xfrm>
-              <a:off x="5670884" y="2590801"/>
-              <a:ext cx="721895" cy="1026694"/>
-            </a:xfrm>
-            <a:prstGeom prst="downArrow">
-              <a:avLst/>
-            </a:prstGeom>
-          </p:spPr>
-          <p:style>
-            <a:lnRef idx="2">
-              <a:schemeClr val="accent1">
-                <a:shade val="50000"/>
-              </a:schemeClr>
-            </a:lnRef>
-            <a:fillRef idx="1">
-              <a:schemeClr val="accent1"/>
-            </a:fillRef>
-            <a:effectRef idx="0">
-              <a:schemeClr val="accent1"/>
-            </a:effectRef>
-            <a:fontRef idx="minor">
-              <a:schemeClr val="lt1"/>
-            </a:fontRef>
-          </p:style>
-          <p:txBody>
-            <a:bodyPr rot="0" spcFirstLastPara="0" vertOverflow="overflow" horzOverflow="overflow" vert="horz" wrap="square" lIns="68580" tIns="34290" rIns="68580" bIns="34290" numCol="1" spcCol="0" rtlCol="0" fromWordArt="0" anchor="ctr" anchorCtr="0" forceAA="0" compatLnSpc="1">
-              <a:prstTxWarp prst="textNoShape">
-                <a:avLst/>
-              </a:prstTxWarp>
-              <a:noAutofit/>
-            </a:bodyPr>
-            <a:lstStyle/>
-            <a:p>
-              <a:pPr algn="ctr"/>
-              <a:endParaRPr lang="ja-JP" altLang="en-US" sz="1350"/>
-            </a:p>
-          </p:txBody>
-        </p:sp>
-      </p:grpSp>
+          <a:prstGeom prst="rect">
+            <a:avLst/>
+          </a:prstGeom>
+          <a:noFill/>
+        </p:spPr>
+        <p:txBody>
+          <a:bodyPr wrap="square" rtlCol="0">
+            <a:spAutoFit/>
+          </a:bodyPr>
+          <a:lstStyle/>
+          <a:p>
+            <a:r>
+              <a:rPr kumimoji="1" lang="ja-JP" altLang="en-US" dirty="0" smtClean="0"/>
+              <a:t>作成した学習済みモデルで，予測ベクトルを表示．</a:t>
+            </a:r>
+            <a:endParaRPr kumimoji="1" lang="ja-JP" altLang="en-US" dirty="0"/>
+          </a:p>
+        </p:txBody>
+      </p:sp>
+      <p:sp>
+        <p:nvSpPr>
+          <p:cNvPr id="2" name="スライド番号プレースホルダー 1"/>
+          <p:cNvSpPr>
+            <a:spLocks noGrp="1"/>
+          </p:cNvSpPr>
+          <p:nvPr>
+            <p:ph type="sldNum" sz="quarter" idx="12"/>
+          </p:nvPr>
+        </p:nvSpPr>
+        <p:spPr/>
+        <p:txBody>
+          <a:bodyPr/>
+          <a:lstStyle/>
+          <a:p>
+            <a:fld id="{768BF403-63E9-4BE6-AA0B-408C483EA9DC}" type="slidenum">
+              <a:rPr kumimoji="1" lang="ja-JP" altLang="en-US" smtClean="0"/>
+              <a:t>40</a:t>
+            </a:fld>
+            <a:endParaRPr kumimoji="1" lang="ja-JP" altLang="en-US"/>
+          </a:p>
+        </p:txBody>
+      </p:sp>
     </p:spTree>
     <p:extLst>
       <p:ext uri="{BB962C8B-B14F-4D97-AF65-F5344CB8AC3E}">
-        <p14:creationId xmlns:p14="http://schemas.microsoft.com/office/powerpoint/2010/main" val="3699749314"/>
+        <p14:creationId xmlns:p14="http://schemas.microsoft.com/office/powerpoint/2010/main" val="1614569651"/>
+      </p:ext>
+    </p:extLst>
+  </p:cSld>
+  <p:clrMapOvr>
+    <a:masterClrMapping/>
+  </p:clrMapOvr>
+  <p:timing>
+    <p:tnLst>
+      <p:par>
+        <p:cTn id="1" dur="indefinite" restart="never" nodeType="tmRoot"/>
+      </p:par>
+    </p:tnLst>
+  </p:timing>
+</p:sld>
+</file>
+
+<file path=ppt/slides/slide41.xml><?xml version="1.0" encoding="utf-8"?>
+<p:sld xmlns:a="http://schemas.openxmlformats.org/drawingml/2006/main" xmlns:r="http://schemas.openxmlformats.org/officeDocument/2006/relationships" xmlns:p="http://schemas.openxmlformats.org/presentationml/2006/main">
+  <p:cSld>
+    <p:spTree>
+      <p:nvGrpSpPr>
+        <p:cNvPr id="1" name=""/>
+        <p:cNvGrpSpPr/>
+        <p:nvPr/>
+      </p:nvGrpSpPr>
+      <p:grpSpPr>
+        <a:xfrm>
+          <a:off x="0" y="0"/>
+          <a:ext cx="0" cy="0"/>
+          <a:chOff x="0" y="0"/>
+          <a:chExt cx="0" cy="0"/>
+        </a:xfrm>
+      </p:grpSpPr>
+      <p:sp>
+        <p:nvSpPr>
+          <p:cNvPr id="2" name="タイトル 1"/>
+          <p:cNvSpPr>
+            <a:spLocks noGrp="1"/>
+          </p:cNvSpPr>
+          <p:nvPr>
+            <p:ph type="title"/>
+          </p:nvPr>
+        </p:nvSpPr>
+        <p:spPr/>
+        <p:txBody>
+          <a:bodyPr/>
+          <a:lstStyle/>
+          <a:p>
+            <a:r>
+              <a:rPr kumimoji="1" lang="ja-JP" altLang="en-US" dirty="0" smtClean="0"/>
+              <a:t>次元数の変更</a:t>
+            </a:r>
+            <a:endParaRPr kumimoji="1" lang="ja-JP" altLang="en-US" dirty="0"/>
+          </a:p>
+        </p:txBody>
+      </p:sp>
+      <p:sp>
+        <p:nvSpPr>
+          <p:cNvPr id="3" name="コンテンツ プレースホルダー 2"/>
+          <p:cNvSpPr>
+            <a:spLocks noGrp="1"/>
+          </p:cNvSpPr>
+          <p:nvPr>
+            <p:ph idx="1"/>
+          </p:nvPr>
+        </p:nvSpPr>
+        <p:spPr/>
+        <p:txBody>
+          <a:bodyPr/>
+          <a:lstStyle/>
+          <a:p>
+            <a:r>
+              <a:rPr lang="ja-JP" altLang="en-US" dirty="0"/>
+              <a:t>先ほど作ったモデル</a:t>
+            </a:r>
+            <a:r>
+              <a:rPr lang="ja-JP" altLang="en-US" dirty="0" smtClean="0"/>
+              <a:t>と同じ要領でもう一つモデルを作成．</a:t>
+            </a:r>
+            <a:endParaRPr lang="en-US" altLang="ja-JP" dirty="0" smtClean="0"/>
+          </a:p>
+          <a:p>
+            <a:r>
+              <a:rPr kumimoji="1" lang="en-US" altLang="ja-JP" dirty="0" smtClean="0"/>
+              <a:t>Flatten</a:t>
+            </a:r>
+            <a:r>
+              <a:rPr kumimoji="1" lang="ja-JP" altLang="en-US" dirty="0" smtClean="0"/>
+              <a:t>以降の層の次元数を</a:t>
+            </a:r>
+            <a:r>
+              <a:rPr kumimoji="1" lang="en-US" altLang="ja-JP" dirty="0" smtClean="0"/>
+              <a:t>1000</a:t>
+            </a:r>
+            <a:r>
+              <a:rPr kumimoji="1" lang="ja-JP" altLang="en-US" dirty="0" smtClean="0"/>
+              <a:t>に変えてみる．</a:t>
+            </a:r>
+            <a:endParaRPr kumimoji="1" lang="ja-JP" altLang="en-US" dirty="0"/>
+          </a:p>
+        </p:txBody>
+      </p:sp>
+      <p:pic>
+        <p:nvPicPr>
+          <p:cNvPr id="4" name="図 3"/>
+          <p:cNvPicPr>
+            <a:picLocks noChangeAspect="1"/>
+          </p:cNvPicPr>
+          <p:nvPr/>
+        </p:nvPicPr>
+        <p:blipFill rotWithShape="1">
+          <a:blip r:embed="rId2"/>
+          <a:srcRect t="61081"/>
+          <a:stretch/>
+        </p:blipFill>
+        <p:spPr>
+          <a:xfrm>
+            <a:off x="1573576" y="3373655"/>
+            <a:ext cx="5633340" cy="2803308"/>
+          </a:xfrm>
+          <a:prstGeom prst="rect">
+            <a:avLst/>
+          </a:prstGeom>
+        </p:spPr>
+      </p:pic>
+      <p:sp>
+        <p:nvSpPr>
+          <p:cNvPr id="5" name="スライド番号プレースホルダー 4"/>
+          <p:cNvSpPr>
+            <a:spLocks noGrp="1"/>
+          </p:cNvSpPr>
+          <p:nvPr>
+            <p:ph type="sldNum" sz="quarter" idx="12"/>
+          </p:nvPr>
+        </p:nvSpPr>
+        <p:spPr/>
+        <p:txBody>
+          <a:bodyPr/>
+          <a:lstStyle/>
+          <a:p>
+            <a:fld id="{768BF403-63E9-4BE6-AA0B-408C483EA9DC}" type="slidenum">
+              <a:rPr kumimoji="1" lang="ja-JP" altLang="en-US" smtClean="0"/>
+              <a:t>41</a:t>
+            </a:fld>
+            <a:endParaRPr kumimoji="1" lang="ja-JP" altLang="en-US"/>
+          </a:p>
+        </p:txBody>
+      </p:sp>
+    </p:spTree>
+    <p:extLst>
+      <p:ext uri="{BB962C8B-B14F-4D97-AF65-F5344CB8AC3E}">
+        <p14:creationId xmlns:p14="http://schemas.microsoft.com/office/powerpoint/2010/main" val="2542208680"/>
       </p:ext>
     </p:extLst>
   </p:cSld>
@@ -17027,127 +17449,39 @@
           <a:lstStyle/>
           <a:p>
             <a:r>
-              <a:rPr lang="ja-JP" altLang="en-US" dirty="0"/>
-              <a:t>研究の方法</a:t>
+              <a:rPr kumimoji="1" lang="ja-JP" altLang="en-US" dirty="0" smtClean="0"/>
+              <a:t>提案手法</a:t>
             </a:r>
             <a:endParaRPr kumimoji="1" lang="ja-JP" altLang="en-US" dirty="0"/>
           </a:p>
         </p:txBody>
       </p:sp>
-      <p:sp>
-        <p:nvSpPr>
-          <p:cNvPr id="3" name="コンテンツ プレースホルダー 2"/>
-          <p:cNvSpPr>
-            <a:spLocks noGrp="1"/>
-          </p:cNvSpPr>
+      <p:pic>
+        <p:nvPicPr>
+          <p:cNvPr id="5" name="コンテンツ プレースホルダー 4"/>
+          <p:cNvPicPr>
+            <a:picLocks noGrp="1" noChangeAspect="1"/>
+          </p:cNvPicPr>
           <p:nvPr>
             <p:ph idx="1"/>
           </p:nvPr>
-        </p:nvSpPr>
+        </p:nvPicPr>
+        <p:blipFill>
+          <a:blip r:embed="rId3"/>
+          <a:stretch>
+            <a:fillRect/>
+          </a:stretch>
+        </p:blipFill>
         <p:spPr>
           <a:xfrm>
-            <a:off x="628650" y="1961147"/>
-            <a:ext cx="7886700" cy="4186990"/>
+            <a:off x="1222560" y="1825625"/>
+            <a:ext cx="6698880" cy="4351338"/>
           </a:xfrm>
+          <a:prstGeom prst="rect">
+            <a:avLst/>
+          </a:prstGeom>
         </p:spPr>
-        <p:txBody>
-          <a:bodyPr>
-            <a:normAutofit/>
-          </a:bodyPr>
-          <a:lstStyle/>
-          <a:p>
-            <a:r>
-              <a:rPr lang="ja-JP" altLang="en-US" dirty="0" smtClean="0"/>
-              <a:t>次元数の異なる深層学習モデルを複数用意．</a:t>
-            </a:r>
-            <a:endParaRPr lang="en-US" altLang="ja-JP" dirty="0" smtClean="0"/>
-          </a:p>
-          <a:p>
-            <a:endParaRPr lang="en-US" altLang="ja-JP" dirty="0" smtClean="0"/>
-          </a:p>
-          <a:p>
-            <a:r>
-              <a:rPr lang="ja-JP" altLang="en-US" dirty="0" smtClean="0"/>
-              <a:t>画像</a:t>
-            </a:r>
-            <a:r>
-              <a:rPr lang="ja-JP" altLang="en-US" dirty="0"/>
-              <a:t>集合を用意し</a:t>
-            </a:r>
-            <a:r>
-              <a:rPr lang="ja-JP" altLang="en-US" dirty="0" smtClean="0"/>
-              <a:t>，</a:t>
-            </a:r>
-            <a:r>
-              <a:rPr lang="ja-JP" altLang="en-US" dirty="0"/>
-              <a:t>深層学習モデル</a:t>
-            </a:r>
-            <a:r>
-              <a:rPr lang="ja-JP" altLang="en-US" dirty="0" smtClean="0"/>
-              <a:t>を</a:t>
-            </a:r>
-            <a:r>
-              <a:rPr lang="ja-JP" altLang="en-US" dirty="0"/>
-              <a:t>用いて特徴ベクトル</a:t>
-            </a:r>
-            <a:r>
-              <a:rPr lang="ja-JP" altLang="en-US" dirty="0" smtClean="0"/>
-              <a:t>を</a:t>
-            </a:r>
-            <a:r>
-              <a:rPr lang="ja-JP" altLang="en-US" dirty="0"/>
-              <a:t>抽出</a:t>
-            </a:r>
-            <a:r>
-              <a:rPr lang="ja-JP" altLang="en-US" dirty="0" smtClean="0"/>
-              <a:t>する．</a:t>
-            </a:r>
-            <a:endParaRPr lang="en-US" altLang="ja-JP" dirty="0" smtClean="0"/>
-          </a:p>
-          <a:p>
-            <a:endParaRPr lang="en-US" altLang="ja-JP" dirty="0"/>
-          </a:p>
-          <a:p>
-            <a:r>
-              <a:rPr lang="ja-JP" altLang="en-US" dirty="0"/>
-              <a:t>特徴</a:t>
-            </a:r>
-            <a:r>
-              <a:rPr lang="ja-JP" altLang="en-US" dirty="0" smtClean="0"/>
-              <a:t>ベクトルを用いて</a:t>
-            </a:r>
-            <a:r>
-              <a:rPr kumimoji="1" lang="ja-JP" altLang="en-US" dirty="0" smtClean="0"/>
-              <a:t>類似度を</a:t>
-            </a:r>
-            <a:r>
-              <a:rPr lang="ja-JP" altLang="en-US" dirty="0"/>
-              <a:t>測る</a:t>
-            </a:r>
-            <a:r>
-              <a:rPr kumimoji="1" lang="ja-JP" altLang="en-US" dirty="0" smtClean="0"/>
-              <a:t>ときの検索精度と計算</a:t>
-            </a:r>
-            <a:r>
-              <a:rPr lang="ja-JP" altLang="en-US" dirty="0" smtClean="0"/>
-              <a:t>時間</a:t>
-            </a:r>
-            <a:r>
-              <a:rPr kumimoji="1" lang="ja-JP" altLang="en-US" dirty="0" smtClean="0"/>
-              <a:t>に</a:t>
-            </a:r>
-            <a:r>
-              <a:rPr kumimoji="1" lang="ja-JP" altLang="en-US" dirty="0"/>
-              <a:t>ついて評価する</a:t>
-            </a:r>
-            <a:r>
-              <a:rPr kumimoji="1" lang="ja-JP" altLang="en-US" dirty="0" smtClean="0"/>
-              <a:t>．</a:t>
-            </a:r>
-            <a:endParaRPr kumimoji="1" lang="en-US" altLang="ja-JP" dirty="0"/>
-          </a:p>
-        </p:txBody>
-      </p:sp>
+      </p:pic>
       <p:sp>
         <p:nvSpPr>
           <p:cNvPr id="4" name="スライド番号プレースホルダー 3"/>
@@ -17163,31 +17497,24 @@
           <a:bodyPr/>
           <a:lstStyle/>
           <a:p>
-            <a:fld id="{B4451160-128F-4DAD-AE29-4A8CC0E7B9E9}" type="slidenum">
-              <a:rPr kumimoji="1" lang="ja-JP" altLang="en-US" sz="3200" smtClean="0"/>
+            <a:fld id="{768BF403-63E9-4BE6-AA0B-408C483EA9DC}" type="slidenum">
+              <a:rPr kumimoji="1" lang="ja-JP" altLang="en-US" smtClean="0"/>
               <a:t>7</a:t>
             </a:fld>
-            <a:endParaRPr kumimoji="1" lang="ja-JP" altLang="en-US" sz="3200" dirty="0"/>
+            <a:endParaRPr kumimoji="1" lang="ja-JP" altLang="en-US"/>
           </a:p>
         </p:txBody>
       </p:sp>
     </p:spTree>
     <p:extLst>
       <p:ext uri="{BB962C8B-B14F-4D97-AF65-F5344CB8AC3E}">
-        <p14:creationId xmlns:p14="http://schemas.microsoft.com/office/powerpoint/2010/main" val="1260124372"/>
+        <p14:creationId xmlns:p14="http://schemas.microsoft.com/office/powerpoint/2010/main" val="3181162572"/>
       </p:ext>
     </p:extLst>
   </p:cSld>
   <p:clrMapOvr>
     <a:masterClrMapping/>
   </p:clrMapOvr>
-  <p:timing>
-    <p:tnLst>
-      <p:par>
-        <p:cTn id="1" dur="indefinite" restart="never" nodeType="tmRoot"/>
-      </p:par>
-    </p:tnLst>
-  </p:timing>
 </p:sld>
 </file>
 
@@ -17413,7 +17740,11 @@
           <a:p>
             <a:r>
               <a:rPr kumimoji="1" lang="ja-JP" altLang="en-US" dirty="0" smtClean="0"/>
-              <a:t>実験環境（ここいらないかも）</a:t>
+              <a:t>実験方法</a:t>
+            </a:r>
+            <a:r>
+              <a:rPr kumimoji="1" lang="en-US" altLang="ja-JP" dirty="0" smtClean="0"/>
+              <a:t>1</a:t>
             </a:r>
             <a:endParaRPr kumimoji="1" lang="ja-JP" altLang="en-US" dirty="0"/>
           </a:p>
@@ -17434,41 +17765,108 @@
           <a:bodyPr/>
           <a:lstStyle/>
           <a:p>
-            <a:r>
-              <a:rPr lang="en-US" altLang="ja-JP" dirty="0" err="1" smtClean="0"/>
-              <a:t>Alexnet</a:t>
+            <a:pPr marL="514350" indent="-514350">
+              <a:buFont typeface="+mj-lt"/>
+              <a:buAutoNum type="arabicPeriod"/>
+            </a:pPr>
+            <a:r>
+              <a:rPr lang="ja-JP" altLang="en-US" dirty="0"/>
+              <a:t>特徴</a:t>
             </a:r>
             <a:r>
               <a:rPr lang="ja-JP" altLang="en-US" dirty="0" smtClean="0"/>
-              <a:t>の構造をもとにモデルを</a:t>
-            </a:r>
+              <a:t>ベクトルを評価プログラムに読み込む．</a:t>
+            </a:r>
+            <a:endParaRPr lang="en-US" altLang="ja-JP" dirty="0" smtClean="0"/>
+          </a:p>
+          <a:p>
+            <a:pPr marL="514350" indent="-514350">
+              <a:buFont typeface="+mj-lt"/>
+              <a:buAutoNum type="arabicPeriod"/>
+            </a:pPr>
+            <a:r>
+              <a:rPr lang="ja-JP" altLang="en-US" dirty="0" smtClean="0"/>
+              <a:t>ユークリッド距離を測る．</a:t>
+            </a:r>
+            <a:endParaRPr lang="en-US" altLang="ja-JP" dirty="0" smtClean="0"/>
+          </a:p>
+          <a:p>
+            <a:pPr marL="514350" indent="-514350">
+              <a:buFont typeface="+mj-lt"/>
+              <a:buAutoNum type="arabicPeriod"/>
+            </a:pPr>
+            <a:r>
+              <a:rPr lang="ja-JP" altLang="en-US" dirty="0" smtClean="0"/>
+              <a:t>距離の近い順に並び変える．</a:t>
+            </a:r>
+            <a:endParaRPr lang="en-US" altLang="ja-JP" dirty="0" smtClean="0"/>
+          </a:p>
+          <a:p>
+            <a:pPr marL="514350" indent="-514350">
+              <a:buFont typeface="+mj-lt"/>
+              <a:buAutoNum type="arabicPeriod"/>
+            </a:pPr>
+            <a:r>
+              <a:rPr lang="ja-JP" altLang="en-US" dirty="0" smtClean="0"/>
+              <a:t>上位</a:t>
+            </a:r>
+            <a:r>
+              <a:rPr lang="en-US" altLang="ja-JP" dirty="0" smtClean="0"/>
+              <a:t>20</a:t>
+            </a:r>
+            <a:r>
+              <a:rPr lang="ja-JP" altLang="en-US" dirty="0" smtClean="0"/>
+              <a:t>件の画像を取得する．</a:t>
+            </a:r>
+            <a:endParaRPr lang="en-US" altLang="ja-JP" dirty="0" smtClean="0"/>
+          </a:p>
+          <a:p>
+            <a:pPr marL="514350" indent="-514350">
+              <a:buFont typeface="+mj-lt"/>
+              <a:buAutoNum type="arabicPeriod"/>
+            </a:pPr>
             <a:r>
               <a:rPr lang="ja-JP" altLang="en-US" dirty="0"/>
-              <a:t>作成</a:t>
+              <a:t>基準</a:t>
             </a:r>
             <a:r>
               <a:rPr lang="ja-JP" altLang="en-US" dirty="0" smtClean="0"/>
-              <a:t>．</a:t>
-            </a:r>
-            <a:endParaRPr lang="en-US" altLang="ja-JP" dirty="0"/>
-          </a:p>
-          <a:p>
-            <a:endParaRPr lang="en-US" altLang="ja-JP" dirty="0"/>
-          </a:p>
-          <a:p>
-            <a:r>
-              <a:rPr lang="en-US" altLang="ja-JP" dirty="0"/>
-              <a:t>CIFER-10</a:t>
+              <a:t>のラベルと同じラベルを数える．</a:t>
+            </a:r>
+            <a:endParaRPr lang="en-US" altLang="ja-JP" dirty="0" smtClean="0"/>
+          </a:p>
+          <a:p>
+            <a:pPr marL="514350" indent="-514350">
+              <a:buFont typeface="+mj-lt"/>
+              <a:buAutoNum type="arabicPeriod"/>
+            </a:pPr>
+            <a:r>
+              <a:rPr lang="ja-JP" altLang="en-US" dirty="0"/>
+              <a:t>正答率</a:t>
             </a:r>
             <a:r>
               <a:rPr lang="ja-JP" altLang="en-US" dirty="0" smtClean="0"/>
-              <a:t>データセット</a:t>
-            </a:r>
+              <a:t>を計算し，検索精度をみる．</a:t>
+            </a:r>
+            <a:endParaRPr lang="en-US" altLang="ja-JP" dirty="0" smtClean="0"/>
+          </a:p>
+          <a:p>
+            <a:pPr marL="514350" indent="-514350">
+              <a:buFont typeface="+mj-lt"/>
+              <a:buAutoNum type="arabicPeriod"/>
+            </a:pPr>
             <a:r>
               <a:rPr lang="ja-JP" altLang="en-US" dirty="0"/>
-              <a:t>を学習に使用．</a:t>
-            </a:r>
-            <a:endParaRPr lang="en-US" altLang="ja-JP" dirty="0"/>
+              <a:t>ここまで</a:t>
+            </a:r>
+            <a:r>
+              <a:rPr lang="ja-JP" altLang="en-US" dirty="0" smtClean="0"/>
+              <a:t>の計算時間を測る．</a:t>
+            </a:r>
+            <a:endParaRPr lang="en-US" altLang="ja-JP" dirty="0" smtClean="0"/>
+          </a:p>
+          <a:p>
+            <a:endParaRPr lang="en-US" altLang="ja-JP" dirty="0" smtClean="0"/>
           </a:p>
         </p:txBody>
       </p:sp>
@@ -17498,13 +17896,20 @@
     </p:spTree>
     <p:extLst>
       <p:ext uri="{BB962C8B-B14F-4D97-AF65-F5344CB8AC3E}">
-        <p14:creationId xmlns:p14="http://schemas.microsoft.com/office/powerpoint/2010/main" val="1944521419"/>
+        <p14:creationId xmlns:p14="http://schemas.microsoft.com/office/powerpoint/2010/main" val="125702674"/>
       </p:ext>
     </p:extLst>
   </p:cSld>
   <p:clrMapOvr>
     <a:masterClrMapping/>
   </p:clrMapOvr>
+  <p:timing>
+    <p:tnLst>
+      <p:par>
+        <p:cTn id="1" dur="indefinite" restart="never" nodeType="tmRoot"/>
+      </p:par>
+    </p:tnLst>
+  </p:timing>
 </p:sld>
 </file>
 
